--- a/Apresentação - Prepta.pptx
+++ b/Apresentação - Prepta.pptx
@@ -6,21 +6,21 @@
   </p:sldMasterIdLst>
   <p:sldIdLst>
     <p:sldId id="256" r:id="rId2"/>
-    <p:sldId id="257" r:id="rId3"/>
-    <p:sldId id="258" r:id="rId4"/>
-    <p:sldId id="259" r:id="rId5"/>
-    <p:sldId id="260" r:id="rId6"/>
-    <p:sldId id="261" r:id="rId7"/>
-    <p:sldId id="262" r:id="rId8"/>
-    <p:sldId id="263" r:id="rId9"/>
-    <p:sldId id="264" r:id="rId10"/>
-    <p:sldId id="265" r:id="rId11"/>
-    <p:sldId id="271" r:id="rId12"/>
-    <p:sldId id="266" r:id="rId13"/>
-    <p:sldId id="267" r:id="rId14"/>
-    <p:sldId id="268" r:id="rId15"/>
-    <p:sldId id="269" r:id="rId16"/>
-    <p:sldId id="270" r:id="rId17"/>
+    <p:sldId id="272" r:id="rId3"/>
+    <p:sldId id="257" r:id="rId4"/>
+    <p:sldId id="258" r:id="rId5"/>
+    <p:sldId id="259" r:id="rId6"/>
+    <p:sldId id="260" r:id="rId7"/>
+    <p:sldId id="261" r:id="rId8"/>
+    <p:sldId id="262" r:id="rId9"/>
+    <p:sldId id="263" r:id="rId10"/>
+    <p:sldId id="264" r:id="rId11"/>
+    <p:sldId id="265" r:id="rId12"/>
+    <p:sldId id="271" r:id="rId13"/>
+    <p:sldId id="273" r:id="rId14"/>
+    <p:sldId id="267" r:id="rId15"/>
+    <p:sldId id="268" r:id="rId16"/>
+    <p:sldId id="269" r:id="rId17"/>
   </p:sldIdLst>
   <p:sldSz cx="12192000" cy="6858000"/>
   <p:notesSz cx="6858000" cy="9144000"/>
@@ -119,7 +119,1335 @@
       </a:defRPr>
     </a:lvl9pPr>
   </p:defaultTextStyle>
+  <p:extLst>
+    <p:ext uri="{EFAFB233-063F-42B5-8137-9DF3F51BA10A}">
+      <p15:sldGuideLst xmlns:p15="http://schemas.microsoft.com/office/powerpoint/2012/main"/>
+    </p:ext>
+  </p:extLst>
 </p:presentation>
+</file>
+
+<file path=ppt/revisionInfo.xml><?xml version="1.0" encoding="utf-8"?>
+<p1510:revInfo xmlns:a="http://schemas.openxmlformats.org/drawingml/2006/main" xmlns:r="http://schemas.openxmlformats.org/officeDocument/2006/relationships" xmlns:p1510="http://schemas.microsoft.com/office/powerpoint/2015/10/main">
+  <p1510:revLst>
+    <p1510:client id="{F775D6D4-349D-4C11-BAD6-5F5FBEE0A3D4}" v="246" dt="2021-03-07T22:18:35.823"/>
+  </p1510:revLst>
+</p1510:revInfo>
+</file>
+
+<file path=ppt/changesInfos/changesInfo1.xml><?xml version="1.0" encoding="utf-8"?>
+<pc:chgInfo xmlns:a="http://schemas.openxmlformats.org/drawingml/2006/main" xmlns:r="http://schemas.openxmlformats.org/officeDocument/2006/relationships" xmlns:ac="http://schemas.microsoft.com/office/drawing/2013/main/command" xmlns:pc="http://schemas.microsoft.com/office/powerpoint/2013/main/command">
+  <pc:docChgLst>
+    <pc:chgData name="Melo, Bruna Martins Brito de" userId="c13880bf-6654-4c41-8cb2-18b8c06e908d" providerId="ADAL" clId="{F775D6D4-349D-4C11-BAD6-5F5FBEE0A3D4}"/>
+    <pc:docChg chg="undo custSel mod addSld delSld modSld sldOrd modMainMaster">
+      <pc:chgData name="Melo, Bruna Martins Brito de" userId="c13880bf-6654-4c41-8cb2-18b8c06e908d" providerId="ADAL" clId="{F775D6D4-349D-4C11-BAD6-5F5FBEE0A3D4}" dt="2021-03-07T22:18:45.418" v="1866" actId="1076"/>
+      <pc:docMkLst>
+        <pc:docMk/>
+      </pc:docMkLst>
+      <pc:sldChg chg="addSp delSp modSp mod setBg">
+        <pc:chgData name="Melo, Bruna Martins Brito de" userId="c13880bf-6654-4c41-8cb2-18b8c06e908d" providerId="ADAL" clId="{F775D6D4-349D-4C11-BAD6-5F5FBEE0A3D4}" dt="2021-03-07T19:47:25.884" v="526" actId="1076"/>
+        <pc:sldMkLst>
+          <pc:docMk/>
+          <pc:sldMk cId="3600482943" sldId="256"/>
+        </pc:sldMkLst>
+        <pc:spChg chg="mod">
+          <ac:chgData name="Melo, Bruna Martins Brito de" userId="c13880bf-6654-4c41-8cb2-18b8c06e908d" providerId="ADAL" clId="{F775D6D4-349D-4C11-BAD6-5F5FBEE0A3D4}" dt="2021-03-07T19:36:29.662" v="365" actId="1076"/>
+          <ac:spMkLst>
+            <pc:docMk/>
+            <pc:sldMk cId="3600482943" sldId="256"/>
+            <ac:spMk id="2" creationId="{54D71E4B-4529-4A73-A8F7-E8AD3F457FFA}"/>
+          </ac:spMkLst>
+        </pc:spChg>
+        <pc:spChg chg="add mod">
+          <ac:chgData name="Melo, Bruna Martins Brito de" userId="c13880bf-6654-4c41-8cb2-18b8c06e908d" providerId="ADAL" clId="{F775D6D4-349D-4C11-BAD6-5F5FBEE0A3D4}" dt="2021-03-07T19:35:51.608" v="360" actId="164"/>
+          <ac:spMkLst>
+            <pc:docMk/>
+            <pc:sldMk cId="3600482943" sldId="256"/>
+            <ac:spMk id="4" creationId="{C6D18919-6AE1-4254-BA99-A8E6B9FC0A21}"/>
+          </ac:spMkLst>
+        </pc:spChg>
+        <pc:spChg chg="add mod">
+          <ac:chgData name="Melo, Bruna Martins Brito de" userId="c13880bf-6654-4c41-8cb2-18b8c06e908d" providerId="ADAL" clId="{F775D6D4-349D-4C11-BAD6-5F5FBEE0A3D4}" dt="2021-03-07T19:35:51.608" v="360" actId="164"/>
+          <ac:spMkLst>
+            <pc:docMk/>
+            <pc:sldMk cId="3600482943" sldId="256"/>
+            <ac:spMk id="5" creationId="{91C6E6CA-4630-4CE0-B128-8472135FDF84}"/>
+          </ac:spMkLst>
+        </pc:spChg>
+        <pc:spChg chg="add del">
+          <ac:chgData name="Melo, Bruna Martins Brito de" userId="c13880bf-6654-4c41-8cb2-18b8c06e908d" providerId="ADAL" clId="{F775D6D4-349D-4C11-BAD6-5F5FBEE0A3D4}" dt="2021-03-07T19:29:22.447" v="210" actId="26606"/>
+          <ac:spMkLst>
+            <pc:docMk/>
+            <pc:sldMk cId="3600482943" sldId="256"/>
+            <ac:spMk id="8" creationId="{6FD9D7E7-DF77-490E-BCAC-DB04B3804C10}"/>
+          </ac:spMkLst>
+        </pc:spChg>
+        <pc:spChg chg="add mod">
+          <ac:chgData name="Melo, Bruna Martins Brito de" userId="c13880bf-6654-4c41-8cb2-18b8c06e908d" providerId="ADAL" clId="{F775D6D4-349D-4C11-BAD6-5F5FBEE0A3D4}" dt="2021-03-07T19:35:51.608" v="360" actId="164"/>
+          <ac:spMkLst>
+            <pc:docMk/>
+            <pc:sldMk cId="3600482943" sldId="256"/>
+            <ac:spMk id="9" creationId="{AD301135-F91A-499D-917D-873F7FF97F6A}"/>
+          </ac:spMkLst>
+        </pc:spChg>
+        <pc:spChg chg="add del">
+          <ac:chgData name="Melo, Bruna Martins Brito de" userId="c13880bf-6654-4c41-8cb2-18b8c06e908d" providerId="ADAL" clId="{F775D6D4-349D-4C11-BAD6-5F5FBEE0A3D4}" dt="2021-03-07T19:29:22.447" v="210" actId="26606"/>
+          <ac:spMkLst>
+            <pc:docMk/>
+            <pc:sldMk cId="3600482943" sldId="256"/>
+            <ac:spMk id="10" creationId="{D89AF302-1573-4DC3-9F33-A0090D863083}"/>
+          </ac:spMkLst>
+        </pc:spChg>
+        <pc:spChg chg="add mod">
+          <ac:chgData name="Melo, Bruna Martins Brito de" userId="c13880bf-6654-4c41-8cb2-18b8c06e908d" providerId="ADAL" clId="{F775D6D4-349D-4C11-BAD6-5F5FBEE0A3D4}" dt="2021-03-07T19:36:19.552" v="363" actId="164"/>
+          <ac:spMkLst>
+            <pc:docMk/>
+            <pc:sldMk cId="3600482943" sldId="256"/>
+            <ac:spMk id="11" creationId="{5DA65225-7011-4DC7-8017-0C3DFA14E0F9}"/>
+          </ac:spMkLst>
+        </pc:spChg>
+        <pc:spChg chg="add del">
+          <ac:chgData name="Melo, Bruna Martins Brito de" userId="c13880bf-6654-4c41-8cb2-18b8c06e908d" providerId="ADAL" clId="{F775D6D4-349D-4C11-BAD6-5F5FBEE0A3D4}" dt="2021-03-07T19:29:22.447" v="210" actId="26606"/>
+          <ac:spMkLst>
+            <pc:docMk/>
+            <pc:sldMk cId="3600482943" sldId="256"/>
+            <ac:spMk id="12" creationId="{0C082ED4-395D-4CAE-BC6E-E8E3D7AE6F43}"/>
+          </ac:spMkLst>
+        </pc:spChg>
+        <pc:grpChg chg="add mod">
+          <ac:chgData name="Melo, Bruna Martins Brito de" userId="c13880bf-6654-4c41-8cb2-18b8c06e908d" providerId="ADAL" clId="{F775D6D4-349D-4C11-BAD6-5F5FBEE0A3D4}" dt="2021-03-07T19:36:19.552" v="363" actId="164"/>
+          <ac:grpSpMkLst>
+            <pc:docMk/>
+            <pc:sldMk cId="3600482943" sldId="256"/>
+            <ac:grpSpMk id="6" creationId="{611B95E9-5157-48E7-A98D-FA6991472DDB}"/>
+          </ac:grpSpMkLst>
+        </pc:grpChg>
+        <pc:grpChg chg="add mod">
+          <ac:chgData name="Melo, Bruna Martins Brito de" userId="c13880bf-6654-4c41-8cb2-18b8c06e908d" providerId="ADAL" clId="{F775D6D4-349D-4C11-BAD6-5F5FBEE0A3D4}" dt="2021-03-07T19:36:19.552" v="363" actId="164"/>
+          <ac:grpSpMkLst>
+            <pc:docMk/>
+            <pc:sldMk cId="3600482943" sldId="256"/>
+            <ac:grpSpMk id="7" creationId="{9F919F99-19A2-4AE2-813F-804897EAE58D}"/>
+          </ac:grpSpMkLst>
+        </pc:grpChg>
+        <pc:picChg chg="add mod modCrop">
+          <ac:chgData name="Melo, Bruna Martins Brito de" userId="c13880bf-6654-4c41-8cb2-18b8c06e908d" providerId="ADAL" clId="{F775D6D4-349D-4C11-BAD6-5F5FBEE0A3D4}" dt="2021-03-07T19:36:25.830" v="364" actId="1076"/>
+          <ac:picMkLst>
+            <pc:docMk/>
+            <pc:sldMk cId="3600482943" sldId="256"/>
+            <ac:picMk id="3" creationId="{1D957207-2DAC-4FC0-B982-D68D634D1A44}"/>
+          </ac:picMkLst>
+        </pc:picChg>
+        <pc:cxnChg chg="add mod">
+          <ac:chgData name="Melo, Bruna Martins Brito de" userId="c13880bf-6654-4c41-8cb2-18b8c06e908d" providerId="ADAL" clId="{F775D6D4-349D-4C11-BAD6-5F5FBEE0A3D4}" dt="2021-03-07T19:47:25.884" v="526" actId="1076"/>
+          <ac:cxnSpMkLst>
+            <pc:docMk/>
+            <pc:sldMk cId="3600482943" sldId="256"/>
+            <ac:cxnSpMk id="13" creationId="{C103EF6A-49DA-48D4-80EB-5942B59FE93D}"/>
+          </ac:cxnSpMkLst>
+        </pc:cxnChg>
+      </pc:sldChg>
+      <pc:sldChg chg="addSp modSp mod setBg">
+        <pc:chgData name="Melo, Bruna Martins Brito de" userId="c13880bf-6654-4c41-8cb2-18b8c06e908d" providerId="ADAL" clId="{F775D6D4-349D-4C11-BAD6-5F5FBEE0A3D4}" dt="2021-03-07T20:37:02.305" v="899" actId="1076"/>
+        <pc:sldMkLst>
+          <pc:docMk/>
+          <pc:sldMk cId="3104989290" sldId="257"/>
+        </pc:sldMkLst>
+        <pc:picChg chg="mod">
+          <ac:chgData name="Melo, Bruna Martins Brito de" userId="c13880bf-6654-4c41-8cb2-18b8c06e908d" providerId="ADAL" clId="{F775D6D4-349D-4C11-BAD6-5F5FBEE0A3D4}" dt="2021-03-07T20:37:02.305" v="899" actId="1076"/>
+          <ac:picMkLst>
+            <pc:docMk/>
+            <pc:sldMk cId="3104989290" sldId="257"/>
+            <ac:picMk id="5" creationId="{E69342D9-DC27-47DA-B79C-2E2A2F13A40F}"/>
+          </ac:picMkLst>
+        </pc:picChg>
+        <pc:cxnChg chg="add mod">
+          <ac:chgData name="Melo, Bruna Martins Brito de" userId="c13880bf-6654-4c41-8cb2-18b8c06e908d" providerId="ADAL" clId="{F775D6D4-349D-4C11-BAD6-5F5FBEE0A3D4}" dt="2021-03-07T19:37:01.536" v="369" actId="1076"/>
+          <ac:cxnSpMkLst>
+            <pc:docMk/>
+            <pc:sldMk cId="3104989290" sldId="257"/>
+            <ac:cxnSpMk id="6" creationId="{276865A8-7901-4754-AD68-947127DF98D8}"/>
+          </ac:cxnSpMkLst>
+        </pc:cxnChg>
+      </pc:sldChg>
+      <pc:sldChg chg="addSp modSp mod setBg">
+        <pc:chgData name="Melo, Bruna Martins Brito de" userId="c13880bf-6654-4c41-8cb2-18b8c06e908d" providerId="ADAL" clId="{F775D6D4-349D-4C11-BAD6-5F5FBEE0A3D4}" dt="2021-03-07T20:17:07.167" v="817" actId="1076"/>
+        <pc:sldMkLst>
+          <pc:docMk/>
+          <pc:sldMk cId="3539457716" sldId="258"/>
+        </pc:sldMkLst>
+        <pc:spChg chg="add mod">
+          <ac:chgData name="Melo, Bruna Martins Brito de" userId="c13880bf-6654-4c41-8cb2-18b8c06e908d" providerId="ADAL" clId="{F775D6D4-349D-4C11-BAD6-5F5FBEE0A3D4}" dt="2021-03-07T20:17:00.898" v="816" actId="1076"/>
+          <ac:spMkLst>
+            <pc:docMk/>
+            <pc:sldMk cId="3539457716" sldId="258"/>
+            <ac:spMk id="6" creationId="{A91B5CA6-1482-4F84-B22B-E7B415E5D55F}"/>
+          </ac:spMkLst>
+        </pc:spChg>
+        <pc:picChg chg="add mod">
+          <ac:chgData name="Melo, Bruna Martins Brito de" userId="c13880bf-6654-4c41-8cb2-18b8c06e908d" providerId="ADAL" clId="{F775D6D4-349D-4C11-BAD6-5F5FBEE0A3D4}" dt="2021-03-07T20:17:07.167" v="817" actId="1076"/>
+          <ac:picMkLst>
+            <pc:docMk/>
+            <pc:sldMk cId="3539457716" sldId="258"/>
+            <ac:picMk id="5" creationId="{6B6071F1-630C-4CEE-8862-3DA5DA9D5E9E}"/>
+          </ac:picMkLst>
+        </pc:picChg>
+        <pc:cxnChg chg="add mod">
+          <ac:chgData name="Melo, Bruna Martins Brito de" userId="c13880bf-6654-4c41-8cb2-18b8c06e908d" providerId="ADAL" clId="{F775D6D4-349D-4C11-BAD6-5F5FBEE0A3D4}" dt="2021-03-07T19:56:12.276" v="676" actId="14100"/>
+          <ac:cxnSpMkLst>
+            <pc:docMk/>
+            <pc:sldMk cId="3539457716" sldId="258"/>
+            <ac:cxnSpMk id="3" creationId="{C9BCBD0D-E664-494B-8997-4D36F1FAA7B6}"/>
+          </ac:cxnSpMkLst>
+        </pc:cxnChg>
+      </pc:sldChg>
+      <pc:sldChg chg="addSp delSp modSp mod setBg">
+        <pc:chgData name="Melo, Bruna Martins Brito de" userId="c13880bf-6654-4c41-8cb2-18b8c06e908d" providerId="ADAL" clId="{F775D6D4-349D-4C11-BAD6-5F5FBEE0A3D4}" dt="2021-03-07T20:25:49.935" v="897" actId="1076"/>
+        <pc:sldMkLst>
+          <pc:docMk/>
+          <pc:sldMk cId="2373568112" sldId="259"/>
+        </pc:sldMkLst>
+        <pc:spChg chg="add mod">
+          <ac:chgData name="Melo, Bruna Martins Brito de" userId="c13880bf-6654-4c41-8cb2-18b8c06e908d" providerId="ADAL" clId="{F775D6D4-349D-4C11-BAD6-5F5FBEE0A3D4}" dt="2021-03-07T20:25:24.388" v="892" actId="12"/>
+          <ac:spMkLst>
+            <pc:docMk/>
+            <pc:sldMk cId="2373568112" sldId="259"/>
+            <ac:spMk id="4" creationId="{8A9BA95C-DC78-4307-960F-789CBF8C82FD}"/>
+          </ac:spMkLst>
+        </pc:spChg>
+        <pc:spChg chg="add mod">
+          <ac:chgData name="Melo, Bruna Martins Brito de" userId="c13880bf-6654-4c41-8cb2-18b8c06e908d" providerId="ADAL" clId="{F775D6D4-349D-4C11-BAD6-5F5FBEE0A3D4}" dt="2021-03-07T20:25:49.935" v="897" actId="1076"/>
+          <ac:spMkLst>
+            <pc:docMk/>
+            <pc:sldMk cId="2373568112" sldId="259"/>
+            <ac:spMk id="9" creationId="{CE5C42AC-283B-4C7D-B2DE-5B23405F4D79}"/>
+          </ac:spMkLst>
+        </pc:spChg>
+        <pc:picChg chg="add del mod">
+          <ac:chgData name="Melo, Bruna Martins Brito de" userId="c13880bf-6654-4c41-8cb2-18b8c06e908d" providerId="ADAL" clId="{F775D6D4-349D-4C11-BAD6-5F5FBEE0A3D4}" dt="2021-03-07T20:21:12.393" v="848" actId="478"/>
+          <ac:picMkLst>
+            <pc:docMk/>
+            <pc:sldMk cId="2373568112" sldId="259"/>
+            <ac:picMk id="6" creationId="{956D961A-246B-4E95-8721-2D178EC25426}"/>
+          </ac:picMkLst>
+        </pc:picChg>
+        <pc:picChg chg="add mod">
+          <ac:chgData name="Melo, Bruna Martins Brito de" userId="c13880bf-6654-4c41-8cb2-18b8c06e908d" providerId="ADAL" clId="{F775D6D4-349D-4C11-BAD6-5F5FBEE0A3D4}" dt="2021-03-07T20:24:10.103" v="889" actId="1076"/>
+          <ac:picMkLst>
+            <pc:docMk/>
+            <pc:sldMk cId="2373568112" sldId="259"/>
+            <ac:picMk id="8" creationId="{2AE9D1B5-2617-4626-BA02-98E95D71383C}"/>
+          </ac:picMkLst>
+        </pc:picChg>
+        <pc:cxnChg chg="add mod">
+          <ac:chgData name="Melo, Bruna Martins Brito de" userId="c13880bf-6654-4c41-8cb2-18b8c06e908d" providerId="ADAL" clId="{F775D6D4-349D-4C11-BAD6-5F5FBEE0A3D4}" dt="2021-03-07T19:38:04.458" v="380" actId="14100"/>
+          <ac:cxnSpMkLst>
+            <pc:docMk/>
+            <pc:sldMk cId="2373568112" sldId="259"/>
+            <ac:cxnSpMk id="3" creationId="{C3E5677C-DA8C-4CC6-B805-D7E07E5DBB51}"/>
+          </ac:cxnSpMkLst>
+        </pc:cxnChg>
+      </pc:sldChg>
+      <pc:sldChg chg="addSp delSp modSp mod setBg">
+        <pc:chgData name="Melo, Bruna Martins Brito de" userId="c13880bf-6654-4c41-8cb2-18b8c06e908d" providerId="ADAL" clId="{F775D6D4-349D-4C11-BAD6-5F5FBEE0A3D4}" dt="2021-03-07T22:18:45.418" v="1866" actId="1076"/>
+        <pc:sldMkLst>
+          <pc:docMk/>
+          <pc:sldMk cId="2506092892" sldId="260"/>
+        </pc:sldMkLst>
+        <pc:spChg chg="add del mod ord">
+          <ac:chgData name="Melo, Bruna Martins Brito de" userId="c13880bf-6654-4c41-8cb2-18b8c06e908d" providerId="ADAL" clId="{F775D6D4-349D-4C11-BAD6-5F5FBEE0A3D4}" dt="2021-03-07T22:06:48.660" v="1154"/>
+          <ac:spMkLst>
+            <pc:docMk/>
+            <pc:sldMk cId="2506092892" sldId="260"/>
+            <ac:spMk id="4" creationId="{74845C08-71FC-463A-8EEE-179BE15C1C77}"/>
+          </ac:spMkLst>
+        </pc:spChg>
+        <pc:spChg chg="add del">
+          <ac:chgData name="Melo, Bruna Martins Brito de" userId="c13880bf-6654-4c41-8cb2-18b8c06e908d" providerId="ADAL" clId="{F775D6D4-349D-4C11-BAD6-5F5FBEE0A3D4}" dt="2021-03-07T22:06:48.660" v="1154"/>
+          <ac:spMkLst>
+            <pc:docMk/>
+            <pc:sldMk cId="2506092892" sldId="260"/>
+            <ac:spMk id="5" creationId="{E9E5B6A6-334A-43F5-BC8E-78BA3538794B}"/>
+          </ac:spMkLst>
+        </pc:spChg>
+        <pc:spChg chg="add del mod">
+          <ac:chgData name="Melo, Bruna Martins Brito de" userId="c13880bf-6654-4c41-8cb2-18b8c06e908d" providerId="ADAL" clId="{F775D6D4-349D-4C11-BAD6-5F5FBEE0A3D4}" dt="2021-03-07T22:06:48.660" v="1154"/>
+          <ac:spMkLst>
+            <pc:docMk/>
+            <pc:sldMk cId="2506092892" sldId="260"/>
+            <ac:spMk id="6" creationId="{9589C1BC-1295-4570-A739-2367B2FAE32B}"/>
+          </ac:spMkLst>
+        </pc:spChg>
+        <pc:spChg chg="mod">
+          <ac:chgData name="Melo, Bruna Martins Brito de" userId="c13880bf-6654-4c41-8cb2-18b8c06e908d" providerId="ADAL" clId="{F775D6D4-349D-4C11-BAD6-5F5FBEE0A3D4}" dt="2021-03-07T22:06:29.728" v="1152"/>
+          <ac:spMkLst>
+            <pc:docMk/>
+            <pc:sldMk cId="2506092892" sldId="260"/>
+            <ac:spMk id="7" creationId="{F86E901E-BDE1-453E-8119-BE0FEF750EA4}"/>
+          </ac:spMkLst>
+        </pc:spChg>
+        <pc:spChg chg="mod">
+          <ac:chgData name="Melo, Bruna Martins Brito de" userId="c13880bf-6654-4c41-8cb2-18b8c06e908d" providerId="ADAL" clId="{F775D6D4-349D-4C11-BAD6-5F5FBEE0A3D4}" dt="2021-03-07T22:06:29.728" v="1152"/>
+          <ac:spMkLst>
+            <pc:docMk/>
+            <pc:sldMk cId="2506092892" sldId="260"/>
+            <ac:spMk id="8" creationId="{9609396F-DBEA-406F-BD5B-7CDF40AA4083}"/>
+          </ac:spMkLst>
+        </pc:spChg>
+        <pc:spChg chg="mod">
+          <ac:chgData name="Melo, Bruna Martins Brito de" userId="c13880bf-6654-4c41-8cb2-18b8c06e908d" providerId="ADAL" clId="{F775D6D4-349D-4C11-BAD6-5F5FBEE0A3D4}" dt="2021-03-07T22:06:29.728" v="1152"/>
+          <ac:spMkLst>
+            <pc:docMk/>
+            <pc:sldMk cId="2506092892" sldId="260"/>
+            <ac:spMk id="9" creationId="{97762553-D9F5-40BD-AA7E-E2DB6D87E382}"/>
+          </ac:spMkLst>
+        </pc:spChg>
+        <pc:spChg chg="mod">
+          <ac:chgData name="Melo, Bruna Martins Brito de" userId="c13880bf-6654-4c41-8cb2-18b8c06e908d" providerId="ADAL" clId="{F775D6D4-349D-4C11-BAD6-5F5FBEE0A3D4}" dt="2021-03-07T22:06:29.728" v="1152"/>
+          <ac:spMkLst>
+            <pc:docMk/>
+            <pc:sldMk cId="2506092892" sldId="260"/>
+            <ac:spMk id="10" creationId="{D76FD3F9-04F8-44F5-9353-769D225ACE70}"/>
+          </ac:spMkLst>
+        </pc:spChg>
+        <pc:spChg chg="mod">
+          <ac:chgData name="Melo, Bruna Martins Brito de" userId="c13880bf-6654-4c41-8cb2-18b8c06e908d" providerId="ADAL" clId="{F775D6D4-349D-4C11-BAD6-5F5FBEE0A3D4}" dt="2021-03-07T22:06:29.728" v="1152"/>
+          <ac:spMkLst>
+            <pc:docMk/>
+            <pc:sldMk cId="2506092892" sldId="260"/>
+            <ac:spMk id="11" creationId="{3596B215-6CB0-4566-B09D-49E8F278DC52}"/>
+          </ac:spMkLst>
+        </pc:spChg>
+        <pc:spChg chg="del mod">
+          <ac:chgData name="Melo, Bruna Martins Brito de" userId="c13880bf-6654-4c41-8cb2-18b8c06e908d" providerId="ADAL" clId="{F775D6D4-349D-4C11-BAD6-5F5FBEE0A3D4}" dt="2021-03-07T22:06:54.417" v="1155" actId="478"/>
+          <ac:spMkLst>
+            <pc:docMk/>
+            <pc:sldMk cId="2506092892" sldId="260"/>
+            <ac:spMk id="12" creationId="{B81124AC-4D8B-4CB0-B4C9-B4C3C1FBDCDA}"/>
+          </ac:spMkLst>
+        </pc:spChg>
+        <pc:spChg chg="add del mod">
+          <ac:chgData name="Melo, Bruna Martins Brito de" userId="c13880bf-6654-4c41-8cb2-18b8c06e908d" providerId="ADAL" clId="{F775D6D4-349D-4C11-BAD6-5F5FBEE0A3D4}" dt="2021-03-07T22:09:02.197" v="1206" actId="478"/>
+          <ac:spMkLst>
+            <pc:docMk/>
+            <pc:sldMk cId="2506092892" sldId="260"/>
+            <ac:spMk id="13" creationId="{B4EC42D8-E924-4E67-8D5B-6790C1079E8C}"/>
+          </ac:spMkLst>
+        </pc:spChg>
+        <pc:spChg chg="del mod">
+          <ac:chgData name="Melo, Bruna Martins Brito de" userId="c13880bf-6654-4c41-8cb2-18b8c06e908d" providerId="ADAL" clId="{F775D6D4-349D-4C11-BAD6-5F5FBEE0A3D4}" dt="2021-03-07T22:07:01.777" v="1159" actId="478"/>
+          <ac:spMkLst>
+            <pc:docMk/>
+            <pc:sldMk cId="2506092892" sldId="260"/>
+            <ac:spMk id="14" creationId="{5080BBE9-43F1-43FD-BA86-A3A298521237}"/>
+          </ac:spMkLst>
+        </pc:spChg>
+        <pc:spChg chg="del mod">
+          <ac:chgData name="Melo, Bruna Martins Brito de" userId="c13880bf-6654-4c41-8cb2-18b8c06e908d" providerId="ADAL" clId="{F775D6D4-349D-4C11-BAD6-5F5FBEE0A3D4}" dt="2021-03-07T22:06:55.925" v="1156" actId="478"/>
+          <ac:spMkLst>
+            <pc:docMk/>
+            <pc:sldMk cId="2506092892" sldId="260"/>
+            <ac:spMk id="15" creationId="{C7DAB08D-21ED-463C-ADC7-0325C253561E}"/>
+          </ac:spMkLst>
+        </pc:spChg>
+        <pc:spChg chg="del mod">
+          <ac:chgData name="Melo, Bruna Martins Brito de" userId="c13880bf-6654-4c41-8cb2-18b8c06e908d" providerId="ADAL" clId="{F775D6D4-349D-4C11-BAD6-5F5FBEE0A3D4}" dt="2021-03-07T22:07:04.626" v="1160" actId="478"/>
+          <ac:spMkLst>
+            <pc:docMk/>
+            <pc:sldMk cId="2506092892" sldId="260"/>
+            <ac:spMk id="16" creationId="{303940F7-1ED1-4DE1-A75F-FDBB606A6C9A}"/>
+          </ac:spMkLst>
+        </pc:spChg>
+        <pc:spChg chg="add del">
+          <ac:chgData name="Melo, Bruna Martins Brito de" userId="c13880bf-6654-4c41-8cb2-18b8c06e908d" providerId="ADAL" clId="{F775D6D4-349D-4C11-BAD6-5F5FBEE0A3D4}" dt="2021-03-07T22:09:01.072" v="1205" actId="478"/>
+          <ac:spMkLst>
+            <pc:docMk/>
+            <pc:sldMk cId="2506092892" sldId="260"/>
+            <ac:spMk id="17" creationId="{73412D5A-E6BD-4637-AEC6-A8318E70D399}"/>
+          </ac:spMkLst>
+        </pc:spChg>
+        <pc:spChg chg="add del mod">
+          <ac:chgData name="Melo, Bruna Martins Brito de" userId="c13880bf-6654-4c41-8cb2-18b8c06e908d" providerId="ADAL" clId="{F775D6D4-349D-4C11-BAD6-5F5FBEE0A3D4}" dt="2021-03-07T22:08:56.127" v="1204"/>
+          <ac:spMkLst>
+            <pc:docMk/>
+            <pc:sldMk cId="2506092892" sldId="260"/>
+            <ac:spMk id="18" creationId="{7F34B25F-5AB0-444F-8A8D-7EFFB1AAD6C6}"/>
+          </ac:spMkLst>
+        </pc:spChg>
+        <pc:spChg chg="add del mod">
+          <ac:chgData name="Melo, Bruna Martins Brito de" userId="c13880bf-6654-4c41-8cb2-18b8c06e908d" providerId="ADAL" clId="{F775D6D4-349D-4C11-BAD6-5F5FBEE0A3D4}" dt="2021-03-07T22:08:55.635" v="1202"/>
+          <ac:spMkLst>
+            <pc:docMk/>
+            <pc:sldMk cId="2506092892" sldId="260"/>
+            <ac:spMk id="19" creationId="{CDF546A8-5F99-4A15-BFC6-91B2A82A5A1B}"/>
+          </ac:spMkLst>
+        </pc:spChg>
+        <pc:spChg chg="add del mod">
+          <ac:chgData name="Melo, Bruna Martins Brito de" userId="c13880bf-6654-4c41-8cb2-18b8c06e908d" providerId="ADAL" clId="{F775D6D4-349D-4C11-BAD6-5F5FBEE0A3D4}" dt="2021-03-07T22:08:54.488" v="1197"/>
+          <ac:spMkLst>
+            <pc:docMk/>
+            <pc:sldMk cId="2506092892" sldId="260"/>
+            <ac:spMk id="20" creationId="{4C469A52-41E3-439E-8784-D8F843352B92}"/>
+          </ac:spMkLst>
+        </pc:spChg>
+        <pc:spChg chg="add del mod">
+          <ac:chgData name="Melo, Bruna Martins Brito de" userId="c13880bf-6654-4c41-8cb2-18b8c06e908d" providerId="ADAL" clId="{F775D6D4-349D-4C11-BAD6-5F5FBEE0A3D4}" dt="2021-03-07T22:08:54.488" v="1197"/>
+          <ac:spMkLst>
+            <pc:docMk/>
+            <pc:sldMk cId="2506092892" sldId="260"/>
+            <ac:spMk id="21" creationId="{783CB9B2-DC55-464D-B0EC-004782B50637}"/>
+          </ac:spMkLst>
+        </pc:spChg>
+        <pc:spChg chg="add del mod">
+          <ac:chgData name="Melo, Bruna Martins Brito de" userId="c13880bf-6654-4c41-8cb2-18b8c06e908d" providerId="ADAL" clId="{F775D6D4-349D-4C11-BAD6-5F5FBEE0A3D4}" dt="2021-03-07T22:08:54.488" v="1197"/>
+          <ac:spMkLst>
+            <pc:docMk/>
+            <pc:sldMk cId="2506092892" sldId="260"/>
+            <ac:spMk id="22" creationId="{833AAB07-1FEA-4B9B-8A3C-B9A737A98444}"/>
+          </ac:spMkLst>
+        </pc:spChg>
+        <pc:spChg chg="add del mod">
+          <ac:chgData name="Melo, Bruna Martins Brito de" userId="c13880bf-6654-4c41-8cb2-18b8c06e908d" providerId="ADAL" clId="{F775D6D4-349D-4C11-BAD6-5F5FBEE0A3D4}" dt="2021-03-07T22:08:54.488" v="1197"/>
+          <ac:spMkLst>
+            <pc:docMk/>
+            <pc:sldMk cId="2506092892" sldId="260"/>
+            <ac:spMk id="23" creationId="{D9554F90-45D9-49D7-BA9E-5FDFEEA6E12F}"/>
+          </ac:spMkLst>
+        </pc:spChg>
+        <pc:spChg chg="add del mod">
+          <ac:chgData name="Melo, Bruna Martins Brito de" userId="c13880bf-6654-4c41-8cb2-18b8c06e908d" providerId="ADAL" clId="{F775D6D4-349D-4C11-BAD6-5F5FBEE0A3D4}" dt="2021-03-07T22:08:54.488" v="1197"/>
+          <ac:spMkLst>
+            <pc:docMk/>
+            <pc:sldMk cId="2506092892" sldId="260"/>
+            <ac:spMk id="24" creationId="{E274C2AF-09B7-49D7-A3CE-04849A643A2D}"/>
+          </ac:spMkLst>
+        </pc:spChg>
+        <pc:spChg chg="add del mod">
+          <ac:chgData name="Melo, Bruna Martins Brito de" userId="c13880bf-6654-4c41-8cb2-18b8c06e908d" providerId="ADAL" clId="{F775D6D4-349D-4C11-BAD6-5F5FBEE0A3D4}" dt="2021-03-07T22:08:54.488" v="1197"/>
+          <ac:spMkLst>
+            <pc:docMk/>
+            <pc:sldMk cId="2506092892" sldId="260"/>
+            <ac:spMk id="25" creationId="{41BC41C0-9A6B-4D8E-A84F-C77EF01E0BD9}"/>
+          </ac:spMkLst>
+        </pc:spChg>
+        <pc:spChg chg="add del mod">
+          <ac:chgData name="Melo, Bruna Martins Brito de" userId="c13880bf-6654-4c41-8cb2-18b8c06e908d" providerId="ADAL" clId="{F775D6D4-349D-4C11-BAD6-5F5FBEE0A3D4}" dt="2021-03-07T22:08:54.488" v="1197"/>
+          <ac:spMkLst>
+            <pc:docMk/>
+            <pc:sldMk cId="2506092892" sldId="260"/>
+            <ac:spMk id="26" creationId="{F6E5CBC6-DEC6-45CE-9101-F8C1BFCAC1C1}"/>
+          </ac:spMkLst>
+        </pc:spChg>
+        <pc:spChg chg="add del mod">
+          <ac:chgData name="Melo, Bruna Martins Brito de" userId="c13880bf-6654-4c41-8cb2-18b8c06e908d" providerId="ADAL" clId="{F775D6D4-349D-4C11-BAD6-5F5FBEE0A3D4}" dt="2021-03-07T22:08:54.488" v="1197"/>
+          <ac:spMkLst>
+            <pc:docMk/>
+            <pc:sldMk cId="2506092892" sldId="260"/>
+            <ac:spMk id="27" creationId="{74CCAA3D-B21C-4BA0-B17A-DF862009B3A2}"/>
+          </ac:spMkLst>
+        </pc:spChg>
+        <pc:spChg chg="add del mod">
+          <ac:chgData name="Melo, Bruna Martins Brito de" userId="c13880bf-6654-4c41-8cb2-18b8c06e908d" providerId="ADAL" clId="{F775D6D4-349D-4C11-BAD6-5F5FBEE0A3D4}" dt="2021-03-07T22:08:54.488" v="1197"/>
+          <ac:spMkLst>
+            <pc:docMk/>
+            <pc:sldMk cId="2506092892" sldId="260"/>
+            <ac:spMk id="28" creationId="{54E77227-62DC-41B4-B2AD-297548E7F6F3}"/>
+          </ac:spMkLst>
+        </pc:spChg>
+        <pc:spChg chg="add del mod">
+          <ac:chgData name="Melo, Bruna Martins Brito de" userId="c13880bf-6654-4c41-8cb2-18b8c06e908d" providerId="ADAL" clId="{F775D6D4-349D-4C11-BAD6-5F5FBEE0A3D4}" dt="2021-03-07T22:08:54.488" v="1197"/>
+          <ac:spMkLst>
+            <pc:docMk/>
+            <pc:sldMk cId="2506092892" sldId="260"/>
+            <ac:spMk id="29" creationId="{3E30ABB2-9058-4283-B85D-2B293ED1FF6C}"/>
+          </ac:spMkLst>
+        </pc:spChg>
+        <pc:spChg chg="add del mod">
+          <ac:chgData name="Melo, Bruna Martins Brito de" userId="c13880bf-6654-4c41-8cb2-18b8c06e908d" providerId="ADAL" clId="{F775D6D4-349D-4C11-BAD6-5F5FBEE0A3D4}" dt="2021-03-07T22:08:54.488" v="1197"/>
+          <ac:spMkLst>
+            <pc:docMk/>
+            <pc:sldMk cId="2506092892" sldId="260"/>
+            <ac:spMk id="30" creationId="{DA9A443D-80AC-4642-8780-4C77503750CC}"/>
+          </ac:spMkLst>
+        </pc:spChg>
+        <pc:spChg chg="add del mod">
+          <ac:chgData name="Melo, Bruna Martins Brito de" userId="c13880bf-6654-4c41-8cb2-18b8c06e908d" providerId="ADAL" clId="{F775D6D4-349D-4C11-BAD6-5F5FBEE0A3D4}" dt="2021-03-07T22:08:54.488" v="1197"/>
+          <ac:spMkLst>
+            <pc:docMk/>
+            <pc:sldMk cId="2506092892" sldId="260"/>
+            <ac:spMk id="31" creationId="{5E59C7CF-F831-471B-BD43-09B5A0C4BA53}"/>
+          </ac:spMkLst>
+        </pc:spChg>
+        <pc:spChg chg="add del mod">
+          <ac:chgData name="Melo, Bruna Martins Brito de" userId="c13880bf-6654-4c41-8cb2-18b8c06e908d" providerId="ADAL" clId="{F775D6D4-349D-4C11-BAD6-5F5FBEE0A3D4}" dt="2021-03-07T22:08:54.488" v="1197"/>
+          <ac:spMkLst>
+            <pc:docMk/>
+            <pc:sldMk cId="2506092892" sldId="260"/>
+            <ac:spMk id="32" creationId="{4D1B90F1-E2B6-4AF5-84F8-49E34F174901}"/>
+          </ac:spMkLst>
+        </pc:spChg>
+        <pc:spChg chg="add mod">
+          <ac:chgData name="Melo, Bruna Martins Brito de" userId="c13880bf-6654-4c41-8cb2-18b8c06e908d" providerId="ADAL" clId="{F775D6D4-349D-4C11-BAD6-5F5FBEE0A3D4}" dt="2021-03-07T22:09:07.665" v="1207"/>
+          <ac:spMkLst>
+            <pc:docMk/>
+            <pc:sldMk cId="2506092892" sldId="260"/>
+            <ac:spMk id="33" creationId="{56EE6F10-0D85-4668-B6B9-EE0DA08C907D}"/>
+          </ac:spMkLst>
+        </pc:spChg>
+        <pc:picChg chg="add mod">
+          <ac:chgData name="Melo, Bruna Martins Brito de" userId="c13880bf-6654-4c41-8cb2-18b8c06e908d" providerId="ADAL" clId="{F775D6D4-349D-4C11-BAD6-5F5FBEE0A3D4}" dt="2021-03-07T22:18:45.418" v="1866" actId="1076"/>
+          <ac:picMkLst>
+            <pc:docMk/>
+            <pc:sldMk cId="2506092892" sldId="260"/>
+            <ac:picMk id="35" creationId="{1AE940E6-CB30-4DA9-8CC7-EB735BE70062}"/>
+          </ac:picMkLst>
+        </pc:picChg>
+        <pc:cxnChg chg="add mod">
+          <ac:chgData name="Melo, Bruna Martins Brito de" userId="c13880bf-6654-4c41-8cb2-18b8c06e908d" providerId="ADAL" clId="{F775D6D4-349D-4C11-BAD6-5F5FBEE0A3D4}" dt="2021-03-07T19:38:14.497" v="383" actId="14100"/>
+          <ac:cxnSpMkLst>
+            <pc:docMk/>
+            <pc:sldMk cId="2506092892" sldId="260"/>
+            <ac:cxnSpMk id="3" creationId="{8BB5BE87-0F10-438B-9A7E-3BFF019499AA}"/>
+          </ac:cxnSpMkLst>
+        </pc:cxnChg>
+      </pc:sldChg>
+      <pc:sldChg chg="addSp modSp mod">
+        <pc:chgData name="Melo, Bruna Martins Brito de" userId="c13880bf-6654-4c41-8cb2-18b8c06e908d" providerId="ADAL" clId="{F775D6D4-349D-4C11-BAD6-5F5FBEE0A3D4}" dt="2021-03-07T22:03:12.860" v="1139" actId="167"/>
+        <pc:sldMkLst>
+          <pc:docMk/>
+          <pc:sldMk cId="3492766846" sldId="261"/>
+        </pc:sldMkLst>
+        <pc:spChg chg="mod">
+          <ac:chgData name="Melo, Bruna Martins Brito de" userId="c13880bf-6654-4c41-8cb2-18b8c06e908d" providerId="ADAL" clId="{F775D6D4-349D-4C11-BAD6-5F5FBEE0A3D4}" dt="2021-03-07T19:38:47.852" v="392" actId="1076"/>
+          <ac:spMkLst>
+            <pc:docMk/>
+            <pc:sldMk cId="3492766846" sldId="261"/>
+            <ac:spMk id="2" creationId="{E94B8F3A-0CC3-4A54-B3BC-2426DB59F767}"/>
+          </ac:spMkLst>
+        </pc:spChg>
+        <pc:spChg chg="add mod ord">
+          <ac:chgData name="Melo, Bruna Martins Brito de" userId="c13880bf-6654-4c41-8cb2-18b8c06e908d" providerId="ADAL" clId="{F775D6D4-349D-4C11-BAD6-5F5FBEE0A3D4}" dt="2021-03-07T22:03:12.860" v="1139" actId="167"/>
+          <ac:spMkLst>
+            <pc:docMk/>
+            <pc:sldMk cId="3492766846" sldId="261"/>
+            <ac:spMk id="5" creationId="{F1D25E63-E682-4E9D-8DF7-2EB8B03F048B}"/>
+          </ac:spMkLst>
+        </pc:spChg>
+        <pc:picChg chg="mod">
+          <ac:chgData name="Melo, Bruna Martins Brito de" userId="c13880bf-6654-4c41-8cb2-18b8c06e908d" providerId="ADAL" clId="{F775D6D4-349D-4C11-BAD6-5F5FBEE0A3D4}" dt="2021-03-07T19:38:34.524" v="388" actId="1076"/>
+          <ac:picMkLst>
+            <pc:docMk/>
+            <pc:sldMk cId="3492766846" sldId="261"/>
+            <ac:picMk id="10" creationId="{A9EE3E02-0107-461E-B926-8F9C26DAFC60}"/>
+          </ac:picMkLst>
+        </pc:picChg>
+        <pc:cxnChg chg="add mod">
+          <ac:chgData name="Melo, Bruna Martins Brito de" userId="c13880bf-6654-4c41-8cb2-18b8c06e908d" providerId="ADAL" clId="{F775D6D4-349D-4C11-BAD6-5F5FBEE0A3D4}" dt="2021-03-07T19:38:58.071" v="396" actId="1076"/>
+          <ac:cxnSpMkLst>
+            <pc:docMk/>
+            <pc:sldMk cId="3492766846" sldId="261"/>
+            <ac:cxnSpMk id="4" creationId="{CE6F29E0-1FBB-4F92-A1CD-9EC0AD126F39}"/>
+          </ac:cxnSpMkLst>
+        </pc:cxnChg>
+      </pc:sldChg>
+      <pc:sldChg chg="addSp delSp modSp mod">
+        <pc:chgData name="Melo, Bruna Martins Brito de" userId="c13880bf-6654-4c41-8cb2-18b8c06e908d" providerId="ADAL" clId="{F775D6D4-349D-4C11-BAD6-5F5FBEE0A3D4}" dt="2021-03-07T22:03:07.168" v="1137" actId="167"/>
+        <pc:sldMkLst>
+          <pc:docMk/>
+          <pc:sldMk cId="442222620" sldId="262"/>
+        </pc:sldMkLst>
+        <pc:spChg chg="mod">
+          <ac:chgData name="Melo, Bruna Martins Brito de" userId="c13880bf-6654-4c41-8cb2-18b8c06e908d" providerId="ADAL" clId="{F775D6D4-349D-4C11-BAD6-5F5FBEE0A3D4}" dt="2021-03-07T19:39:27.607" v="404" actId="1076"/>
+          <ac:spMkLst>
+            <pc:docMk/>
+            <pc:sldMk cId="442222620" sldId="262"/>
+            <ac:spMk id="2" creationId="{306D1E47-F29E-463B-8F55-7873030716EA}"/>
+          </ac:spMkLst>
+        </pc:spChg>
+        <pc:spChg chg="add mod ord">
+          <ac:chgData name="Melo, Bruna Martins Brito de" userId="c13880bf-6654-4c41-8cb2-18b8c06e908d" providerId="ADAL" clId="{F775D6D4-349D-4C11-BAD6-5F5FBEE0A3D4}" dt="2021-03-07T22:03:07.168" v="1137" actId="167"/>
+          <ac:spMkLst>
+            <pc:docMk/>
+            <pc:sldMk cId="442222620" sldId="262"/>
+            <ac:spMk id="7" creationId="{06698AA2-82BD-4D38-86DE-5BA7468C75FE}"/>
+          </ac:spMkLst>
+        </pc:spChg>
+        <pc:picChg chg="del mod">
+          <ac:chgData name="Melo, Bruna Martins Brito de" userId="c13880bf-6654-4c41-8cb2-18b8c06e908d" providerId="ADAL" clId="{F775D6D4-349D-4C11-BAD6-5F5FBEE0A3D4}" dt="2021-03-07T21:57:04.890" v="930" actId="478"/>
+          <ac:picMkLst>
+            <pc:docMk/>
+            <pc:sldMk cId="442222620" sldId="262"/>
+            <ac:picMk id="4" creationId="{32153F24-4771-432D-929F-B910879D2B1D}"/>
+          </ac:picMkLst>
+        </pc:picChg>
+        <pc:picChg chg="add mod">
+          <ac:chgData name="Melo, Bruna Martins Brito de" userId="c13880bf-6654-4c41-8cb2-18b8c06e908d" providerId="ADAL" clId="{F775D6D4-349D-4C11-BAD6-5F5FBEE0A3D4}" dt="2021-03-07T21:57:09.819" v="932" actId="14100"/>
+          <ac:picMkLst>
+            <pc:docMk/>
+            <pc:sldMk cId="442222620" sldId="262"/>
+            <ac:picMk id="6" creationId="{C470A6F9-4AAE-4699-9D9D-4B76DBBF179E}"/>
+          </ac:picMkLst>
+        </pc:picChg>
+        <pc:cxnChg chg="add mod">
+          <ac:chgData name="Melo, Bruna Martins Brito de" userId="c13880bf-6654-4c41-8cb2-18b8c06e908d" providerId="ADAL" clId="{F775D6D4-349D-4C11-BAD6-5F5FBEE0A3D4}" dt="2021-03-07T19:39:34.246" v="407" actId="14100"/>
+          <ac:cxnSpMkLst>
+            <pc:docMk/>
+            <pc:sldMk cId="442222620" sldId="262"/>
+            <ac:cxnSpMk id="5" creationId="{FF8A0842-4260-4239-96CD-3BDD01E0AC8F}"/>
+          </ac:cxnSpMkLst>
+        </pc:cxnChg>
+      </pc:sldChg>
+      <pc:sldChg chg="addSp delSp modSp mod">
+        <pc:chgData name="Melo, Bruna Martins Brito de" userId="c13880bf-6654-4c41-8cb2-18b8c06e908d" providerId="ADAL" clId="{F775D6D4-349D-4C11-BAD6-5F5FBEE0A3D4}" dt="2021-03-07T22:02:59.907" v="1135" actId="167"/>
+        <pc:sldMkLst>
+          <pc:docMk/>
+          <pc:sldMk cId="4106439763" sldId="263"/>
+        </pc:sldMkLst>
+        <pc:spChg chg="add mod">
+          <ac:chgData name="Melo, Bruna Martins Brito de" userId="c13880bf-6654-4c41-8cb2-18b8c06e908d" providerId="ADAL" clId="{F775D6D4-349D-4C11-BAD6-5F5FBEE0A3D4}" dt="2021-03-07T19:40:03.779" v="412" actId="20577"/>
+          <ac:spMkLst>
+            <pc:docMk/>
+            <pc:sldMk cId="4106439763" sldId="263"/>
+            <ac:spMk id="5" creationId="{BAB87C6F-22D4-4E66-A61A-4BFA81199E9C}"/>
+          </ac:spMkLst>
+        </pc:spChg>
+        <pc:spChg chg="add mod ord">
+          <ac:chgData name="Melo, Bruna Martins Brito de" userId="c13880bf-6654-4c41-8cb2-18b8c06e908d" providerId="ADAL" clId="{F775D6D4-349D-4C11-BAD6-5F5FBEE0A3D4}" dt="2021-03-07T22:02:59.907" v="1135" actId="167"/>
+          <ac:spMkLst>
+            <pc:docMk/>
+            <pc:sldMk cId="4106439763" sldId="263"/>
+            <ac:spMk id="6" creationId="{A258D54D-0A9B-468B-AEEF-03377F337909}"/>
+          </ac:spMkLst>
+        </pc:spChg>
+        <pc:picChg chg="mod">
+          <ac:chgData name="Melo, Bruna Martins Brito de" userId="c13880bf-6654-4c41-8cb2-18b8c06e908d" providerId="ADAL" clId="{F775D6D4-349D-4C11-BAD6-5F5FBEE0A3D4}" dt="2021-03-07T19:51:13.149" v="603" actId="1076"/>
+          <ac:picMkLst>
+            <pc:docMk/>
+            <pc:sldMk cId="4106439763" sldId="263"/>
+            <ac:picMk id="4" creationId="{159C7AE3-CD37-4F46-A51D-23A7814A8959}"/>
+          </ac:picMkLst>
+        </pc:picChg>
+        <pc:picChg chg="del">
+          <ac:chgData name="Melo, Bruna Martins Brito de" userId="c13880bf-6654-4c41-8cb2-18b8c06e908d" providerId="ADAL" clId="{F775D6D4-349D-4C11-BAD6-5F5FBEE0A3D4}" dt="2021-03-07T19:39:48.810" v="408" actId="478"/>
+          <ac:picMkLst>
+            <pc:docMk/>
+            <pc:sldMk cId="4106439763" sldId="263"/>
+            <ac:picMk id="6" creationId="{8129EB16-2A7B-4BB6-9468-55159E05A7D7}"/>
+          </ac:picMkLst>
+        </pc:picChg>
+        <pc:cxnChg chg="add mod">
+          <ac:chgData name="Melo, Bruna Martins Brito de" userId="c13880bf-6654-4c41-8cb2-18b8c06e908d" providerId="ADAL" clId="{F775D6D4-349D-4C11-BAD6-5F5FBEE0A3D4}" dt="2021-03-07T19:40:23.128" v="414" actId="1076"/>
+          <ac:cxnSpMkLst>
+            <pc:docMk/>
+            <pc:sldMk cId="4106439763" sldId="263"/>
+            <ac:cxnSpMk id="7" creationId="{8565F33D-C124-4092-BF73-C2533B7F8F98}"/>
+          </ac:cxnSpMkLst>
+        </pc:cxnChg>
+      </pc:sldChg>
+      <pc:sldChg chg="addSp modSp mod">
+        <pc:chgData name="Melo, Bruna Martins Brito de" userId="c13880bf-6654-4c41-8cb2-18b8c06e908d" providerId="ADAL" clId="{F775D6D4-349D-4C11-BAD6-5F5FBEE0A3D4}" dt="2021-03-07T22:03:30.138" v="1143" actId="167"/>
+        <pc:sldMkLst>
+          <pc:docMk/>
+          <pc:sldMk cId="186077638" sldId="264"/>
+        </pc:sldMkLst>
+        <pc:spChg chg="add mod ord">
+          <ac:chgData name="Melo, Bruna Martins Brito de" userId="c13880bf-6654-4c41-8cb2-18b8c06e908d" providerId="ADAL" clId="{F775D6D4-349D-4C11-BAD6-5F5FBEE0A3D4}" dt="2021-03-07T22:03:30.138" v="1143" actId="167"/>
+          <ac:spMkLst>
+            <pc:docMk/>
+            <pc:sldMk cId="186077638" sldId="264"/>
+            <ac:spMk id="3" creationId="{D5CD9A49-2448-4565-A168-B3050BB43B5D}"/>
+          </ac:spMkLst>
+        </pc:spChg>
+      </pc:sldChg>
+      <pc:sldChg chg="addSp modSp mod ord">
+        <pc:chgData name="Melo, Bruna Martins Brito de" userId="c13880bf-6654-4c41-8cb2-18b8c06e908d" providerId="ADAL" clId="{F775D6D4-349D-4C11-BAD6-5F5FBEE0A3D4}" dt="2021-03-07T22:03:34.511" v="1145" actId="167"/>
+        <pc:sldMkLst>
+          <pc:docMk/>
+          <pc:sldMk cId="3345129272" sldId="265"/>
+        </pc:sldMkLst>
+        <pc:spChg chg="add mod ord">
+          <ac:chgData name="Melo, Bruna Martins Brito de" userId="c13880bf-6654-4c41-8cb2-18b8c06e908d" providerId="ADAL" clId="{F775D6D4-349D-4C11-BAD6-5F5FBEE0A3D4}" dt="2021-03-07T22:03:34.511" v="1145" actId="167"/>
+          <ac:spMkLst>
+            <pc:docMk/>
+            <pc:sldMk cId="3345129272" sldId="265"/>
+            <ac:spMk id="3" creationId="{6D430377-AFAA-41B5-82F5-CFCA5406E1D0}"/>
+          </ac:spMkLst>
+        </pc:spChg>
+      </pc:sldChg>
+      <pc:sldChg chg="addSp delSp modSp del mod setBg">
+        <pc:chgData name="Melo, Bruna Martins Brito de" userId="c13880bf-6654-4c41-8cb2-18b8c06e908d" providerId="ADAL" clId="{F775D6D4-349D-4C11-BAD6-5F5FBEE0A3D4}" dt="2021-03-07T21:59:04.122" v="944" actId="2696"/>
+        <pc:sldMkLst>
+          <pc:docMk/>
+          <pc:sldMk cId="1850077382" sldId="266"/>
+        </pc:sldMkLst>
+        <pc:spChg chg="del mod">
+          <ac:chgData name="Melo, Bruna Martins Brito de" userId="c13880bf-6654-4c41-8cb2-18b8c06e908d" providerId="ADAL" clId="{F775D6D4-349D-4C11-BAD6-5F5FBEE0A3D4}" dt="2021-03-07T19:40:51.330" v="417" actId="478"/>
+          <ac:spMkLst>
+            <pc:docMk/>
+            <pc:sldMk cId="1850077382" sldId="266"/>
+            <ac:spMk id="2" creationId="{74BF9BDF-A90E-40C1-B8DA-FC86FB443130}"/>
+          </ac:spMkLst>
+        </pc:spChg>
+        <pc:spChg chg="add mod">
+          <ac:chgData name="Melo, Bruna Martins Brito de" userId="c13880bf-6654-4c41-8cb2-18b8c06e908d" providerId="ADAL" clId="{F775D6D4-349D-4C11-BAD6-5F5FBEE0A3D4}" dt="2021-03-07T20:54:53.295" v="924" actId="1076"/>
+          <ac:spMkLst>
+            <pc:docMk/>
+            <pc:sldMk cId="1850077382" sldId="266"/>
+            <ac:spMk id="5" creationId="{609E45BA-A0C9-4A3D-9D07-2E28A0108AE9}"/>
+          </ac:spMkLst>
+        </pc:spChg>
+        <pc:picChg chg="del mod">
+          <ac:chgData name="Melo, Bruna Martins Brito de" userId="c13880bf-6654-4c41-8cb2-18b8c06e908d" providerId="ADAL" clId="{F775D6D4-349D-4C11-BAD6-5F5FBEE0A3D4}" dt="2021-03-07T21:58:47.682" v="941" actId="21"/>
+          <ac:picMkLst>
+            <pc:docMk/>
+            <pc:sldMk cId="1850077382" sldId="266"/>
+            <ac:picMk id="4" creationId="{4D29B8CB-96B1-4EBF-9766-152A6C66AD49}"/>
+          </ac:picMkLst>
+        </pc:picChg>
+        <pc:picChg chg="add del mod">
+          <ac:chgData name="Melo, Bruna Martins Brito de" userId="c13880bf-6654-4c41-8cb2-18b8c06e908d" providerId="ADAL" clId="{F775D6D4-349D-4C11-BAD6-5F5FBEE0A3D4}" dt="2021-03-07T21:58:37.320" v="937" actId="21"/>
+          <ac:picMkLst>
+            <pc:docMk/>
+            <pc:sldMk cId="1850077382" sldId="266"/>
+            <ac:picMk id="1026" creationId="{CEC79544-D85B-4552-A014-522D3BE9A2CC}"/>
+          </ac:picMkLst>
+        </pc:picChg>
+      </pc:sldChg>
+      <pc:sldChg chg="addSp modSp mod">
+        <pc:chgData name="Melo, Bruna Martins Brito de" userId="c13880bf-6654-4c41-8cb2-18b8c06e908d" providerId="ADAL" clId="{F775D6D4-349D-4C11-BAD6-5F5FBEE0A3D4}" dt="2021-03-07T22:02:44.692" v="1133" actId="167"/>
+        <pc:sldMkLst>
+          <pc:docMk/>
+          <pc:sldMk cId="2444951207" sldId="267"/>
+        </pc:sldMkLst>
+        <pc:spChg chg="mod">
+          <ac:chgData name="Melo, Bruna Martins Brito de" userId="c13880bf-6654-4c41-8cb2-18b8c06e908d" providerId="ADAL" clId="{F775D6D4-349D-4C11-BAD6-5F5FBEE0A3D4}" dt="2021-03-07T19:42:31.217" v="479" actId="1076"/>
+          <ac:spMkLst>
+            <pc:docMk/>
+            <pc:sldMk cId="2444951207" sldId="267"/>
+            <ac:spMk id="8" creationId="{6336C15D-4957-4E4B-B26C-39E4C9BA6EB5}"/>
+          </ac:spMkLst>
+        </pc:spChg>
+        <pc:spChg chg="add mod ord">
+          <ac:chgData name="Melo, Bruna Martins Brito de" userId="c13880bf-6654-4c41-8cb2-18b8c06e908d" providerId="ADAL" clId="{F775D6D4-349D-4C11-BAD6-5F5FBEE0A3D4}" dt="2021-03-07T22:02:44.692" v="1133" actId="167"/>
+          <ac:spMkLst>
+            <pc:docMk/>
+            <pc:sldMk cId="2444951207" sldId="267"/>
+            <ac:spMk id="9" creationId="{5879E67B-8DE1-4E59-90C2-2EC28A449843}"/>
+          </ac:spMkLst>
+        </pc:spChg>
+        <pc:picChg chg="mod">
+          <ac:chgData name="Melo, Bruna Martins Brito de" userId="c13880bf-6654-4c41-8cb2-18b8c06e908d" providerId="ADAL" clId="{F775D6D4-349D-4C11-BAD6-5F5FBEE0A3D4}" dt="2021-03-07T19:41:30.964" v="440" actId="1076"/>
+          <ac:picMkLst>
+            <pc:docMk/>
+            <pc:sldMk cId="2444951207" sldId="267"/>
+            <ac:picMk id="6" creationId="{C663EB6D-CBA7-4983-86FD-1B8AC9512031}"/>
+          </ac:picMkLst>
+        </pc:picChg>
+        <pc:picChg chg="mod">
+          <ac:chgData name="Melo, Bruna Martins Brito de" userId="c13880bf-6654-4c41-8cb2-18b8c06e908d" providerId="ADAL" clId="{F775D6D4-349D-4C11-BAD6-5F5FBEE0A3D4}" dt="2021-03-07T19:42:52.656" v="484" actId="1076"/>
+          <ac:picMkLst>
+            <pc:docMk/>
+            <pc:sldMk cId="2444951207" sldId="267"/>
+            <ac:picMk id="7" creationId="{B5F34AFB-8CB6-467C-A8D3-FE15F7871FA3}"/>
+          </ac:picMkLst>
+        </pc:picChg>
+        <pc:cxnChg chg="add mod">
+          <ac:chgData name="Melo, Bruna Martins Brito de" userId="c13880bf-6654-4c41-8cb2-18b8c06e908d" providerId="ADAL" clId="{F775D6D4-349D-4C11-BAD6-5F5FBEE0A3D4}" dt="2021-03-07T19:42:47.260" v="482" actId="14100"/>
+          <ac:cxnSpMkLst>
+            <pc:docMk/>
+            <pc:sldMk cId="2444951207" sldId="267"/>
+            <ac:cxnSpMk id="5" creationId="{BE788AB1-FAEF-428A-9F6B-C5B4547ADDFD}"/>
+          </ac:cxnSpMkLst>
+        </pc:cxnChg>
+      </pc:sldChg>
+      <pc:sldChg chg="addSp delSp modSp mod">
+        <pc:chgData name="Melo, Bruna Martins Brito de" userId="c13880bf-6654-4c41-8cb2-18b8c06e908d" providerId="ADAL" clId="{F775D6D4-349D-4C11-BAD6-5F5FBEE0A3D4}" dt="2021-03-07T22:15:41.032" v="1756" actId="20577"/>
+        <pc:sldMkLst>
+          <pc:docMk/>
+          <pc:sldMk cId="63032327" sldId="268"/>
+        </pc:sldMkLst>
+        <pc:spChg chg="mod">
+          <ac:chgData name="Melo, Bruna Martins Brito de" userId="c13880bf-6654-4c41-8cb2-18b8c06e908d" providerId="ADAL" clId="{F775D6D4-349D-4C11-BAD6-5F5FBEE0A3D4}" dt="2021-03-07T19:50:58.549" v="601" actId="1076"/>
+          <ac:spMkLst>
+            <pc:docMk/>
+            <pc:sldMk cId="63032327" sldId="268"/>
+            <ac:spMk id="2" creationId="{2004B546-4D75-4C37-8F82-244A938F301D}"/>
+          </ac:spMkLst>
+        </pc:spChg>
+        <pc:spChg chg="add del mod">
+          <ac:chgData name="Melo, Bruna Martins Brito de" userId="c13880bf-6654-4c41-8cb2-18b8c06e908d" providerId="ADAL" clId="{F775D6D4-349D-4C11-BAD6-5F5FBEE0A3D4}" dt="2021-03-07T20:08:24.296" v="804"/>
+          <ac:spMkLst>
+            <pc:docMk/>
+            <pc:sldMk cId="63032327" sldId="268"/>
+            <ac:spMk id="4" creationId="{23BAC1B9-09E5-4EAA-8372-E7CAE32635A3}"/>
+          </ac:spMkLst>
+        </pc:spChg>
+        <pc:spChg chg="add del mod">
+          <ac:chgData name="Melo, Bruna Martins Brito de" userId="c13880bf-6654-4c41-8cb2-18b8c06e908d" providerId="ADAL" clId="{F775D6D4-349D-4C11-BAD6-5F5FBEE0A3D4}" dt="2021-03-07T19:50:26.515" v="544"/>
+          <ac:spMkLst>
+            <pc:docMk/>
+            <pc:sldMk cId="63032327" sldId="268"/>
+            <ac:spMk id="5" creationId="{790F5BF5-47EB-4EDA-9582-A6398477CB9D}"/>
+          </ac:spMkLst>
+        </pc:spChg>
+        <pc:spChg chg="add mod">
+          <ac:chgData name="Melo, Bruna Martins Brito de" userId="c13880bf-6654-4c41-8cb2-18b8c06e908d" providerId="ADAL" clId="{F775D6D4-349D-4C11-BAD6-5F5FBEE0A3D4}" dt="2021-03-07T22:15:41.032" v="1756" actId="20577"/>
+          <ac:spMkLst>
+            <pc:docMk/>
+            <pc:sldMk cId="63032327" sldId="268"/>
+            <ac:spMk id="5" creationId="{B5EAF4D9-DD2A-4D1F-BAE8-781AF6C1FF62}"/>
+          </ac:spMkLst>
+        </pc:spChg>
+        <pc:spChg chg="add del mod">
+          <ac:chgData name="Melo, Bruna Martins Brito de" userId="c13880bf-6654-4c41-8cb2-18b8c06e908d" providerId="ADAL" clId="{F775D6D4-349D-4C11-BAD6-5F5FBEE0A3D4}" dt="2021-03-07T22:12:26.083" v="1500"/>
+          <ac:spMkLst>
+            <pc:docMk/>
+            <pc:sldMk cId="63032327" sldId="268"/>
+            <ac:spMk id="6" creationId="{DA73BBBC-6AEF-45CC-994A-B4BAC1D8AE3F}"/>
+          </ac:spMkLst>
+        </pc:spChg>
+        <pc:spChg chg="add del mod">
+          <ac:chgData name="Melo, Bruna Martins Brito de" userId="c13880bf-6654-4c41-8cb2-18b8c06e908d" providerId="ADAL" clId="{F775D6D4-349D-4C11-BAD6-5F5FBEE0A3D4}" dt="2021-03-07T19:50:55.167" v="599"/>
+          <ac:spMkLst>
+            <pc:docMk/>
+            <pc:sldMk cId="63032327" sldId="268"/>
+            <ac:spMk id="6" creationId="{F705D717-A012-444A-9428-4D78E1CA1363}"/>
+          </ac:spMkLst>
+        </pc:spChg>
+        <pc:spChg chg="add mod">
+          <ac:chgData name="Melo, Bruna Martins Brito de" userId="c13880bf-6654-4c41-8cb2-18b8c06e908d" providerId="ADAL" clId="{F775D6D4-349D-4C11-BAD6-5F5FBEE0A3D4}" dt="2021-03-07T22:13:01.797" v="1511" actId="1076"/>
+          <ac:spMkLst>
+            <pc:docMk/>
+            <pc:sldMk cId="63032327" sldId="268"/>
+            <ac:spMk id="7" creationId="{E060CAB4-8898-46D4-88F9-AAED6CCAA39A}"/>
+          </ac:spMkLst>
+        </pc:spChg>
+        <pc:spChg chg="add mod">
+          <ac:chgData name="Melo, Bruna Martins Brito de" userId="c13880bf-6654-4c41-8cb2-18b8c06e908d" providerId="ADAL" clId="{F775D6D4-349D-4C11-BAD6-5F5FBEE0A3D4}" dt="2021-03-07T22:13:22.945" v="1516" actId="1076"/>
+          <ac:spMkLst>
+            <pc:docMk/>
+            <pc:sldMk cId="63032327" sldId="268"/>
+            <ac:spMk id="8" creationId="{FE6938B9-104D-43E4-9DBA-3865AFC772D2}"/>
+          </ac:spMkLst>
+        </pc:spChg>
+        <pc:spChg chg="add mod">
+          <ac:chgData name="Melo, Bruna Martins Brito de" userId="c13880bf-6654-4c41-8cb2-18b8c06e908d" providerId="ADAL" clId="{F775D6D4-349D-4C11-BAD6-5F5FBEE0A3D4}" dt="2021-03-07T22:13:29.800" v="1518" actId="1076"/>
+          <ac:spMkLst>
+            <pc:docMk/>
+            <pc:sldMk cId="63032327" sldId="268"/>
+            <ac:spMk id="9" creationId="{604AFE17-9DF8-433D-800B-4ED38A8F38DE}"/>
+          </ac:spMkLst>
+        </pc:spChg>
+        <pc:spChg chg="add mod">
+          <ac:chgData name="Melo, Bruna Martins Brito de" userId="c13880bf-6654-4c41-8cb2-18b8c06e908d" providerId="ADAL" clId="{F775D6D4-349D-4C11-BAD6-5F5FBEE0A3D4}" dt="2021-03-07T22:13:35.592" v="1520" actId="1076"/>
+          <ac:spMkLst>
+            <pc:docMk/>
+            <pc:sldMk cId="63032327" sldId="268"/>
+            <ac:spMk id="10" creationId="{D28F2818-1A07-444B-91BE-76C78B78A53B}"/>
+          </ac:spMkLst>
+        </pc:spChg>
+        <pc:spChg chg="add mod">
+          <ac:chgData name="Melo, Bruna Martins Brito de" userId="c13880bf-6654-4c41-8cb2-18b8c06e908d" providerId="ADAL" clId="{F775D6D4-349D-4C11-BAD6-5F5FBEE0A3D4}" dt="2021-03-07T22:13:38.747" v="1522" actId="1076"/>
+          <ac:spMkLst>
+            <pc:docMk/>
+            <pc:sldMk cId="63032327" sldId="268"/>
+            <ac:spMk id="11" creationId="{2E3D0AF1-AE40-4A38-8B3B-CDA236646024}"/>
+          </ac:spMkLst>
+        </pc:spChg>
+        <pc:cxnChg chg="add mod">
+          <ac:chgData name="Melo, Bruna Martins Brito de" userId="c13880bf-6654-4c41-8cb2-18b8c06e908d" providerId="ADAL" clId="{F775D6D4-349D-4C11-BAD6-5F5FBEE0A3D4}" dt="2021-03-07T19:46:32.538" v="518" actId="14100"/>
+          <ac:cxnSpMkLst>
+            <pc:docMk/>
+            <pc:sldMk cId="63032327" sldId="268"/>
+            <ac:cxnSpMk id="3" creationId="{6FD6F1DD-2D28-4E13-9E69-C573642F3650}"/>
+          </ac:cxnSpMkLst>
+        </pc:cxnChg>
+      </pc:sldChg>
+      <pc:sldChg chg="addSp modSp mod">
+        <pc:chgData name="Melo, Bruna Martins Brito de" userId="c13880bf-6654-4c41-8cb2-18b8c06e908d" providerId="ADAL" clId="{F775D6D4-349D-4C11-BAD6-5F5FBEE0A3D4}" dt="2021-03-07T22:17:39.431" v="1859" actId="1076"/>
+        <pc:sldMkLst>
+          <pc:docMk/>
+          <pc:sldMk cId="3798227584" sldId="269"/>
+        </pc:sldMkLst>
+        <pc:spChg chg="add mod">
+          <ac:chgData name="Melo, Bruna Martins Brito de" userId="c13880bf-6654-4c41-8cb2-18b8c06e908d" providerId="ADAL" clId="{F775D6D4-349D-4C11-BAD6-5F5FBEE0A3D4}" dt="2021-03-07T22:17:39.431" v="1859" actId="1076"/>
+          <ac:spMkLst>
+            <pc:docMk/>
+            <pc:sldMk cId="3798227584" sldId="269"/>
+            <ac:spMk id="4" creationId="{6A29BF9B-2B24-4FC9-8626-A8ECE77559A8}"/>
+          </ac:spMkLst>
+        </pc:spChg>
+        <pc:cxnChg chg="add mod">
+          <ac:chgData name="Melo, Bruna Martins Brito de" userId="c13880bf-6654-4c41-8cb2-18b8c06e908d" providerId="ADAL" clId="{F775D6D4-349D-4C11-BAD6-5F5FBEE0A3D4}" dt="2021-03-07T19:46:39.104" v="521" actId="14100"/>
+          <ac:cxnSpMkLst>
+            <pc:docMk/>
+            <pc:sldMk cId="3798227584" sldId="269"/>
+            <ac:cxnSpMk id="3" creationId="{AB7769F5-7C25-4202-A0A6-4ED53C21EF3A}"/>
+          </ac:cxnSpMkLst>
+        </pc:cxnChg>
+      </pc:sldChg>
+      <pc:sldChg chg="del">
+        <pc:chgData name="Melo, Bruna Martins Brito de" userId="c13880bf-6654-4c41-8cb2-18b8c06e908d" providerId="ADAL" clId="{F775D6D4-349D-4C11-BAD6-5F5FBEE0A3D4}" dt="2021-03-07T19:43:01.574" v="485" actId="2696"/>
+        <pc:sldMkLst>
+          <pc:docMk/>
+          <pc:sldMk cId="2992113675" sldId="270"/>
+        </pc:sldMkLst>
+      </pc:sldChg>
+      <pc:sldChg chg="addSp modSp mod">
+        <pc:chgData name="Melo, Bruna Martins Brito de" userId="c13880bf-6654-4c41-8cb2-18b8c06e908d" providerId="ADAL" clId="{F775D6D4-349D-4C11-BAD6-5F5FBEE0A3D4}" dt="2021-03-07T22:03:39.181" v="1147" actId="167"/>
+        <pc:sldMkLst>
+          <pc:docMk/>
+          <pc:sldMk cId="4256461773" sldId="271"/>
+        </pc:sldMkLst>
+        <pc:spChg chg="add mod ord">
+          <ac:chgData name="Melo, Bruna Martins Brito de" userId="c13880bf-6654-4c41-8cb2-18b8c06e908d" providerId="ADAL" clId="{F775D6D4-349D-4C11-BAD6-5F5FBEE0A3D4}" dt="2021-03-07T22:03:39.181" v="1147" actId="167"/>
+          <ac:spMkLst>
+            <pc:docMk/>
+            <pc:sldMk cId="4256461773" sldId="271"/>
+            <ac:spMk id="3" creationId="{3F825C95-7479-466B-8621-071193ACFBC8}"/>
+          </ac:spMkLst>
+        </pc:spChg>
+        <pc:picChg chg="mod">
+          <ac:chgData name="Melo, Bruna Martins Brito de" userId="c13880bf-6654-4c41-8cb2-18b8c06e908d" providerId="ADAL" clId="{F775D6D4-349D-4C11-BAD6-5F5FBEE0A3D4}" dt="2021-03-07T19:49:26.269" v="541" actId="1076"/>
+          <ac:picMkLst>
+            <pc:docMk/>
+            <pc:sldMk cId="4256461773" sldId="271"/>
+            <ac:picMk id="1026" creationId="{0EDC1C8E-2CBB-486B-B60A-41C8D8C03179}"/>
+          </ac:picMkLst>
+        </pc:picChg>
+      </pc:sldChg>
+      <pc:sldChg chg="addSp delSp modSp new mod setBg">
+        <pc:chgData name="Melo, Bruna Martins Brito de" userId="c13880bf-6654-4c41-8cb2-18b8c06e908d" providerId="ADAL" clId="{F775D6D4-349D-4C11-BAD6-5F5FBEE0A3D4}" dt="2021-03-07T20:50:33.754" v="914" actId="1076"/>
+        <pc:sldMkLst>
+          <pc:docMk/>
+          <pc:sldMk cId="1302303263" sldId="272"/>
+        </pc:sldMkLst>
+        <pc:spChg chg="add mod">
+          <ac:chgData name="Melo, Bruna Martins Brito de" userId="c13880bf-6654-4c41-8cb2-18b8c06e908d" providerId="ADAL" clId="{F775D6D4-349D-4C11-BAD6-5F5FBEE0A3D4}" dt="2021-03-07T19:15:43.318" v="27" actId="1076"/>
+          <ac:spMkLst>
+            <pc:docMk/>
+            <pc:sldMk cId="1302303263" sldId="272"/>
+            <ac:spMk id="2" creationId="{A38C71F1-EAE5-4222-863A-EF43E16A5ECC}"/>
+          </ac:spMkLst>
+        </pc:spChg>
+        <pc:spChg chg="add del mod">
+          <ac:chgData name="Melo, Bruna Martins Brito de" userId="c13880bf-6654-4c41-8cb2-18b8c06e908d" providerId="ADAL" clId="{F775D6D4-349D-4C11-BAD6-5F5FBEE0A3D4}" dt="2021-03-07T20:01:07.475" v="738" actId="1076"/>
+          <ac:spMkLst>
+            <pc:docMk/>
+            <pc:sldMk cId="1302303263" sldId="272"/>
+            <ac:spMk id="5" creationId="{E50CC7CB-78C4-4C13-B22D-FC6589B6B778}"/>
+          </ac:spMkLst>
+        </pc:spChg>
+        <pc:spChg chg="add del mod">
+          <ac:chgData name="Melo, Bruna Martins Brito de" userId="c13880bf-6654-4c41-8cb2-18b8c06e908d" providerId="ADAL" clId="{F775D6D4-349D-4C11-BAD6-5F5FBEE0A3D4}" dt="2021-03-07T19:21:45.040" v="101" actId="478"/>
+          <ac:spMkLst>
+            <pc:docMk/>
+            <pc:sldMk cId="1302303263" sldId="272"/>
+            <ac:spMk id="8" creationId="{96A4FAA9-7595-438D-81E1-BA497B1A25F4}"/>
+          </ac:spMkLst>
+        </pc:spChg>
+        <pc:spChg chg="add del">
+          <ac:chgData name="Melo, Bruna Martins Brito de" userId="c13880bf-6654-4c41-8cb2-18b8c06e908d" providerId="ADAL" clId="{F775D6D4-349D-4C11-BAD6-5F5FBEE0A3D4}" dt="2021-03-07T19:21:58.707" v="103" actId="478"/>
+          <ac:spMkLst>
+            <pc:docMk/>
+            <pc:sldMk cId="1302303263" sldId="272"/>
+            <ac:spMk id="9" creationId="{273D82F0-92D5-4C73-8F6F-79ECCC57C1CF}"/>
+          </ac:spMkLst>
+        </pc:spChg>
+        <pc:spChg chg="add del">
+          <ac:chgData name="Melo, Bruna Martins Brito de" userId="c13880bf-6654-4c41-8cb2-18b8c06e908d" providerId="ADAL" clId="{F775D6D4-349D-4C11-BAD6-5F5FBEE0A3D4}" dt="2021-03-07T19:23:29.719" v="139" actId="478"/>
+          <ac:spMkLst>
+            <pc:docMk/>
+            <pc:sldMk cId="1302303263" sldId="272"/>
+            <ac:spMk id="12" creationId="{1356F9A9-9165-4F07-99A5-0E49D5952613}"/>
+          </ac:spMkLst>
+        </pc:spChg>
+        <pc:spChg chg="add mod">
+          <ac:chgData name="Melo, Bruna Martins Brito de" userId="c13880bf-6654-4c41-8cb2-18b8c06e908d" providerId="ADAL" clId="{F775D6D4-349D-4C11-BAD6-5F5FBEE0A3D4}" dt="2021-03-07T20:00:48.531" v="734" actId="14100"/>
+          <ac:spMkLst>
+            <pc:docMk/>
+            <pc:sldMk cId="1302303263" sldId="272"/>
+            <ac:spMk id="13" creationId="{8F04576B-FD01-4FAE-8804-1F63448D26D9}"/>
+          </ac:spMkLst>
+        </pc:spChg>
+        <pc:spChg chg="add mod">
+          <ac:chgData name="Melo, Bruna Martins Brito de" userId="c13880bf-6654-4c41-8cb2-18b8c06e908d" providerId="ADAL" clId="{F775D6D4-349D-4C11-BAD6-5F5FBEE0A3D4}" dt="2021-03-07T20:02:18.145" v="773" actId="1076"/>
+          <ac:spMkLst>
+            <pc:docMk/>
+            <pc:sldMk cId="1302303263" sldId="272"/>
+            <ac:spMk id="25" creationId="{12E856E4-D81E-4A8A-9C88-8899FD296DF1}"/>
+          </ac:spMkLst>
+        </pc:spChg>
+        <pc:spChg chg="add mod">
+          <ac:chgData name="Melo, Bruna Martins Brito de" userId="c13880bf-6654-4c41-8cb2-18b8c06e908d" providerId="ADAL" clId="{F775D6D4-349D-4C11-BAD6-5F5FBEE0A3D4}" dt="2021-03-07T20:01:28.930" v="746" actId="1076"/>
+          <ac:spMkLst>
+            <pc:docMk/>
+            <pc:sldMk cId="1302303263" sldId="272"/>
+            <ac:spMk id="26" creationId="{E965C63B-5847-433E-979B-F4677CDEE070}"/>
+          </ac:spMkLst>
+        </pc:spChg>
+        <pc:spChg chg="add mod">
+          <ac:chgData name="Melo, Bruna Martins Brito de" userId="c13880bf-6654-4c41-8cb2-18b8c06e908d" providerId="ADAL" clId="{F775D6D4-349D-4C11-BAD6-5F5FBEE0A3D4}" dt="2021-03-07T20:01:25.855" v="745" actId="1076"/>
+          <ac:spMkLst>
+            <pc:docMk/>
+            <pc:sldMk cId="1302303263" sldId="272"/>
+            <ac:spMk id="27" creationId="{0210FF25-1E4E-4262-85FB-B879A704CDB9}"/>
+          </ac:spMkLst>
+        </pc:spChg>
+        <pc:spChg chg="add mod">
+          <ac:chgData name="Melo, Bruna Martins Brito de" userId="c13880bf-6654-4c41-8cb2-18b8c06e908d" providerId="ADAL" clId="{F775D6D4-349D-4C11-BAD6-5F5FBEE0A3D4}" dt="2021-03-07T20:01:51.369" v="771" actId="20577"/>
+          <ac:spMkLst>
+            <pc:docMk/>
+            <pc:sldMk cId="1302303263" sldId="272"/>
+            <ac:spMk id="33" creationId="{C7152D8B-65A2-4FFB-A085-74E53B5514AD}"/>
+          </ac:spMkLst>
+        </pc:spChg>
+        <pc:spChg chg="add mod">
+          <ac:chgData name="Melo, Bruna Martins Brito de" userId="c13880bf-6654-4c41-8cb2-18b8c06e908d" providerId="ADAL" clId="{F775D6D4-349D-4C11-BAD6-5F5FBEE0A3D4}" dt="2021-03-07T20:00:31.720" v="728" actId="14100"/>
+          <ac:spMkLst>
+            <pc:docMk/>
+            <pc:sldMk cId="1302303263" sldId="272"/>
+            <ac:spMk id="35" creationId="{BAF2C99B-2640-4EEA-A4C1-27D3BB246553}"/>
+          </ac:spMkLst>
+        </pc:spChg>
+        <pc:spChg chg="add mod">
+          <ac:chgData name="Melo, Bruna Martins Brito de" userId="c13880bf-6654-4c41-8cb2-18b8c06e908d" providerId="ADAL" clId="{F775D6D4-349D-4C11-BAD6-5F5FBEE0A3D4}" dt="2021-03-07T20:01:03.248" v="737" actId="1076"/>
+          <ac:spMkLst>
+            <pc:docMk/>
+            <pc:sldMk cId="1302303263" sldId="272"/>
+            <ac:spMk id="36" creationId="{8C76EBAD-19AB-424D-BA9C-B3E255BB7DB6}"/>
+          </ac:spMkLst>
+        </pc:spChg>
+        <pc:spChg chg="add mod">
+          <ac:chgData name="Melo, Bruna Martins Brito de" userId="c13880bf-6654-4c41-8cb2-18b8c06e908d" providerId="ADAL" clId="{F775D6D4-349D-4C11-BAD6-5F5FBEE0A3D4}" dt="2021-03-07T20:02:18.145" v="773" actId="1076"/>
+          <ac:spMkLst>
+            <pc:docMk/>
+            <pc:sldMk cId="1302303263" sldId="272"/>
+            <ac:spMk id="37" creationId="{AB28848A-43BE-4DF5-9C74-D75EFCF2C9A4}"/>
+          </ac:spMkLst>
+        </pc:spChg>
+        <pc:spChg chg="add mod">
+          <ac:chgData name="Melo, Bruna Martins Brito de" userId="c13880bf-6654-4c41-8cb2-18b8c06e908d" providerId="ADAL" clId="{F775D6D4-349D-4C11-BAD6-5F5FBEE0A3D4}" dt="2021-03-07T20:01:41.975" v="748" actId="1076"/>
+          <ac:spMkLst>
+            <pc:docMk/>
+            <pc:sldMk cId="1302303263" sldId="272"/>
+            <ac:spMk id="38" creationId="{34318940-7043-4AB5-9ED1-429189BEBEE6}"/>
+          </ac:spMkLst>
+        </pc:spChg>
+        <pc:grpChg chg="add mod">
+          <ac:chgData name="Melo, Bruna Martins Brito de" userId="c13880bf-6654-4c41-8cb2-18b8c06e908d" providerId="ADAL" clId="{F775D6D4-349D-4C11-BAD6-5F5FBEE0A3D4}" dt="2021-03-07T20:00:53.074" v="735" actId="1076"/>
+          <ac:grpSpMkLst>
+            <pc:docMk/>
+            <pc:sldMk cId="1302303263" sldId="272"/>
+            <ac:grpSpMk id="8" creationId="{5BA24793-974A-4886-B58C-95EEDB80AE81}"/>
+          </ac:grpSpMkLst>
+        </pc:grpChg>
+        <pc:grpChg chg="add mod">
+          <ac:chgData name="Melo, Bruna Martins Brito de" userId="c13880bf-6654-4c41-8cb2-18b8c06e908d" providerId="ADAL" clId="{F775D6D4-349D-4C11-BAD6-5F5FBEE0A3D4}" dt="2021-03-07T20:01:00.668" v="736" actId="1076"/>
+          <ac:grpSpMkLst>
+            <pc:docMk/>
+            <pc:sldMk cId="1302303263" sldId="272"/>
+            <ac:grpSpMk id="9" creationId="{14DA020D-A403-4CE2-B5F3-7481DC8318A6}"/>
+          </ac:grpSpMkLst>
+        </pc:grpChg>
+        <pc:grpChg chg="add mod">
+          <ac:chgData name="Melo, Bruna Martins Brito de" userId="c13880bf-6654-4c41-8cb2-18b8c06e908d" providerId="ADAL" clId="{F775D6D4-349D-4C11-BAD6-5F5FBEE0A3D4}" dt="2021-03-07T20:02:18.145" v="773" actId="1076"/>
+          <ac:grpSpMkLst>
+            <pc:docMk/>
+            <pc:sldMk cId="1302303263" sldId="272"/>
+            <ac:grpSpMk id="10" creationId="{E572147E-883B-43FE-AAAD-717C7F4C4BE8}"/>
+          </ac:grpSpMkLst>
+        </pc:grpChg>
+        <pc:grpChg chg="add mod">
+          <ac:chgData name="Melo, Bruna Martins Brito de" userId="c13880bf-6654-4c41-8cb2-18b8c06e908d" providerId="ADAL" clId="{F775D6D4-349D-4C11-BAD6-5F5FBEE0A3D4}" dt="2021-03-07T20:01:23.274" v="744" actId="1076"/>
+          <ac:grpSpMkLst>
+            <pc:docMk/>
+            <pc:sldMk cId="1302303263" sldId="272"/>
+            <ac:grpSpMk id="12" creationId="{47D1E806-0A35-4058-B01D-008F5D9D23BE}"/>
+          </ac:grpSpMkLst>
+        </pc:grpChg>
+        <pc:grpChg chg="add del mod">
+          <ac:chgData name="Melo, Bruna Martins Brito de" userId="c13880bf-6654-4c41-8cb2-18b8c06e908d" providerId="ADAL" clId="{F775D6D4-349D-4C11-BAD6-5F5FBEE0A3D4}" dt="2021-03-07T20:01:54.396" v="772" actId="478"/>
+          <ac:grpSpMkLst>
+            <pc:docMk/>
+            <pc:sldMk cId="1302303263" sldId="272"/>
+            <ac:grpSpMk id="28" creationId="{D753021D-16C1-4AC1-92B5-07A858B53DF5}"/>
+          </ac:grpSpMkLst>
+        </pc:grpChg>
+        <pc:picChg chg="add mod">
+          <ac:chgData name="Melo, Bruna Martins Brito de" userId="c13880bf-6654-4c41-8cb2-18b8c06e908d" providerId="ADAL" clId="{F775D6D4-349D-4C11-BAD6-5F5FBEE0A3D4}" dt="2021-03-07T19:58:08.279" v="691" actId="164"/>
+          <ac:picMkLst>
+            <pc:docMk/>
+            <pc:sldMk cId="1302303263" sldId="272"/>
+            <ac:picMk id="4" creationId="{35512629-4FBA-495F-BA6A-9C34674C6876}"/>
+          </ac:picMkLst>
+        </pc:picChg>
+        <pc:picChg chg="add mod modCrop">
+          <ac:chgData name="Melo, Bruna Martins Brito de" userId="c13880bf-6654-4c41-8cb2-18b8c06e908d" providerId="ADAL" clId="{F775D6D4-349D-4C11-BAD6-5F5FBEE0A3D4}" dt="2021-03-07T19:58:20.924" v="693" actId="164"/>
+          <ac:picMkLst>
+            <pc:docMk/>
+            <pc:sldMk cId="1302303263" sldId="272"/>
+            <ac:picMk id="6" creationId="{B5EE06C0-AEA6-4FE5-A1EE-5D5F2E2D4A3B}"/>
+          </ac:picMkLst>
+        </pc:picChg>
+        <pc:picChg chg="add mod modCrop">
+          <ac:chgData name="Melo, Bruna Martins Brito de" userId="c13880bf-6654-4c41-8cb2-18b8c06e908d" providerId="ADAL" clId="{F775D6D4-349D-4C11-BAD6-5F5FBEE0A3D4}" dt="2021-03-07T19:58:02.301" v="690" actId="164"/>
+          <ac:picMkLst>
+            <pc:docMk/>
+            <pc:sldMk cId="1302303263" sldId="272"/>
+            <ac:picMk id="11" creationId="{1CBBF5D7-0A5D-47D8-BB9B-530936E42B10}"/>
+          </ac:picMkLst>
+        </pc:picChg>
+        <pc:picChg chg="add mod modCrop">
+          <ac:chgData name="Melo, Bruna Martins Brito de" userId="c13880bf-6654-4c41-8cb2-18b8c06e908d" providerId="ADAL" clId="{F775D6D4-349D-4C11-BAD6-5F5FBEE0A3D4}" dt="2021-03-07T20:50:33.754" v="914" actId="1076"/>
+          <ac:picMkLst>
+            <pc:docMk/>
+            <pc:sldMk cId="1302303263" sldId="272"/>
+            <ac:picMk id="16" creationId="{32A302B4-EE40-4408-87C2-ABD681BE381B}"/>
+          </ac:picMkLst>
+        </pc:picChg>
+        <pc:picChg chg="add mod modCrop">
+          <ac:chgData name="Melo, Bruna Martins Brito de" userId="c13880bf-6654-4c41-8cb2-18b8c06e908d" providerId="ADAL" clId="{F775D6D4-349D-4C11-BAD6-5F5FBEE0A3D4}" dt="2021-03-07T19:58:16.585" v="692" actId="164"/>
+          <ac:picMkLst>
+            <pc:docMk/>
+            <pc:sldMk cId="1302303263" sldId="272"/>
+            <ac:picMk id="24" creationId="{1BC538BC-C04E-453F-A863-29654F746B16}"/>
+          </ac:picMkLst>
+        </pc:picChg>
+        <pc:picChg chg="del mod topLvl">
+          <ac:chgData name="Melo, Bruna Martins Brito de" userId="c13880bf-6654-4c41-8cb2-18b8c06e908d" providerId="ADAL" clId="{F775D6D4-349D-4C11-BAD6-5F5FBEE0A3D4}" dt="2021-03-07T20:01:54.396" v="772" actId="478"/>
+          <ac:picMkLst>
+            <pc:docMk/>
+            <pc:sldMk cId="1302303263" sldId="272"/>
+            <ac:picMk id="30" creationId="{40EDF6D2-AB30-412E-B6A3-93D712B44F20}"/>
+          </ac:picMkLst>
+        </pc:picChg>
+        <pc:cxnChg chg="add del mod">
+          <ac:chgData name="Melo, Bruna Martins Brito de" userId="c13880bf-6654-4c41-8cb2-18b8c06e908d" providerId="ADAL" clId="{F775D6D4-349D-4C11-BAD6-5F5FBEE0A3D4}" dt="2021-03-07T19:54:32.961" v="662" actId="478"/>
+          <ac:cxnSpMkLst>
+            <pc:docMk/>
+            <pc:sldMk cId="1302303263" sldId="272"/>
+            <ac:cxnSpMk id="7" creationId="{E9148649-A0B6-4986-AC1C-E2F74F28AFD6}"/>
+          </ac:cxnSpMkLst>
+        </pc:cxnChg>
+        <pc:cxnChg chg="add del mod">
+          <ac:chgData name="Melo, Bruna Martins Brito de" userId="c13880bf-6654-4c41-8cb2-18b8c06e908d" providerId="ADAL" clId="{F775D6D4-349D-4C11-BAD6-5F5FBEE0A3D4}" dt="2021-03-07T19:54:35.537" v="664" actId="478"/>
+          <ac:cxnSpMkLst>
+            <pc:docMk/>
+            <pc:sldMk cId="1302303263" sldId="272"/>
+            <ac:cxnSpMk id="14" creationId="{140F33C4-4B5E-4D12-8146-10CB66DD3420}"/>
+          </ac:cxnSpMkLst>
+        </pc:cxnChg>
+        <pc:cxnChg chg="add mod">
+          <ac:chgData name="Melo, Bruna Martins Brito de" userId="c13880bf-6654-4c41-8cb2-18b8c06e908d" providerId="ADAL" clId="{F775D6D4-349D-4C11-BAD6-5F5FBEE0A3D4}" dt="2021-03-07T19:37:21.197" v="372" actId="14100"/>
+          <ac:cxnSpMkLst>
+            <pc:docMk/>
+            <pc:sldMk cId="1302303263" sldId="272"/>
+            <ac:cxnSpMk id="15" creationId="{767CD960-67EB-4476-8F58-E70621DFDC46}"/>
+          </ac:cxnSpMkLst>
+        </pc:cxnChg>
+        <pc:cxnChg chg="add mod">
+          <ac:chgData name="Melo, Bruna Martins Brito de" userId="c13880bf-6654-4c41-8cb2-18b8c06e908d" providerId="ADAL" clId="{F775D6D4-349D-4C11-BAD6-5F5FBEE0A3D4}" dt="2021-03-07T19:37:29.038" v="374" actId="1076"/>
+          <ac:cxnSpMkLst>
+            <pc:docMk/>
+            <pc:sldMk cId="1302303263" sldId="272"/>
+            <ac:cxnSpMk id="17" creationId="{87ADF440-CBE2-4B80-928F-65F7A38D0782}"/>
+          </ac:cxnSpMkLst>
+        </pc:cxnChg>
+        <pc:cxnChg chg="add mod">
+          <ac:chgData name="Melo, Bruna Martins Brito de" userId="c13880bf-6654-4c41-8cb2-18b8c06e908d" providerId="ADAL" clId="{F775D6D4-349D-4C11-BAD6-5F5FBEE0A3D4}" dt="2021-03-07T19:58:20.924" v="693" actId="164"/>
+          <ac:cxnSpMkLst>
+            <pc:docMk/>
+            <pc:sldMk cId="1302303263" sldId="272"/>
+            <ac:cxnSpMk id="19" creationId="{E1A7E4A6-1A3F-4213-80E2-8270AA3DE082}"/>
+          </ac:cxnSpMkLst>
+        </pc:cxnChg>
+        <pc:cxnChg chg="add del mod">
+          <ac:chgData name="Melo, Bruna Martins Brito de" userId="c13880bf-6654-4c41-8cb2-18b8c06e908d" providerId="ADAL" clId="{F775D6D4-349D-4C11-BAD6-5F5FBEE0A3D4}" dt="2021-03-07T19:54:34.578" v="663" actId="478"/>
+          <ac:cxnSpMkLst>
+            <pc:docMk/>
+            <pc:sldMk cId="1302303263" sldId="272"/>
+            <ac:cxnSpMk id="26" creationId="{98660A9B-D67B-4BD4-A0F4-DD0E3394ECAE}"/>
+          </ac:cxnSpMkLst>
+        </pc:cxnChg>
+        <pc:cxnChg chg="add mod">
+          <ac:chgData name="Melo, Bruna Martins Brito de" userId="c13880bf-6654-4c41-8cb2-18b8c06e908d" providerId="ADAL" clId="{F775D6D4-349D-4C11-BAD6-5F5FBEE0A3D4}" dt="2021-03-07T19:58:16.585" v="692" actId="164"/>
+          <ac:cxnSpMkLst>
+            <pc:docMk/>
+            <pc:sldMk cId="1302303263" sldId="272"/>
+            <ac:cxnSpMk id="29" creationId="{A13D827B-E106-4B0A-90C9-2850EE943FDE}"/>
+          </ac:cxnSpMkLst>
+        </pc:cxnChg>
+        <pc:cxnChg chg="mod topLvl">
+          <ac:chgData name="Melo, Bruna Martins Brito de" userId="c13880bf-6654-4c41-8cb2-18b8c06e908d" providerId="ADAL" clId="{F775D6D4-349D-4C11-BAD6-5F5FBEE0A3D4}" dt="2021-03-07T20:01:54.396" v="772" actId="478"/>
+          <ac:cxnSpMkLst>
+            <pc:docMk/>
+            <pc:sldMk cId="1302303263" sldId="272"/>
+            <ac:cxnSpMk id="31" creationId="{D60C5EF1-E4E4-446C-A481-2A8A4E30412C}"/>
+          </ac:cxnSpMkLst>
+        </pc:cxnChg>
+        <pc:cxnChg chg="add mod">
+          <ac:chgData name="Melo, Bruna Martins Brito de" userId="c13880bf-6654-4c41-8cb2-18b8c06e908d" providerId="ADAL" clId="{F775D6D4-349D-4C11-BAD6-5F5FBEE0A3D4}" dt="2021-03-07T19:58:08.279" v="691" actId="164"/>
+          <ac:cxnSpMkLst>
+            <pc:docMk/>
+            <pc:sldMk cId="1302303263" sldId="272"/>
+            <ac:cxnSpMk id="32" creationId="{E88508E7-909A-4820-AD9C-EC00B2DDC20A}"/>
+          </ac:cxnSpMkLst>
+        </pc:cxnChg>
+        <pc:cxnChg chg="add mod">
+          <ac:chgData name="Melo, Bruna Martins Brito de" userId="c13880bf-6654-4c41-8cb2-18b8c06e908d" providerId="ADAL" clId="{F775D6D4-349D-4C11-BAD6-5F5FBEE0A3D4}" dt="2021-03-07T19:58:02.301" v="690" actId="164"/>
+          <ac:cxnSpMkLst>
+            <pc:docMk/>
+            <pc:sldMk cId="1302303263" sldId="272"/>
+            <ac:cxnSpMk id="34" creationId="{6CA39BE0-259D-4D91-A231-B94747CDC913}"/>
+          </ac:cxnSpMkLst>
+        </pc:cxnChg>
+      </pc:sldChg>
+      <pc:sldChg chg="addSp modSp new mod">
+        <pc:chgData name="Melo, Bruna Martins Brito de" userId="c13880bf-6654-4c41-8cb2-18b8c06e908d" providerId="ADAL" clId="{F775D6D4-349D-4C11-BAD6-5F5FBEE0A3D4}" dt="2021-03-07T22:02:21.853" v="1131" actId="166"/>
+        <pc:sldMkLst>
+          <pc:docMk/>
+          <pc:sldMk cId="3665361951" sldId="273"/>
+        </pc:sldMkLst>
+        <pc:spChg chg="add mod">
+          <ac:chgData name="Melo, Bruna Martins Brito de" userId="c13880bf-6654-4c41-8cb2-18b8c06e908d" providerId="ADAL" clId="{F775D6D4-349D-4C11-BAD6-5F5FBEE0A3D4}" dt="2021-03-07T21:59:35.499" v="964" actId="14100"/>
+          <ac:spMkLst>
+            <pc:docMk/>
+            <pc:sldMk cId="3665361951" sldId="273"/>
+            <ac:spMk id="4" creationId="{8932DACD-8D02-4E01-A1EE-0CDB06CBCF70}"/>
+          </ac:spMkLst>
+        </pc:spChg>
+        <pc:spChg chg="add mod ord">
+          <ac:chgData name="Melo, Bruna Martins Brito de" userId="c13880bf-6654-4c41-8cb2-18b8c06e908d" providerId="ADAL" clId="{F775D6D4-349D-4C11-BAD6-5F5FBEE0A3D4}" dt="2021-03-07T22:02:11.053" v="1130" actId="170"/>
+          <ac:spMkLst>
+            <pc:docMk/>
+            <pc:sldMk cId="3665361951" sldId="273"/>
+            <ac:spMk id="7" creationId="{B16D1003-DC21-4DD3-95A5-8D360425A52A}"/>
+          </ac:spMkLst>
+        </pc:spChg>
+        <pc:picChg chg="add mod">
+          <ac:chgData name="Melo, Bruna Martins Brito de" userId="c13880bf-6654-4c41-8cb2-18b8c06e908d" providerId="ADAL" clId="{F775D6D4-349D-4C11-BAD6-5F5FBEE0A3D4}" dt="2021-03-07T22:02:21.853" v="1131" actId="166"/>
+          <ac:picMkLst>
+            <pc:docMk/>
+            <pc:sldMk cId="3665361951" sldId="273"/>
+            <ac:picMk id="2" creationId="{01D405D1-C95B-4EC0-A9C3-91296DB1AF17}"/>
+          </ac:picMkLst>
+        </pc:picChg>
+        <pc:picChg chg="add mod">
+          <ac:chgData name="Melo, Bruna Martins Brito de" userId="c13880bf-6654-4c41-8cb2-18b8c06e908d" providerId="ADAL" clId="{F775D6D4-349D-4C11-BAD6-5F5FBEE0A3D4}" dt="2021-03-07T21:59:47.982" v="968" actId="1076"/>
+          <ac:picMkLst>
+            <pc:docMk/>
+            <pc:sldMk cId="3665361951" sldId="273"/>
+            <ac:picMk id="3" creationId="{52CAF529-3D82-4C25-9687-0A35ACE263DB}"/>
+          </ac:picMkLst>
+        </pc:picChg>
+        <pc:cxnChg chg="add mod">
+          <ac:chgData name="Melo, Bruna Martins Brito de" userId="c13880bf-6654-4c41-8cb2-18b8c06e908d" providerId="ADAL" clId="{F775D6D4-349D-4C11-BAD6-5F5FBEE0A3D4}" dt="2021-03-07T21:59:42.855" v="966" actId="14100"/>
+          <ac:cxnSpMkLst>
+            <pc:docMk/>
+            <pc:sldMk cId="3665361951" sldId="273"/>
+            <ac:cxnSpMk id="5" creationId="{9E5E2AC1-5EA2-436E-BCEB-30F0337EEC5E}"/>
+          </ac:cxnSpMkLst>
+        </pc:cxnChg>
+      </pc:sldChg>
+      <pc:sldMasterChg chg="setBg modSldLayout">
+        <pc:chgData name="Melo, Bruna Martins Brito de" userId="c13880bf-6654-4c41-8cb2-18b8c06e908d" providerId="ADAL" clId="{F775D6D4-349D-4C11-BAD6-5F5FBEE0A3D4}" dt="2021-03-07T21:58:18.023" v="934"/>
+        <pc:sldMasterMkLst>
+          <pc:docMk/>
+          <pc:sldMasterMk cId="2939375616" sldId="2147483648"/>
+        </pc:sldMasterMkLst>
+        <pc:sldLayoutChg chg="setBg">
+          <pc:chgData name="Melo, Bruna Martins Brito de" userId="c13880bf-6654-4c41-8cb2-18b8c06e908d" providerId="ADAL" clId="{F775D6D4-349D-4C11-BAD6-5F5FBEE0A3D4}" dt="2021-03-07T21:58:18.023" v="934"/>
+          <pc:sldLayoutMkLst>
+            <pc:docMk/>
+            <pc:sldMasterMk cId="2939375616" sldId="2147483648"/>
+            <pc:sldLayoutMk cId="342874356" sldId="2147483649"/>
+          </pc:sldLayoutMkLst>
+        </pc:sldLayoutChg>
+        <pc:sldLayoutChg chg="setBg">
+          <pc:chgData name="Melo, Bruna Martins Brito de" userId="c13880bf-6654-4c41-8cb2-18b8c06e908d" providerId="ADAL" clId="{F775D6D4-349D-4C11-BAD6-5F5FBEE0A3D4}" dt="2021-03-07T21:58:18.023" v="934"/>
+          <pc:sldLayoutMkLst>
+            <pc:docMk/>
+            <pc:sldMasterMk cId="2939375616" sldId="2147483648"/>
+            <pc:sldLayoutMk cId="2478722675" sldId="2147483650"/>
+          </pc:sldLayoutMkLst>
+        </pc:sldLayoutChg>
+        <pc:sldLayoutChg chg="setBg">
+          <pc:chgData name="Melo, Bruna Martins Brito de" userId="c13880bf-6654-4c41-8cb2-18b8c06e908d" providerId="ADAL" clId="{F775D6D4-349D-4C11-BAD6-5F5FBEE0A3D4}" dt="2021-03-07T21:58:18.023" v="934"/>
+          <pc:sldLayoutMkLst>
+            <pc:docMk/>
+            <pc:sldMasterMk cId="2939375616" sldId="2147483648"/>
+            <pc:sldLayoutMk cId="3951690208" sldId="2147483651"/>
+          </pc:sldLayoutMkLst>
+        </pc:sldLayoutChg>
+        <pc:sldLayoutChg chg="setBg">
+          <pc:chgData name="Melo, Bruna Martins Brito de" userId="c13880bf-6654-4c41-8cb2-18b8c06e908d" providerId="ADAL" clId="{F775D6D4-349D-4C11-BAD6-5F5FBEE0A3D4}" dt="2021-03-07T21:58:18.023" v="934"/>
+          <pc:sldLayoutMkLst>
+            <pc:docMk/>
+            <pc:sldMasterMk cId="2939375616" sldId="2147483648"/>
+            <pc:sldLayoutMk cId="238630666" sldId="2147483652"/>
+          </pc:sldLayoutMkLst>
+        </pc:sldLayoutChg>
+        <pc:sldLayoutChg chg="setBg">
+          <pc:chgData name="Melo, Bruna Martins Brito de" userId="c13880bf-6654-4c41-8cb2-18b8c06e908d" providerId="ADAL" clId="{F775D6D4-349D-4C11-BAD6-5F5FBEE0A3D4}" dt="2021-03-07T21:58:18.023" v="934"/>
+          <pc:sldLayoutMkLst>
+            <pc:docMk/>
+            <pc:sldMasterMk cId="2939375616" sldId="2147483648"/>
+            <pc:sldLayoutMk cId="2980178667" sldId="2147483653"/>
+          </pc:sldLayoutMkLst>
+        </pc:sldLayoutChg>
+        <pc:sldLayoutChg chg="setBg">
+          <pc:chgData name="Melo, Bruna Martins Brito de" userId="c13880bf-6654-4c41-8cb2-18b8c06e908d" providerId="ADAL" clId="{F775D6D4-349D-4C11-BAD6-5F5FBEE0A3D4}" dt="2021-03-07T21:58:18.023" v="934"/>
+          <pc:sldLayoutMkLst>
+            <pc:docMk/>
+            <pc:sldMasterMk cId="2939375616" sldId="2147483648"/>
+            <pc:sldLayoutMk cId="419325974" sldId="2147483654"/>
+          </pc:sldLayoutMkLst>
+        </pc:sldLayoutChg>
+        <pc:sldLayoutChg chg="setBg">
+          <pc:chgData name="Melo, Bruna Martins Brito de" userId="c13880bf-6654-4c41-8cb2-18b8c06e908d" providerId="ADAL" clId="{F775D6D4-349D-4C11-BAD6-5F5FBEE0A3D4}" dt="2021-03-07T21:58:18.023" v="934"/>
+          <pc:sldLayoutMkLst>
+            <pc:docMk/>
+            <pc:sldMasterMk cId="2939375616" sldId="2147483648"/>
+            <pc:sldLayoutMk cId="2496983169" sldId="2147483655"/>
+          </pc:sldLayoutMkLst>
+        </pc:sldLayoutChg>
+        <pc:sldLayoutChg chg="setBg">
+          <pc:chgData name="Melo, Bruna Martins Brito de" userId="c13880bf-6654-4c41-8cb2-18b8c06e908d" providerId="ADAL" clId="{F775D6D4-349D-4C11-BAD6-5F5FBEE0A3D4}" dt="2021-03-07T21:58:18.023" v="934"/>
+          <pc:sldLayoutMkLst>
+            <pc:docMk/>
+            <pc:sldMasterMk cId="2939375616" sldId="2147483648"/>
+            <pc:sldLayoutMk cId="2747311099" sldId="2147483656"/>
+          </pc:sldLayoutMkLst>
+        </pc:sldLayoutChg>
+        <pc:sldLayoutChg chg="setBg">
+          <pc:chgData name="Melo, Bruna Martins Brito de" userId="c13880bf-6654-4c41-8cb2-18b8c06e908d" providerId="ADAL" clId="{F775D6D4-349D-4C11-BAD6-5F5FBEE0A3D4}" dt="2021-03-07T21:58:18.023" v="934"/>
+          <pc:sldLayoutMkLst>
+            <pc:docMk/>
+            <pc:sldMasterMk cId="2939375616" sldId="2147483648"/>
+            <pc:sldLayoutMk cId="375423263" sldId="2147483657"/>
+          </pc:sldLayoutMkLst>
+        </pc:sldLayoutChg>
+        <pc:sldLayoutChg chg="setBg">
+          <pc:chgData name="Melo, Bruna Martins Brito de" userId="c13880bf-6654-4c41-8cb2-18b8c06e908d" providerId="ADAL" clId="{F775D6D4-349D-4C11-BAD6-5F5FBEE0A3D4}" dt="2021-03-07T21:58:18.023" v="934"/>
+          <pc:sldLayoutMkLst>
+            <pc:docMk/>
+            <pc:sldMasterMk cId="2939375616" sldId="2147483648"/>
+            <pc:sldLayoutMk cId="1702296244" sldId="2147483658"/>
+          </pc:sldLayoutMkLst>
+        </pc:sldLayoutChg>
+        <pc:sldLayoutChg chg="setBg">
+          <pc:chgData name="Melo, Bruna Martins Brito de" userId="c13880bf-6654-4c41-8cb2-18b8c06e908d" providerId="ADAL" clId="{F775D6D4-349D-4C11-BAD6-5F5FBEE0A3D4}" dt="2021-03-07T21:58:18.023" v="934"/>
+          <pc:sldLayoutMkLst>
+            <pc:docMk/>
+            <pc:sldMasterMk cId="2939375616" sldId="2147483648"/>
+            <pc:sldLayoutMk cId="2489871936" sldId="2147483659"/>
+          </pc:sldLayoutMkLst>
+        </pc:sldLayoutChg>
+      </pc:sldMasterChg>
+    </pc:docChg>
+  </pc:docChgLst>
+</pc:chgInfo>
 </file>
 
 <file path=ppt/slideLayouts/slideLayout1.xml><?xml version="1.0" encoding="utf-8"?>
@@ -271,7 +1599,7 @@
           <a:p>
             <a:fld id="{12DA4545-FF8F-42A6-9F36-2AD1ECF70FEC}" type="datetimeFigureOut">
               <a:rPr lang="pt-BR" smtClean="0"/>
-              <a:t>05/03/2021</a:t>
+              <a:t>07/03/2021</a:t>
             </a:fld>
             <a:endParaRPr lang="pt-BR"/>
           </a:p>
@@ -471,7 +1799,7 @@
           <a:p>
             <a:fld id="{12DA4545-FF8F-42A6-9F36-2AD1ECF70FEC}" type="datetimeFigureOut">
               <a:rPr lang="pt-BR" smtClean="0"/>
-              <a:t>05/03/2021</a:t>
+              <a:t>07/03/2021</a:t>
             </a:fld>
             <a:endParaRPr lang="pt-BR"/>
           </a:p>
@@ -681,7 +2009,7 @@
           <a:p>
             <a:fld id="{12DA4545-FF8F-42A6-9F36-2AD1ECF70FEC}" type="datetimeFigureOut">
               <a:rPr lang="pt-BR" smtClean="0"/>
-              <a:t>05/03/2021</a:t>
+              <a:t>07/03/2021</a:t>
             </a:fld>
             <a:endParaRPr lang="pt-BR"/>
           </a:p>
@@ -881,7 +2209,7 @@
           <a:p>
             <a:fld id="{12DA4545-FF8F-42A6-9F36-2AD1ECF70FEC}" type="datetimeFigureOut">
               <a:rPr lang="pt-BR" smtClean="0"/>
-              <a:t>05/03/2021</a:t>
+              <a:t>07/03/2021</a:t>
             </a:fld>
             <a:endParaRPr lang="pt-BR"/>
           </a:p>
@@ -1157,7 +2485,7 @@
           <a:p>
             <a:fld id="{12DA4545-FF8F-42A6-9F36-2AD1ECF70FEC}" type="datetimeFigureOut">
               <a:rPr lang="pt-BR" smtClean="0"/>
-              <a:t>05/03/2021</a:t>
+              <a:t>07/03/2021</a:t>
             </a:fld>
             <a:endParaRPr lang="pt-BR"/>
           </a:p>
@@ -1425,7 +2753,7 @@
           <a:p>
             <a:fld id="{12DA4545-FF8F-42A6-9F36-2AD1ECF70FEC}" type="datetimeFigureOut">
               <a:rPr lang="pt-BR" smtClean="0"/>
-              <a:t>05/03/2021</a:t>
+              <a:t>07/03/2021</a:t>
             </a:fld>
             <a:endParaRPr lang="pt-BR"/>
           </a:p>
@@ -1840,7 +3168,7 @@
           <a:p>
             <a:fld id="{12DA4545-FF8F-42A6-9F36-2AD1ECF70FEC}" type="datetimeFigureOut">
               <a:rPr lang="pt-BR" smtClean="0"/>
-              <a:t>05/03/2021</a:t>
+              <a:t>07/03/2021</a:t>
             </a:fld>
             <a:endParaRPr lang="pt-BR"/>
           </a:p>
@@ -1982,7 +3310,7 @@
           <a:p>
             <a:fld id="{12DA4545-FF8F-42A6-9F36-2AD1ECF70FEC}" type="datetimeFigureOut">
               <a:rPr lang="pt-BR" smtClean="0"/>
-              <a:t>05/03/2021</a:t>
+              <a:t>07/03/2021</a:t>
             </a:fld>
             <a:endParaRPr lang="pt-BR"/>
           </a:p>
@@ -2095,7 +3423,7 @@
           <a:p>
             <a:fld id="{12DA4545-FF8F-42A6-9F36-2AD1ECF70FEC}" type="datetimeFigureOut">
               <a:rPr lang="pt-BR" smtClean="0"/>
-              <a:t>05/03/2021</a:t>
+              <a:t>07/03/2021</a:t>
             </a:fld>
             <a:endParaRPr lang="pt-BR"/>
           </a:p>
@@ -2408,7 +3736,7 @@
           <a:p>
             <a:fld id="{12DA4545-FF8F-42A6-9F36-2AD1ECF70FEC}" type="datetimeFigureOut">
               <a:rPr lang="pt-BR" smtClean="0"/>
-              <a:t>05/03/2021</a:t>
+              <a:t>07/03/2021</a:t>
             </a:fld>
             <a:endParaRPr lang="pt-BR"/>
           </a:p>
@@ -2697,7 +4025,7 @@
           <a:p>
             <a:fld id="{12DA4545-FF8F-42A6-9F36-2AD1ECF70FEC}" type="datetimeFigureOut">
               <a:rPr lang="pt-BR" smtClean="0"/>
-              <a:t>05/03/2021</a:t>
+              <a:t>07/03/2021</a:t>
             </a:fld>
             <a:endParaRPr lang="pt-BR"/>
           </a:p>
@@ -2774,9 +4102,14 @@
 <p:sldMaster xmlns:a="http://schemas.openxmlformats.org/drawingml/2006/main" xmlns:r="http://schemas.openxmlformats.org/officeDocument/2006/relationships" xmlns:p="http://schemas.openxmlformats.org/presentationml/2006/main">
   <p:cSld>
     <p:bg>
-      <p:bgRef idx="1001">
-        <a:schemeClr val="bg1"/>
-      </p:bgRef>
+      <p:bgPr>
+        <a:solidFill>
+          <a:schemeClr val="bg1">
+            <a:lumMod val="95000"/>
+          </a:schemeClr>
+        </a:solidFill>
+        <a:effectLst/>
+      </p:bgPr>
     </p:bg>
     <p:spTree>
       <p:nvGrpSpPr>
@@ -2940,7 +4273,7 @@
           <a:p>
             <a:fld id="{12DA4545-FF8F-42A6-9F36-2AD1ECF70FEC}" type="datetimeFigureOut">
               <a:rPr lang="pt-BR" smtClean="0"/>
-              <a:t>05/03/2021</a:t>
+              <a:t>07/03/2021</a:t>
             </a:fld>
             <a:endParaRPr lang="pt-BR"/>
           </a:p>
@@ -3373,14 +4706,25 @@
             <p:ph type="ctrTitle"/>
           </p:nvPr>
         </p:nvSpPr>
-        <p:spPr/>
-        <p:txBody>
-          <a:bodyPr/>
+        <p:spPr>
+          <a:xfrm>
+            <a:off x="7156015" y="2521879"/>
+            <a:ext cx="4333147" cy="1502391"/>
+          </a:xfrm>
+          <a:noFill/>
+          <a:ln>
+            <a:noFill/>
+          </a:ln>
+        </p:spPr>
+        <p:txBody>
+          <a:bodyPr>
+            <a:normAutofit/>
+          </a:bodyPr>
           <a:lstStyle/>
           <a:p>
             <a:r>
-              <a:rPr lang="pt-BR" dirty="0">
-                <a:latin typeface="Avenir Next LT Pro" panose="020B0504020202020204" pitchFamily="34" charset="0"/>
+              <a:rPr lang="pt-BR" sz="8800" i="1" dirty="0">
+                <a:latin typeface="Bahnschrift Light" panose="020B0502040204020203" pitchFamily="34" charset="0"/>
                 <a:cs typeface="Arial" panose="020B0604020202020204" pitchFamily="34" charset="0"/>
               </a:rPr>
               <a:t>PREPTA</a:t>
@@ -3388,6 +4732,344 @@
           </a:p>
         </p:txBody>
       </p:sp>
+      <p:pic>
+        <p:nvPicPr>
+          <p:cNvPr id="3" name="Picture 2">
+            <a:extLst>
+              <a:ext uri="{FF2B5EF4-FFF2-40B4-BE49-F238E27FC236}">
+                <a16:creationId xmlns:a16="http://schemas.microsoft.com/office/drawing/2014/main" id="{1D957207-2DAC-4FC0-B982-D68D634D1A44}"/>
+              </a:ext>
+            </a:extLst>
+          </p:cNvPr>
+          <p:cNvPicPr>
+            <a:picLocks noChangeAspect="1"/>
+          </p:cNvPicPr>
+          <p:nvPr/>
+        </p:nvPicPr>
+        <p:blipFill rotWithShape="1">
+          <a:blip r:embed="rId2">
+            <a:extLst>
+              <a:ext uri="{BEBA8EAE-BF5A-486C-A8C5-ECC9F3942E4B}">
+                <a14:imgProps xmlns:a14="http://schemas.microsoft.com/office/drawing/2010/main">
+                  <a14:imgLayer r:embed="rId3">
+                    <a14:imgEffect>
+                      <a14:backgroundRemoval t="10000" b="90000" l="10000" r="90000">
+                        <a14:foregroundMark x1="43400" y1="44800" x2="42400" y2="40000"/>
+                        <a14:foregroundMark x1="39000" y1="39200" x2="47000" y2="46800"/>
+                        <a14:foregroundMark x1="47000" y1="46800" x2="44800" y2="40600"/>
+                      </a14:backgroundRemoval>
+                    </a14:imgEffect>
+                  </a14:imgLayer>
+                </a14:imgProps>
+              </a:ext>
+            </a:extLst>
+          </a:blip>
+          <a:srcRect l="15136" t="11934" r="17052" b="21088"/>
+          <a:stretch/>
+        </p:blipFill>
+        <p:spPr>
+          <a:xfrm>
+            <a:off x="1804887" y="1769849"/>
+            <a:ext cx="3229510" cy="3189767"/>
+          </a:xfrm>
+          <a:prstGeom prst="rect">
+            <a:avLst/>
+          </a:prstGeom>
+        </p:spPr>
+      </p:pic>
+      <p:grpSp>
+        <p:nvGrpSpPr>
+          <p:cNvPr id="7" name="Group 6">
+            <a:extLst>
+              <a:ext uri="{FF2B5EF4-FFF2-40B4-BE49-F238E27FC236}">
+                <a16:creationId xmlns:a16="http://schemas.microsoft.com/office/drawing/2014/main" id="{9F919F99-19A2-4AE2-813F-804897EAE58D}"/>
+              </a:ext>
+            </a:extLst>
+          </p:cNvPr>
+          <p:cNvGrpSpPr/>
+          <p:nvPr/>
+        </p:nvGrpSpPr>
+        <p:grpSpPr>
+          <a:xfrm>
+            <a:off x="131135" y="744279"/>
+            <a:ext cx="6158539" cy="5613991"/>
+            <a:chOff x="131135" y="744279"/>
+            <a:chExt cx="6158539" cy="5613991"/>
+          </a:xfrm>
+        </p:grpSpPr>
+        <p:grpSp>
+          <p:nvGrpSpPr>
+            <p:cNvPr id="6" name="Group 5">
+              <a:extLst>
+                <a:ext uri="{FF2B5EF4-FFF2-40B4-BE49-F238E27FC236}">
+                  <a16:creationId xmlns:a16="http://schemas.microsoft.com/office/drawing/2014/main" id="{611B95E9-5157-48E7-A98D-FA6991472DDB}"/>
+                </a:ext>
+              </a:extLst>
+            </p:cNvPr>
+            <p:cNvGrpSpPr/>
+            <p:nvPr/>
+          </p:nvGrpSpPr>
+          <p:grpSpPr>
+            <a:xfrm>
+              <a:off x="131135" y="744279"/>
+              <a:ext cx="6158539" cy="5613991"/>
+              <a:chOff x="131135" y="744279"/>
+              <a:chExt cx="6158539" cy="5613991"/>
+            </a:xfrm>
+          </p:grpSpPr>
+          <p:sp>
+            <p:nvSpPr>
+              <p:cNvPr id="4" name="Arc 3">
+                <a:extLst>
+                  <a:ext uri="{FF2B5EF4-FFF2-40B4-BE49-F238E27FC236}">
+                    <a16:creationId xmlns:a16="http://schemas.microsoft.com/office/drawing/2014/main" id="{C6D18919-6AE1-4254-BA99-A8E6B9FC0A21}"/>
+                  </a:ext>
+                </a:extLst>
+              </p:cNvPr>
+              <p:cNvSpPr/>
+              <p:nvPr/>
+            </p:nvSpPr>
+            <p:spPr>
+              <a:xfrm>
+                <a:off x="131135" y="744279"/>
+                <a:ext cx="5964865" cy="5613991"/>
+              </a:xfrm>
+              <a:prstGeom prst="arc">
+                <a:avLst>
+                  <a:gd name="adj1" fmla="val 14844859"/>
+                  <a:gd name="adj2" fmla="val 0"/>
+                </a:avLst>
+              </a:prstGeom>
+              <a:ln w="390525">
+                <a:solidFill>
+                  <a:srgbClr val="ED65F0"/>
+                </a:solidFill>
+              </a:ln>
+            </p:spPr>
+            <p:style>
+              <a:lnRef idx="1">
+                <a:schemeClr val="accent1"/>
+              </a:lnRef>
+              <a:fillRef idx="0">
+                <a:schemeClr val="accent1"/>
+              </a:fillRef>
+              <a:effectRef idx="0">
+                <a:schemeClr val="accent1"/>
+              </a:effectRef>
+              <a:fontRef idx="minor">
+                <a:schemeClr val="tx1"/>
+              </a:fontRef>
+            </p:style>
+            <p:txBody>
+              <a:bodyPr rtlCol="0" anchor="ctr"/>
+              <a:lstStyle/>
+              <a:p>
+                <a:pPr algn="ctr"/>
+                <a:endParaRPr lang="pt-BR"/>
+              </a:p>
+            </p:txBody>
+          </p:sp>
+          <p:sp>
+            <p:nvSpPr>
+              <p:cNvPr id="5" name="Oval 4">
+                <a:extLst>
+                  <a:ext uri="{FF2B5EF4-FFF2-40B4-BE49-F238E27FC236}">
+                    <a16:creationId xmlns:a16="http://schemas.microsoft.com/office/drawing/2014/main" id="{91C6E6CA-4630-4CE0-B128-8472135FDF84}"/>
+                  </a:ext>
+                </a:extLst>
+              </p:cNvPr>
+              <p:cNvSpPr/>
+              <p:nvPr/>
+            </p:nvSpPr>
+            <p:spPr>
+              <a:xfrm>
+                <a:off x="5900738" y="3367123"/>
+                <a:ext cx="388936" cy="368301"/>
+              </a:xfrm>
+              <a:prstGeom prst="ellipse">
+                <a:avLst/>
+              </a:prstGeom>
+              <a:solidFill>
+                <a:srgbClr val="ED65F0"/>
+              </a:solidFill>
+              <a:ln>
+                <a:noFill/>
+              </a:ln>
+            </p:spPr>
+            <p:style>
+              <a:lnRef idx="2">
+                <a:schemeClr val="accent1">
+                  <a:shade val="50000"/>
+                </a:schemeClr>
+              </a:lnRef>
+              <a:fillRef idx="1">
+                <a:schemeClr val="accent1"/>
+              </a:fillRef>
+              <a:effectRef idx="0">
+                <a:schemeClr val="accent1"/>
+              </a:effectRef>
+              <a:fontRef idx="minor">
+                <a:schemeClr val="lt1"/>
+              </a:fontRef>
+            </p:style>
+            <p:txBody>
+              <a:bodyPr rtlCol="0" anchor="ctr"/>
+              <a:lstStyle/>
+              <a:p>
+                <a:pPr algn="ctr"/>
+                <a:endParaRPr lang="pt-BR"/>
+              </a:p>
+            </p:txBody>
+          </p:sp>
+          <p:sp>
+            <p:nvSpPr>
+              <p:cNvPr id="9" name="Oval 8">
+                <a:extLst>
+                  <a:ext uri="{FF2B5EF4-FFF2-40B4-BE49-F238E27FC236}">
+                    <a16:creationId xmlns:a16="http://schemas.microsoft.com/office/drawing/2014/main" id="{AD301135-F91A-499D-917D-873F7FF97F6A}"/>
+                  </a:ext>
+                </a:extLst>
+              </p:cNvPr>
+              <p:cNvSpPr/>
+              <p:nvPr/>
+            </p:nvSpPr>
+            <p:spPr>
+              <a:xfrm>
+                <a:off x="1828302" y="744279"/>
+                <a:ext cx="388936" cy="387609"/>
+              </a:xfrm>
+              <a:prstGeom prst="ellipse">
+                <a:avLst/>
+              </a:prstGeom>
+              <a:solidFill>
+                <a:srgbClr val="ED65F0"/>
+              </a:solidFill>
+              <a:ln>
+                <a:noFill/>
+              </a:ln>
+            </p:spPr>
+            <p:style>
+              <a:lnRef idx="2">
+                <a:schemeClr val="accent1">
+                  <a:shade val="50000"/>
+                </a:schemeClr>
+              </a:lnRef>
+              <a:fillRef idx="1">
+                <a:schemeClr val="accent1"/>
+              </a:fillRef>
+              <a:effectRef idx="0">
+                <a:schemeClr val="accent1"/>
+              </a:effectRef>
+              <a:fontRef idx="minor">
+                <a:schemeClr val="lt1"/>
+              </a:fontRef>
+            </p:style>
+            <p:txBody>
+              <a:bodyPr rtlCol="0" anchor="ctr"/>
+              <a:lstStyle/>
+              <a:p>
+                <a:pPr algn="ctr"/>
+                <a:endParaRPr lang="pt-BR"/>
+              </a:p>
+            </p:txBody>
+          </p:sp>
+        </p:grpSp>
+        <p:sp>
+          <p:nvSpPr>
+            <p:cNvPr id="11" name="Oval 10">
+              <a:extLst>
+                <a:ext uri="{FF2B5EF4-FFF2-40B4-BE49-F238E27FC236}">
+                  <a16:creationId xmlns:a16="http://schemas.microsoft.com/office/drawing/2014/main" id="{5DA65225-7011-4DC7-8017-0C3DFA14E0F9}"/>
+                </a:ext>
+              </a:extLst>
+            </p:cNvPr>
+            <p:cNvSpPr/>
+            <p:nvPr/>
+          </p:nvSpPr>
+          <p:spPr>
+            <a:xfrm>
+              <a:off x="5900738" y="4024270"/>
+              <a:ext cx="388936" cy="368301"/>
+            </a:xfrm>
+            <a:prstGeom prst="ellipse">
+              <a:avLst/>
+            </a:prstGeom>
+            <a:solidFill>
+              <a:srgbClr val="ED65F0"/>
+            </a:solidFill>
+            <a:ln>
+              <a:noFill/>
+            </a:ln>
+          </p:spPr>
+          <p:style>
+            <a:lnRef idx="2">
+              <a:schemeClr val="accent1">
+                <a:shade val="50000"/>
+              </a:schemeClr>
+            </a:lnRef>
+            <a:fillRef idx="1">
+              <a:schemeClr val="accent1"/>
+            </a:fillRef>
+            <a:effectRef idx="0">
+              <a:schemeClr val="accent1"/>
+            </a:effectRef>
+            <a:fontRef idx="minor">
+              <a:schemeClr val="lt1"/>
+            </a:fontRef>
+          </p:style>
+          <p:txBody>
+            <a:bodyPr rtlCol="0" anchor="ctr"/>
+            <a:lstStyle/>
+            <a:p>
+              <a:pPr algn="ctr"/>
+              <a:endParaRPr lang="pt-BR"/>
+            </a:p>
+          </p:txBody>
+        </p:sp>
+      </p:grpSp>
+      <p:cxnSp>
+        <p:nvCxnSpPr>
+          <p:cNvPr id="13" name="Straight Connector 12">
+            <a:extLst>
+              <a:ext uri="{FF2B5EF4-FFF2-40B4-BE49-F238E27FC236}">
+                <a16:creationId xmlns:a16="http://schemas.microsoft.com/office/drawing/2014/main" id="{C103EF6A-49DA-48D4-80EB-5942B59FE93D}"/>
+              </a:ext>
+            </a:extLst>
+          </p:cNvPr>
+          <p:cNvCxnSpPr>
+            <a:cxnSpLocks/>
+          </p:cNvCxnSpPr>
+          <p:nvPr/>
+        </p:nvCxnSpPr>
+        <p:spPr>
+          <a:xfrm flipH="1">
+            <a:off x="3474720" y="3312160"/>
+            <a:ext cx="1478280" cy="1513840"/>
+          </a:xfrm>
+          <a:prstGeom prst="line">
+            <a:avLst/>
+          </a:prstGeom>
+          <a:ln w="76200">
+            <a:solidFill>
+              <a:srgbClr val="ED65F0"/>
+            </a:solidFill>
+          </a:ln>
+        </p:spPr>
+        <p:style>
+          <a:lnRef idx="1">
+            <a:schemeClr val="accent1"/>
+          </a:lnRef>
+          <a:fillRef idx="0">
+            <a:schemeClr val="accent1"/>
+          </a:fillRef>
+          <a:effectRef idx="0">
+            <a:schemeClr val="accent1"/>
+          </a:effectRef>
+          <a:fontRef idx="minor">
+            <a:schemeClr val="tx1"/>
+          </a:fontRef>
+        </p:style>
+      </p:cxnSp>
     </p:spTree>
     <p:extLst>
       <p:ext uri="{BB962C8B-B14F-4D97-AF65-F5344CB8AC3E}">
@@ -3420,38 +5102,97 @@
       </p:grpSpPr>
       <p:sp>
         <p:nvSpPr>
-          <p:cNvPr id="2" name="Title 1">
-            <a:extLst>
-              <a:ext uri="{FF2B5EF4-FFF2-40B4-BE49-F238E27FC236}">
-                <a16:creationId xmlns:a16="http://schemas.microsoft.com/office/drawing/2014/main" id="{CA275B00-C1C1-48EB-9C44-A81EE6E28DF4}"/>
-              </a:ext>
-            </a:extLst>
-          </p:cNvPr>
-          <p:cNvSpPr>
-            <a:spLocks noGrp="1"/>
-          </p:cNvSpPr>
-          <p:nvPr>
-            <p:ph type="title"/>
-          </p:nvPr>
-        </p:nvSpPr>
-        <p:spPr/>
-        <p:txBody>
-          <a:bodyPr/>
+          <p:cNvPr id="3" name="Arc 2">
+            <a:extLst>
+              <a:ext uri="{FF2B5EF4-FFF2-40B4-BE49-F238E27FC236}">
+                <a16:creationId xmlns:a16="http://schemas.microsoft.com/office/drawing/2014/main" id="{D5CD9A49-2448-4565-A168-B3050BB43B5D}"/>
+              </a:ext>
+            </a:extLst>
+          </p:cNvPr>
+          <p:cNvSpPr/>
+          <p:nvPr/>
+        </p:nvSpPr>
+        <p:spPr>
+          <a:xfrm rot="17918506">
+            <a:off x="636220" y="3094591"/>
+            <a:ext cx="18118322" cy="9159220"/>
+          </a:xfrm>
+          <a:prstGeom prst="arc">
+            <a:avLst>
+              <a:gd name="adj1" fmla="val 14728227"/>
+              <a:gd name="adj2" fmla="val 20603575"/>
+            </a:avLst>
+          </a:prstGeom>
+          <a:noFill/>
+          <a:ln w="508000">
+            <a:solidFill>
+              <a:srgbClr val="EA68E1"/>
+            </a:solidFill>
+          </a:ln>
+        </p:spPr>
+        <p:style>
+          <a:lnRef idx="1">
+            <a:schemeClr val="accent1"/>
+          </a:lnRef>
+          <a:fillRef idx="0">
+            <a:schemeClr val="accent1"/>
+          </a:fillRef>
+          <a:effectRef idx="0">
+            <a:schemeClr val="accent1"/>
+          </a:effectRef>
+          <a:fontRef idx="minor">
+            <a:schemeClr val="tx1"/>
+          </a:fontRef>
+        </p:style>
+        <p:txBody>
+          <a:bodyPr rtlCol="0" anchor="ctr"/>
           <a:lstStyle/>
           <a:p>
-            <a:r>
-              <a:rPr lang="pt-BR" b="1" dirty="0">
-                <a:latin typeface="Avenir Next LT Pro" panose="020B0504020202020204" pitchFamily="34" charset="0"/>
-              </a:rPr>
-              <a:t>Github</a:t>
-            </a:r>
-          </a:p>
-        </p:txBody>
-      </p:sp>
+            <a:pPr algn="ctr"/>
+            <a:endParaRPr lang="pt-BR"/>
+          </a:p>
+        </p:txBody>
+      </p:sp>
+      <p:pic>
+        <p:nvPicPr>
+          <p:cNvPr id="4" name="Picture 3" descr="Icon&#10;&#10;Description automatically generated">
+            <a:extLst>
+              <a:ext uri="{FF2B5EF4-FFF2-40B4-BE49-F238E27FC236}">
+                <a16:creationId xmlns:a16="http://schemas.microsoft.com/office/drawing/2014/main" id="{3C097C7D-E559-498C-81A8-A20709D2863E}"/>
+              </a:ext>
+            </a:extLst>
+          </p:cNvPr>
+          <p:cNvPicPr>
+            <a:picLocks noChangeAspect="1"/>
+          </p:cNvPicPr>
+          <p:nvPr/>
+        </p:nvPicPr>
+        <p:blipFill>
+          <a:blip r:embed="rId2">
+            <a:extLst>
+              <a:ext uri="{28A0092B-C50C-407E-A947-70E740481C1C}">
+                <a14:useLocalDpi xmlns:a14="http://schemas.microsoft.com/office/drawing/2010/main" val="0"/>
+              </a:ext>
+            </a:extLst>
+          </a:blip>
+          <a:stretch>
+            <a:fillRect/>
+          </a:stretch>
+        </p:blipFill>
+        <p:spPr>
+          <a:xfrm>
+            <a:off x="564368" y="407929"/>
+            <a:ext cx="2962275" cy="1543050"/>
+          </a:xfrm>
+          <a:prstGeom prst="rect">
+            <a:avLst/>
+          </a:prstGeom>
+        </p:spPr>
+      </p:pic>
     </p:spTree>
     <p:extLst>
       <p:ext uri="{BB962C8B-B14F-4D97-AF65-F5344CB8AC3E}">
-        <p14:creationId xmlns:p14="http://schemas.microsoft.com/office/powerpoint/2010/main" val="3345129272"/>
+        <p14:creationId xmlns:p14="http://schemas.microsoft.com/office/powerpoint/2010/main" val="186077638"/>
       </p:ext>
     </p:extLst>
   </p:cSld>
@@ -3480,38 +5221,97 @@
       </p:grpSpPr>
       <p:sp>
         <p:nvSpPr>
-          <p:cNvPr id="2" name="Title 1">
-            <a:extLst>
-              <a:ext uri="{FF2B5EF4-FFF2-40B4-BE49-F238E27FC236}">
-                <a16:creationId xmlns:a16="http://schemas.microsoft.com/office/drawing/2014/main" id="{16F833B5-C2C6-4EA3-9B12-83A926763271}"/>
-              </a:ext>
-            </a:extLst>
-          </p:cNvPr>
-          <p:cNvSpPr>
-            <a:spLocks noGrp="1"/>
-          </p:cNvSpPr>
-          <p:nvPr>
-            <p:ph type="title"/>
-          </p:nvPr>
-        </p:nvSpPr>
-        <p:spPr/>
-        <p:txBody>
-          <a:bodyPr/>
+          <p:cNvPr id="3" name="Arc 2">
+            <a:extLst>
+              <a:ext uri="{FF2B5EF4-FFF2-40B4-BE49-F238E27FC236}">
+                <a16:creationId xmlns:a16="http://schemas.microsoft.com/office/drawing/2014/main" id="{6D430377-AFAA-41B5-82F5-CFCA5406E1D0}"/>
+              </a:ext>
+            </a:extLst>
+          </p:cNvPr>
+          <p:cNvSpPr/>
+          <p:nvPr/>
+        </p:nvSpPr>
+        <p:spPr>
+          <a:xfrm rot="17918506">
+            <a:off x="636220" y="3094591"/>
+            <a:ext cx="18118322" cy="9159220"/>
+          </a:xfrm>
+          <a:prstGeom prst="arc">
+            <a:avLst>
+              <a:gd name="adj1" fmla="val 14728227"/>
+              <a:gd name="adj2" fmla="val 20603575"/>
+            </a:avLst>
+          </a:prstGeom>
+          <a:noFill/>
+          <a:ln w="508000">
+            <a:solidFill>
+              <a:srgbClr val="EA68E1"/>
+            </a:solidFill>
+          </a:ln>
+        </p:spPr>
+        <p:style>
+          <a:lnRef idx="1">
+            <a:schemeClr val="accent1"/>
+          </a:lnRef>
+          <a:fillRef idx="0">
+            <a:schemeClr val="accent1"/>
+          </a:fillRef>
+          <a:effectRef idx="0">
+            <a:schemeClr val="accent1"/>
+          </a:effectRef>
+          <a:fontRef idx="minor">
+            <a:schemeClr val="tx1"/>
+          </a:fontRef>
+        </p:style>
+        <p:txBody>
+          <a:bodyPr rtlCol="0" anchor="ctr"/>
           <a:lstStyle/>
           <a:p>
-            <a:r>
-              <a:rPr lang="pt-BR" b="1" dirty="0">
-                <a:latin typeface="Avenir Next LT Pro" panose="020B0504020202020204" pitchFamily="34" charset="0"/>
-              </a:rPr>
-              <a:t>Site</a:t>
-            </a:r>
-          </a:p>
-        </p:txBody>
-      </p:sp>
+            <a:pPr algn="ctr"/>
+            <a:endParaRPr lang="pt-BR"/>
+          </a:p>
+        </p:txBody>
+      </p:sp>
+      <p:pic>
+        <p:nvPicPr>
+          <p:cNvPr id="4" name="Picture 3" descr="Icon&#10;&#10;Description automatically generated">
+            <a:extLst>
+              <a:ext uri="{FF2B5EF4-FFF2-40B4-BE49-F238E27FC236}">
+                <a16:creationId xmlns:a16="http://schemas.microsoft.com/office/drawing/2014/main" id="{4F78DF81-6D40-415F-8BCF-4C7F8D6CB5B2}"/>
+              </a:ext>
+            </a:extLst>
+          </p:cNvPr>
+          <p:cNvPicPr>
+            <a:picLocks noChangeAspect="1"/>
+          </p:cNvPicPr>
+          <p:nvPr/>
+        </p:nvPicPr>
+        <p:blipFill>
+          <a:blip r:embed="rId2">
+            <a:extLst>
+              <a:ext uri="{28A0092B-C50C-407E-A947-70E740481C1C}">
+                <a14:useLocalDpi xmlns:a14="http://schemas.microsoft.com/office/drawing/2010/main" val="0"/>
+              </a:ext>
+            </a:extLst>
+          </a:blip>
+          <a:stretch>
+            <a:fillRect/>
+          </a:stretch>
+        </p:blipFill>
+        <p:spPr>
+          <a:xfrm>
+            <a:off x="530876" y="124900"/>
+            <a:ext cx="2168257" cy="2168257"/>
+          </a:xfrm>
+          <a:prstGeom prst="rect">
+            <a:avLst/>
+          </a:prstGeom>
+        </p:spPr>
+      </p:pic>
     </p:spTree>
     <p:extLst>
       <p:ext uri="{BB962C8B-B14F-4D97-AF65-F5344CB8AC3E}">
-        <p14:creationId xmlns:p14="http://schemas.microsoft.com/office/powerpoint/2010/main" val="4256461773"/>
+        <p14:creationId xmlns:p14="http://schemas.microsoft.com/office/powerpoint/2010/main" val="3345129272"/>
       </p:ext>
     </p:extLst>
   </p:cSld>
@@ -3540,38 +5340,108 @@
       </p:grpSpPr>
       <p:sp>
         <p:nvSpPr>
-          <p:cNvPr id="2" name="Title 1">
-            <a:extLst>
-              <a:ext uri="{FF2B5EF4-FFF2-40B4-BE49-F238E27FC236}">
-                <a16:creationId xmlns:a16="http://schemas.microsoft.com/office/drawing/2014/main" id="{74BF9BDF-A90E-40C1-B8DA-FC86FB443130}"/>
-              </a:ext>
-            </a:extLst>
-          </p:cNvPr>
-          <p:cNvSpPr>
-            <a:spLocks noGrp="1"/>
-          </p:cNvSpPr>
-          <p:nvPr>
-            <p:ph type="title"/>
-          </p:nvPr>
-        </p:nvSpPr>
-        <p:spPr/>
-        <p:txBody>
-          <a:bodyPr/>
+          <p:cNvPr id="3" name="Arc 2">
+            <a:extLst>
+              <a:ext uri="{FF2B5EF4-FFF2-40B4-BE49-F238E27FC236}">
+                <a16:creationId xmlns:a16="http://schemas.microsoft.com/office/drawing/2014/main" id="{3F825C95-7479-466B-8621-071193ACFBC8}"/>
+              </a:ext>
+            </a:extLst>
+          </p:cNvPr>
+          <p:cNvSpPr/>
+          <p:nvPr/>
+        </p:nvSpPr>
+        <p:spPr>
+          <a:xfrm rot="17918506">
+            <a:off x="636220" y="3094591"/>
+            <a:ext cx="18118322" cy="9159220"/>
+          </a:xfrm>
+          <a:prstGeom prst="arc">
+            <a:avLst>
+              <a:gd name="adj1" fmla="val 14728227"/>
+              <a:gd name="adj2" fmla="val 20603575"/>
+            </a:avLst>
+          </a:prstGeom>
+          <a:noFill/>
+          <a:ln w="508000">
+            <a:solidFill>
+              <a:srgbClr val="EA68E1"/>
+            </a:solidFill>
+          </a:ln>
+        </p:spPr>
+        <p:style>
+          <a:lnRef idx="1">
+            <a:schemeClr val="accent1"/>
+          </a:lnRef>
+          <a:fillRef idx="0">
+            <a:schemeClr val="accent1"/>
+          </a:fillRef>
+          <a:effectRef idx="0">
+            <a:schemeClr val="accent1"/>
+          </a:effectRef>
+          <a:fontRef idx="minor">
+            <a:schemeClr val="tx1"/>
+          </a:fontRef>
+        </p:style>
+        <p:txBody>
+          <a:bodyPr rtlCol="0" anchor="ctr"/>
           <a:lstStyle/>
           <a:p>
-            <a:r>
-              <a:rPr lang="pt-BR" b="1" dirty="0">
-                <a:latin typeface="Avenir Next LT Pro" panose="020B0504020202020204" pitchFamily="34" charset="0"/>
-              </a:rPr>
-              <a:t>Cliente Linux</a:t>
-            </a:r>
-          </a:p>
-        </p:txBody>
-      </p:sp>
+            <a:pPr algn="ctr"/>
+            <a:endParaRPr lang="pt-BR"/>
+          </a:p>
+        </p:txBody>
+      </p:sp>
+      <p:pic>
+        <p:nvPicPr>
+          <p:cNvPr id="1026" name="Picture 2">
+            <a:extLst>
+              <a:ext uri="{FF2B5EF4-FFF2-40B4-BE49-F238E27FC236}">
+                <a16:creationId xmlns:a16="http://schemas.microsoft.com/office/drawing/2014/main" id="{0EDC1C8E-2CBB-486B-B60A-41C8D8C03179}"/>
+              </a:ext>
+            </a:extLst>
+          </p:cNvPr>
+          <p:cNvPicPr>
+            <a:picLocks noChangeAspect="1" noChangeArrowheads="1"/>
+          </p:cNvPicPr>
+          <p:nvPr/>
+        </p:nvPicPr>
+        <p:blipFill>
+          <a:blip r:embed="rId2">
+            <a:extLst>
+              <a:ext uri="{28A0092B-C50C-407E-A947-70E740481C1C}">
+                <a14:useLocalDpi xmlns:a14="http://schemas.microsoft.com/office/drawing/2010/main" val="0"/>
+              </a:ext>
+            </a:extLst>
+          </a:blip>
+          <a:srcRect/>
+          <a:stretch>
+            <a:fillRect/>
+          </a:stretch>
+        </p:blipFill>
+        <p:spPr bwMode="auto">
+          <a:xfrm>
+            <a:off x="333696" y="255070"/>
+            <a:ext cx="2398374" cy="2398374"/>
+          </a:xfrm>
+          <a:prstGeom prst="rect">
+            <a:avLst/>
+          </a:prstGeom>
+          <a:noFill/>
+          <a:extLst>
+            <a:ext uri="{909E8E84-426E-40DD-AFC4-6F175D3DCCD1}">
+              <a14:hiddenFill xmlns:a14="http://schemas.microsoft.com/office/drawing/2010/main">
+                <a:solidFill>
+                  <a:srgbClr val="FFFFFF"/>
+                </a:solidFill>
+              </a14:hiddenFill>
+            </a:ext>
+          </a:extLst>
+        </p:spPr>
+      </p:pic>
     </p:spTree>
     <p:extLst>
       <p:ext uri="{BB962C8B-B14F-4D97-AF65-F5344CB8AC3E}">
-        <p14:creationId xmlns:p14="http://schemas.microsoft.com/office/powerpoint/2010/main" val="1850077382"/>
+        <p14:creationId xmlns:p14="http://schemas.microsoft.com/office/powerpoint/2010/main" val="4256461773"/>
       </p:ext>
     </p:extLst>
   </p:cSld>
@@ -3598,40 +5468,243 @@
           <a:chExt cx="0" cy="0"/>
         </a:xfrm>
       </p:grpSpPr>
-      <p:sp>
-        <p:nvSpPr>
-          <p:cNvPr id="2" name="Title 1">
-            <a:extLst>
-              <a:ext uri="{FF2B5EF4-FFF2-40B4-BE49-F238E27FC236}">
-                <a16:creationId xmlns:a16="http://schemas.microsoft.com/office/drawing/2014/main" id="{75634585-256D-4A90-9BB1-181FDC8AA2C1}"/>
-              </a:ext>
-            </a:extLst>
-          </p:cNvPr>
-          <p:cNvSpPr>
-            <a:spLocks noGrp="1"/>
+      <p:pic>
+        <p:nvPicPr>
+          <p:cNvPr id="3" name="Picture 2" descr="A picture containing toy, vector graphics&#10;&#10;Description automatically generated">
+            <a:extLst>
+              <a:ext uri="{FF2B5EF4-FFF2-40B4-BE49-F238E27FC236}">
+                <a16:creationId xmlns:a16="http://schemas.microsoft.com/office/drawing/2014/main" id="{52CAF529-3D82-4C25-9687-0A35ACE263DB}"/>
+              </a:ext>
+            </a:extLst>
+          </p:cNvPr>
+          <p:cNvPicPr>
+            <a:picLocks noChangeAspect="1"/>
+          </p:cNvPicPr>
+          <p:nvPr/>
+        </p:nvPicPr>
+        <p:blipFill>
+          <a:blip r:embed="rId2">
+            <a:extLst>
+              <a:ext uri="{28A0092B-C50C-407E-A947-70E740481C1C}">
+                <a14:useLocalDpi xmlns:a14="http://schemas.microsoft.com/office/drawing/2010/main" val="0"/>
+              </a:ext>
+            </a:extLst>
+          </a:blip>
+          <a:stretch>
+            <a:fillRect/>
+          </a:stretch>
+        </p:blipFill>
+        <p:spPr>
+          <a:xfrm>
+            <a:off x="9743201" y="3172864"/>
+            <a:ext cx="1695203" cy="1695203"/>
+          </a:xfrm>
+          <a:prstGeom prst="rect">
+            <a:avLst/>
+          </a:prstGeom>
+        </p:spPr>
+      </p:pic>
+      <p:sp>
+        <p:nvSpPr>
+          <p:cNvPr id="4" name="Title 1">
+            <a:extLst>
+              <a:ext uri="{FF2B5EF4-FFF2-40B4-BE49-F238E27FC236}">
+                <a16:creationId xmlns:a16="http://schemas.microsoft.com/office/drawing/2014/main" id="{8932DACD-8D02-4E01-A1EE-0CDB06CBCF70}"/>
+              </a:ext>
+            </a:extLst>
+          </p:cNvPr>
+          <p:cNvSpPr txBox="1">
+            <a:spLocks/>
           </p:cNvSpPr>
-          <p:nvPr>
-            <p:ph type="title"/>
-          </p:nvPr>
-        </p:nvSpPr>
-        <p:spPr/>
+          <p:nvPr/>
+        </p:nvSpPr>
+        <p:spPr>
+          <a:xfrm>
+            <a:off x="776555" y="365125"/>
+            <a:ext cx="3867364" cy="807110"/>
+          </a:xfrm>
+          <a:prstGeom prst="rect">
+            <a:avLst/>
+          </a:prstGeom>
+        </p:spPr>
         <p:txBody>
           <a:bodyPr/>
-          <a:lstStyle/>
+          <a:lstStyle>
+            <a:lvl1pPr algn="l" defTabSz="914400" rtl="0" eaLnBrk="1" latinLnBrk="0" hangingPunct="1">
+              <a:lnSpc>
+                <a:spcPct val="90000"/>
+              </a:lnSpc>
+              <a:spcBef>
+                <a:spcPct val="0"/>
+              </a:spcBef>
+              <a:buNone/>
+              <a:defRPr sz="4400" kern="1200">
+                <a:solidFill>
+                  <a:schemeClr val="tx1"/>
+                </a:solidFill>
+                <a:latin typeface="+mj-lt"/>
+                <a:ea typeface="+mj-ea"/>
+                <a:cs typeface="+mj-cs"/>
+              </a:defRPr>
+            </a:lvl1pPr>
+          </a:lstStyle>
           <a:p>
             <a:r>
               <a:rPr lang="pt-BR" b="1" dirty="0">
                 <a:latin typeface="Avenir Next LT Pro" panose="020B0504020202020204" pitchFamily="34" charset="0"/>
               </a:rPr>
-              <a:t>Planner</a:t>
-            </a:r>
-          </a:p>
-        </p:txBody>
-      </p:sp>
+              <a:t>Cliente Linux</a:t>
+            </a:r>
+          </a:p>
+        </p:txBody>
+      </p:sp>
+      <p:cxnSp>
+        <p:nvCxnSpPr>
+          <p:cNvPr id="5" name="Straight Connector 4">
+            <a:extLst>
+              <a:ext uri="{FF2B5EF4-FFF2-40B4-BE49-F238E27FC236}">
+                <a16:creationId xmlns:a16="http://schemas.microsoft.com/office/drawing/2014/main" id="{9E5E2AC1-5EA2-436E-BCEB-30F0337EEC5E}"/>
+              </a:ext>
+            </a:extLst>
+          </p:cNvPr>
+          <p:cNvCxnSpPr>
+            <a:cxnSpLocks/>
+          </p:cNvCxnSpPr>
+          <p:nvPr/>
+        </p:nvCxnSpPr>
+        <p:spPr>
+          <a:xfrm flipH="1">
+            <a:off x="2496620" y="997575"/>
+            <a:ext cx="1927361" cy="0"/>
+          </a:xfrm>
+          <a:prstGeom prst="line">
+            <a:avLst/>
+          </a:prstGeom>
+          <a:ln w="76200">
+            <a:solidFill>
+              <a:srgbClr val="ED65F0"/>
+            </a:solidFill>
+          </a:ln>
+        </p:spPr>
+        <p:style>
+          <a:lnRef idx="1">
+            <a:schemeClr val="accent1"/>
+          </a:lnRef>
+          <a:fillRef idx="0">
+            <a:schemeClr val="accent1"/>
+          </a:fillRef>
+          <a:effectRef idx="0">
+            <a:schemeClr val="accent1"/>
+          </a:effectRef>
+          <a:fontRef idx="minor">
+            <a:schemeClr val="tx1"/>
+          </a:fontRef>
+        </p:style>
+      </p:cxnSp>
+      <p:sp>
+        <p:nvSpPr>
+          <p:cNvPr id="7" name="Arc 6">
+            <a:extLst>
+              <a:ext uri="{FF2B5EF4-FFF2-40B4-BE49-F238E27FC236}">
+                <a16:creationId xmlns:a16="http://schemas.microsoft.com/office/drawing/2014/main" id="{B16D1003-DC21-4DD3-95A5-8D360425A52A}"/>
+              </a:ext>
+            </a:extLst>
+          </p:cNvPr>
+          <p:cNvSpPr/>
+          <p:nvPr/>
+        </p:nvSpPr>
+        <p:spPr>
+          <a:xfrm rot="17918506">
+            <a:off x="636220" y="3094591"/>
+            <a:ext cx="18118322" cy="9159220"/>
+          </a:xfrm>
+          <a:prstGeom prst="arc">
+            <a:avLst>
+              <a:gd name="adj1" fmla="val 14728227"/>
+              <a:gd name="adj2" fmla="val 20603575"/>
+            </a:avLst>
+          </a:prstGeom>
+          <a:noFill/>
+          <a:ln w="508000">
+            <a:solidFill>
+              <a:srgbClr val="EA68E1"/>
+            </a:solidFill>
+          </a:ln>
+        </p:spPr>
+        <p:style>
+          <a:lnRef idx="1">
+            <a:schemeClr val="accent1"/>
+          </a:lnRef>
+          <a:fillRef idx="0">
+            <a:schemeClr val="accent1"/>
+          </a:fillRef>
+          <a:effectRef idx="0">
+            <a:schemeClr val="accent1"/>
+          </a:effectRef>
+          <a:fontRef idx="minor">
+            <a:schemeClr val="tx1"/>
+          </a:fontRef>
+        </p:style>
+        <p:txBody>
+          <a:bodyPr rtlCol="0" anchor="ctr"/>
+          <a:lstStyle/>
+          <a:p>
+            <a:pPr algn="ctr"/>
+            <a:endParaRPr lang="pt-BR"/>
+          </a:p>
+        </p:txBody>
+      </p:sp>
+      <p:pic>
+        <p:nvPicPr>
+          <p:cNvPr id="2" name="Picture 2">
+            <a:extLst>
+              <a:ext uri="{FF2B5EF4-FFF2-40B4-BE49-F238E27FC236}">
+                <a16:creationId xmlns:a16="http://schemas.microsoft.com/office/drawing/2014/main" id="{01D405D1-C95B-4EC0-A9C3-91296DB1AF17}"/>
+              </a:ext>
+            </a:extLst>
+          </p:cNvPr>
+          <p:cNvPicPr>
+            <a:picLocks noChangeAspect="1" noChangeArrowheads="1"/>
+          </p:cNvPicPr>
+          <p:nvPr/>
+        </p:nvPicPr>
+        <p:blipFill>
+          <a:blip r:embed="rId3">
+            <a:extLst>
+              <a:ext uri="{28A0092B-C50C-407E-A947-70E740481C1C}">
+                <a14:useLocalDpi xmlns:a14="http://schemas.microsoft.com/office/drawing/2010/main" val="0"/>
+              </a:ext>
+            </a:extLst>
+          </a:blip>
+          <a:srcRect/>
+          <a:stretch>
+            <a:fillRect/>
+          </a:stretch>
+        </p:blipFill>
+        <p:spPr bwMode="auto">
+          <a:xfrm>
+            <a:off x="3457818" y="1630025"/>
+            <a:ext cx="5184599" cy="4780880"/>
+          </a:xfrm>
+          <a:prstGeom prst="rect">
+            <a:avLst/>
+          </a:prstGeom>
+          <a:noFill/>
+          <a:extLst>
+            <a:ext uri="{909E8E84-426E-40DD-AFC4-6F175D3DCCD1}">
+              <a14:hiddenFill xmlns:a14="http://schemas.microsoft.com/office/drawing/2010/main">
+                <a:solidFill>
+                  <a:srgbClr val="FFFFFF"/>
+                </a:solidFill>
+              </a14:hiddenFill>
+            </a:ext>
+          </a:extLst>
+        </p:spPr>
+      </p:pic>
     </p:spTree>
     <p:extLst>
       <p:ext uri="{BB962C8B-B14F-4D97-AF65-F5344CB8AC3E}">
-        <p14:creationId xmlns:p14="http://schemas.microsoft.com/office/powerpoint/2010/main" val="2444951207"/>
+        <p14:creationId xmlns:p14="http://schemas.microsoft.com/office/powerpoint/2010/main" val="3665361951"/>
       </p:ext>
     </p:extLst>
   </p:cSld>
@@ -3660,38 +5733,209 @@
       </p:grpSpPr>
       <p:sp>
         <p:nvSpPr>
-          <p:cNvPr id="2" name="Title 1">
-            <a:extLst>
-              <a:ext uri="{FF2B5EF4-FFF2-40B4-BE49-F238E27FC236}">
-                <a16:creationId xmlns:a16="http://schemas.microsoft.com/office/drawing/2014/main" id="{2004B546-4D75-4C37-8F82-244A938F301D}"/>
-              </a:ext>
-            </a:extLst>
-          </p:cNvPr>
-          <p:cNvSpPr>
-            <a:spLocks noGrp="1"/>
-          </p:cNvSpPr>
-          <p:nvPr>
-            <p:ph type="title"/>
-          </p:nvPr>
-        </p:nvSpPr>
-        <p:spPr/>
-        <p:txBody>
-          <a:bodyPr/>
+          <p:cNvPr id="9" name="Arc 8">
+            <a:extLst>
+              <a:ext uri="{FF2B5EF4-FFF2-40B4-BE49-F238E27FC236}">
+                <a16:creationId xmlns:a16="http://schemas.microsoft.com/office/drawing/2014/main" id="{5879E67B-8DE1-4E59-90C2-2EC28A449843}"/>
+              </a:ext>
+            </a:extLst>
+          </p:cNvPr>
+          <p:cNvSpPr/>
+          <p:nvPr/>
+        </p:nvSpPr>
+        <p:spPr>
+          <a:xfrm rot="17918506">
+            <a:off x="636220" y="3094591"/>
+            <a:ext cx="18118322" cy="9159220"/>
+          </a:xfrm>
+          <a:prstGeom prst="arc">
+            <a:avLst>
+              <a:gd name="adj1" fmla="val 14728227"/>
+              <a:gd name="adj2" fmla="val 20603575"/>
+            </a:avLst>
+          </a:prstGeom>
+          <a:noFill/>
+          <a:ln w="508000">
+            <a:solidFill>
+              <a:srgbClr val="EA68E1"/>
+            </a:solidFill>
+          </a:ln>
+        </p:spPr>
+        <p:style>
+          <a:lnRef idx="1">
+            <a:schemeClr val="accent1"/>
+          </a:lnRef>
+          <a:fillRef idx="0">
+            <a:schemeClr val="accent1"/>
+          </a:fillRef>
+          <a:effectRef idx="0">
+            <a:schemeClr val="accent1"/>
+          </a:effectRef>
+          <a:fontRef idx="minor">
+            <a:schemeClr val="tx1"/>
+          </a:fontRef>
+        </p:style>
+        <p:txBody>
+          <a:bodyPr rtlCol="0" anchor="ctr"/>
           <a:lstStyle/>
           <a:p>
-            <a:r>
-              <a:rPr lang="pt-BR" b="1" dirty="0">
+            <a:pPr algn="ctr"/>
+            <a:endParaRPr lang="pt-BR"/>
+          </a:p>
+        </p:txBody>
+      </p:sp>
+      <p:pic>
+        <p:nvPicPr>
+          <p:cNvPr id="6" name="Picture 5" descr="A picture containing text, clipart&#10;&#10;Description automatically generated">
+            <a:extLst>
+              <a:ext uri="{FF2B5EF4-FFF2-40B4-BE49-F238E27FC236}">
+                <a16:creationId xmlns:a16="http://schemas.microsoft.com/office/drawing/2014/main" id="{C663EB6D-CBA7-4983-86FD-1B8AC9512031}"/>
+              </a:ext>
+            </a:extLst>
+          </p:cNvPr>
+          <p:cNvPicPr>
+            <a:picLocks noChangeAspect="1"/>
+          </p:cNvPicPr>
+          <p:nvPr/>
+        </p:nvPicPr>
+        <p:blipFill>
+          <a:blip r:embed="rId2">
+            <a:extLst>
+              <a:ext uri="{28A0092B-C50C-407E-A947-70E740481C1C}">
+                <a14:useLocalDpi xmlns:a14="http://schemas.microsoft.com/office/drawing/2010/main" val="0"/>
+              </a:ext>
+            </a:extLst>
+          </a:blip>
+          <a:stretch>
+            <a:fillRect/>
+          </a:stretch>
+        </p:blipFill>
+        <p:spPr>
+          <a:xfrm>
+            <a:off x="606239" y="618938"/>
+            <a:ext cx="1123180" cy="1246398"/>
+          </a:xfrm>
+          <a:prstGeom prst="rect">
+            <a:avLst/>
+          </a:prstGeom>
+        </p:spPr>
+      </p:pic>
+      <p:pic>
+        <p:nvPicPr>
+          <p:cNvPr id="7" name="Picture 6">
+            <a:extLst>
+              <a:ext uri="{FF2B5EF4-FFF2-40B4-BE49-F238E27FC236}">
+                <a16:creationId xmlns:a16="http://schemas.microsoft.com/office/drawing/2014/main" id="{B5F34AFB-8CB6-467C-A8D3-FE15F7871FA3}"/>
+              </a:ext>
+            </a:extLst>
+          </p:cNvPr>
+          <p:cNvPicPr>
+            <a:picLocks noChangeAspect="1"/>
+          </p:cNvPicPr>
+          <p:nvPr/>
+        </p:nvPicPr>
+        <p:blipFill rotWithShape="1">
+          <a:blip r:embed="rId3"/>
+          <a:srcRect l="17950" t="32510" r="3945" b="17590"/>
+          <a:stretch/>
+        </p:blipFill>
+        <p:spPr>
+          <a:xfrm>
+            <a:off x="606239" y="2218256"/>
+            <a:ext cx="11188329" cy="4020806"/>
+          </a:xfrm>
+          <a:prstGeom prst="rect">
+            <a:avLst/>
+          </a:prstGeom>
+        </p:spPr>
+      </p:pic>
+      <p:sp>
+        <p:nvSpPr>
+          <p:cNvPr id="8" name="TextBox 7">
+            <a:extLst>
+              <a:ext uri="{FF2B5EF4-FFF2-40B4-BE49-F238E27FC236}">
+                <a16:creationId xmlns:a16="http://schemas.microsoft.com/office/drawing/2014/main" id="{6336C15D-4957-4E4B-B26C-39E4C9BA6EB5}"/>
+              </a:ext>
+            </a:extLst>
+          </p:cNvPr>
+          <p:cNvSpPr txBox="1"/>
+          <p:nvPr/>
+        </p:nvSpPr>
+        <p:spPr>
+          <a:xfrm>
+            <a:off x="2199865" y="772266"/>
+            <a:ext cx="4977112" cy="646331"/>
+          </a:xfrm>
+          <a:prstGeom prst="rect">
+            <a:avLst/>
+          </a:prstGeom>
+          <a:noFill/>
+        </p:spPr>
+        <p:txBody>
+          <a:bodyPr wrap="square" rtlCol="0">
+            <a:spAutoFit/>
+          </a:bodyPr>
+          <a:lstStyle/>
+          <a:p>
+            <a:r>
+              <a:rPr lang="pt-BR" sz="3600" b="1" dirty="0">
                 <a:latin typeface="Avenir Next LT Pro" panose="020B0504020202020204" pitchFamily="34" charset="0"/>
               </a:rPr>
-              <a:t>Conclusão</a:t>
-            </a:r>
-          </a:p>
-        </p:txBody>
-      </p:sp>
+              <a:t>Nosso Planejamento</a:t>
+            </a:r>
+            <a:endParaRPr lang="en-US" sz="3600" b="1" dirty="0">
+              <a:latin typeface="Avenir Next LT Pro" panose="020B0504020202020204" pitchFamily="34" charset="0"/>
+            </a:endParaRPr>
+          </a:p>
+        </p:txBody>
+      </p:sp>
+      <p:cxnSp>
+        <p:nvCxnSpPr>
+          <p:cNvPr id="5" name="Straight Connector 4">
+            <a:extLst>
+              <a:ext uri="{FF2B5EF4-FFF2-40B4-BE49-F238E27FC236}">
+                <a16:creationId xmlns:a16="http://schemas.microsoft.com/office/drawing/2014/main" id="{BE788AB1-FAEF-428A-9F6B-C5B4547ADDFD}"/>
+              </a:ext>
+            </a:extLst>
+          </p:cNvPr>
+          <p:cNvCxnSpPr>
+            <a:cxnSpLocks/>
+          </p:cNvCxnSpPr>
+          <p:nvPr/>
+        </p:nvCxnSpPr>
+        <p:spPr>
+          <a:xfrm flipH="1">
+            <a:off x="4304871" y="1418597"/>
+            <a:ext cx="2578814" cy="0"/>
+          </a:xfrm>
+          <a:prstGeom prst="line">
+            <a:avLst/>
+          </a:prstGeom>
+          <a:ln w="76200">
+            <a:solidFill>
+              <a:srgbClr val="ED65F0"/>
+            </a:solidFill>
+          </a:ln>
+        </p:spPr>
+        <p:style>
+          <a:lnRef idx="1">
+            <a:schemeClr val="accent1"/>
+          </a:lnRef>
+          <a:fillRef idx="0">
+            <a:schemeClr val="accent1"/>
+          </a:fillRef>
+          <a:effectRef idx="0">
+            <a:schemeClr val="accent1"/>
+          </a:effectRef>
+          <a:fontRef idx="minor">
+            <a:schemeClr val="tx1"/>
+          </a:fontRef>
+        </p:style>
+      </p:cxnSp>
     </p:spTree>
     <p:extLst>
       <p:ext uri="{BB962C8B-B14F-4D97-AF65-F5344CB8AC3E}">
-        <p14:creationId xmlns:p14="http://schemas.microsoft.com/office/powerpoint/2010/main" val="63032327"/>
+        <p14:creationId xmlns:p14="http://schemas.microsoft.com/office/powerpoint/2010/main" val="2444951207"/>
       </p:ext>
     </p:extLst>
   </p:cSld>
@@ -3723,7 +5967,7 @@
           <p:cNvPr id="2" name="Title 1">
             <a:extLst>
               <a:ext uri="{FF2B5EF4-FFF2-40B4-BE49-F238E27FC236}">
-                <a16:creationId xmlns:a16="http://schemas.microsoft.com/office/drawing/2014/main" id="{84934046-5985-4CD4-AEF8-984C7D1C8D34}"/>
+                <a16:creationId xmlns:a16="http://schemas.microsoft.com/office/drawing/2014/main" id="{2004B546-4D75-4C37-8F82-244A938F301D}"/>
               </a:ext>
             </a:extLst>
           </p:cNvPr>
@@ -3743,15 +5987,383 @@
               <a:rPr lang="pt-BR" b="1" dirty="0">
                 <a:latin typeface="Avenir Next LT Pro" panose="020B0504020202020204" pitchFamily="34" charset="0"/>
               </a:rPr>
-              <a:t>Agradecimentos</a:t>
-            </a:r>
+              <a:t>Conclusão</a:t>
+            </a:r>
+          </a:p>
+        </p:txBody>
+      </p:sp>
+      <p:cxnSp>
+        <p:nvCxnSpPr>
+          <p:cNvPr id="3" name="Straight Connector 2">
+            <a:extLst>
+              <a:ext uri="{FF2B5EF4-FFF2-40B4-BE49-F238E27FC236}">
+                <a16:creationId xmlns:a16="http://schemas.microsoft.com/office/drawing/2014/main" id="{6FD6F1DD-2D28-4E13-9E69-C573642F3650}"/>
+              </a:ext>
+            </a:extLst>
+          </p:cNvPr>
+          <p:cNvCxnSpPr>
+            <a:cxnSpLocks/>
+          </p:cNvCxnSpPr>
+          <p:nvPr/>
+        </p:nvCxnSpPr>
+        <p:spPr>
+          <a:xfrm flipH="1">
+            <a:off x="2003461" y="1346678"/>
+            <a:ext cx="1664413" cy="0"/>
+          </a:xfrm>
+          <a:prstGeom prst="line">
+            <a:avLst/>
+          </a:prstGeom>
+          <a:ln w="76200">
+            <a:solidFill>
+              <a:srgbClr val="ED65F0"/>
+            </a:solidFill>
+          </a:ln>
+        </p:spPr>
+        <p:style>
+          <a:lnRef idx="1">
+            <a:schemeClr val="accent1"/>
+          </a:lnRef>
+          <a:fillRef idx="0">
+            <a:schemeClr val="accent1"/>
+          </a:fillRef>
+          <a:effectRef idx="0">
+            <a:schemeClr val="accent1"/>
+          </a:effectRef>
+          <a:fontRef idx="minor">
+            <a:schemeClr val="tx1"/>
+          </a:fontRef>
+        </p:style>
+      </p:cxnSp>
+      <p:sp>
+        <p:nvSpPr>
+          <p:cNvPr id="5" name="TextBox 4">
+            <a:extLst>
+              <a:ext uri="{FF2B5EF4-FFF2-40B4-BE49-F238E27FC236}">
+                <a16:creationId xmlns:a16="http://schemas.microsoft.com/office/drawing/2014/main" id="{B5EAF4D9-DD2A-4D1F-BAE8-781AF6C1FF62}"/>
+              </a:ext>
+            </a:extLst>
+          </p:cNvPr>
+          <p:cNvSpPr txBox="1"/>
+          <p:nvPr/>
+        </p:nvSpPr>
+        <p:spPr>
+          <a:xfrm>
+            <a:off x="838200" y="2765286"/>
+            <a:ext cx="2782104" cy="3416320"/>
+          </a:xfrm>
+          <a:prstGeom prst="rect">
+            <a:avLst/>
+          </a:prstGeom>
+          <a:noFill/>
+        </p:spPr>
+        <p:txBody>
+          <a:bodyPr wrap="square" rtlCol="0">
+            <a:spAutoFit/>
+          </a:bodyPr>
+          <a:lstStyle/>
+          <a:p>
+            <a:r>
+              <a:rPr lang="pt-BR" dirty="0"/>
+              <a:t>Concluimos que na area de contact center, existe uma grande demanda de </a:t>
+            </a:r>
+          </a:p>
+          <a:p>
+            <a:r>
+              <a:rPr lang="pt-BR" dirty="0"/>
+              <a:t>atendentes que não são muito ativos no seu trabalho, fizemos uma pesquisa a fundo que alem de adquirir conhecimento nessa area procuramos saber qual o grande problema que se torna algo comum. </a:t>
+            </a:r>
+          </a:p>
+        </p:txBody>
+      </p:sp>
+      <p:sp>
+        <p:nvSpPr>
+          <p:cNvPr id="7" name="TextBox 6">
+            <a:extLst>
+              <a:ext uri="{FF2B5EF4-FFF2-40B4-BE49-F238E27FC236}">
+                <a16:creationId xmlns:a16="http://schemas.microsoft.com/office/drawing/2014/main" id="{E060CAB4-8898-46D4-88F9-AAED6CCAA39A}"/>
+              </a:ext>
+            </a:extLst>
+          </p:cNvPr>
+          <p:cNvSpPr txBox="1"/>
+          <p:nvPr/>
+        </p:nvSpPr>
+        <p:spPr>
+          <a:xfrm>
+            <a:off x="5863600" y="2598003"/>
+            <a:ext cx="4520148" cy="2585323"/>
+          </a:xfrm>
+          <a:prstGeom prst="rect">
+            <a:avLst/>
+          </a:prstGeom>
+          <a:noFill/>
+        </p:spPr>
+        <p:txBody>
+          <a:bodyPr wrap="none" rtlCol="0">
+            <a:spAutoFit/>
+          </a:bodyPr>
+          <a:lstStyle/>
+          <a:p>
+            <a:r>
+              <a:rPr lang="pt-BR" sz="3600" dirty="0">
+                <a:latin typeface="Avenir Next LT Pro" panose="020B0504020202020204" pitchFamily="34" charset="0"/>
+              </a:rPr>
+              <a:t>Contact Center</a:t>
+            </a:r>
+          </a:p>
+          <a:p>
+            <a:r>
+              <a:rPr lang="pt-BR" sz="3600" dirty="0">
+                <a:latin typeface="Avenir Next LT Pro" panose="020B0504020202020204" pitchFamily="34" charset="0"/>
+              </a:rPr>
+              <a:t>Atendentes</a:t>
+            </a:r>
+          </a:p>
+          <a:p>
+            <a:r>
+              <a:rPr lang="pt-BR" sz="3600" dirty="0">
+                <a:latin typeface="Avenir Next LT Pro" panose="020B0504020202020204" pitchFamily="34" charset="0"/>
+              </a:rPr>
+              <a:t>Conhecimento</a:t>
+            </a:r>
+          </a:p>
+          <a:p>
+            <a:r>
+              <a:rPr lang="pt-BR" sz="3600" dirty="0">
+                <a:latin typeface="Avenir Next LT Pro" panose="020B0504020202020204" pitchFamily="34" charset="0"/>
+              </a:rPr>
+              <a:t>Problema recorrente</a:t>
+            </a:r>
+          </a:p>
+          <a:p>
+            <a:pPr marL="285750" indent="-285750">
+              <a:buFont typeface="Arial" panose="020B0604020202020204" pitchFamily="34" charset="0"/>
+              <a:buChar char="•"/>
+            </a:pPr>
+            <a:endParaRPr lang="pt-BR" dirty="0"/>
+          </a:p>
+        </p:txBody>
+      </p:sp>
+      <p:sp>
+        <p:nvSpPr>
+          <p:cNvPr id="8" name="Oval 7">
+            <a:extLst>
+              <a:ext uri="{FF2B5EF4-FFF2-40B4-BE49-F238E27FC236}">
+                <a16:creationId xmlns:a16="http://schemas.microsoft.com/office/drawing/2014/main" id="{FE6938B9-104D-43E4-9DBA-3865AFC772D2}"/>
+              </a:ext>
+            </a:extLst>
+          </p:cNvPr>
+          <p:cNvSpPr/>
+          <p:nvPr/>
+        </p:nvSpPr>
+        <p:spPr>
+          <a:xfrm>
+            <a:off x="5511800" y="2857500"/>
+            <a:ext cx="139700" cy="152400"/>
+          </a:xfrm>
+          <a:prstGeom prst="ellipse">
+            <a:avLst/>
+          </a:prstGeom>
+          <a:solidFill>
+            <a:srgbClr val="EA68E1"/>
+          </a:solidFill>
+          <a:ln>
+            <a:solidFill>
+              <a:srgbClr val="EA68E1"/>
+            </a:solidFill>
+          </a:ln>
+        </p:spPr>
+        <p:style>
+          <a:lnRef idx="2">
+            <a:schemeClr val="accent1">
+              <a:shade val="50000"/>
+            </a:schemeClr>
+          </a:lnRef>
+          <a:fillRef idx="1">
+            <a:schemeClr val="accent1"/>
+          </a:fillRef>
+          <a:effectRef idx="0">
+            <a:schemeClr val="accent1"/>
+          </a:effectRef>
+          <a:fontRef idx="minor">
+            <a:schemeClr val="lt1"/>
+          </a:fontRef>
+        </p:style>
+        <p:txBody>
+          <a:bodyPr rtlCol="0" anchor="ctr"/>
+          <a:lstStyle/>
+          <a:p>
+            <a:pPr algn="ctr"/>
+            <a:endParaRPr lang="pt-BR"/>
+          </a:p>
+        </p:txBody>
+      </p:sp>
+      <p:sp>
+        <p:nvSpPr>
+          <p:cNvPr id="9" name="Oval 8">
+            <a:extLst>
+              <a:ext uri="{FF2B5EF4-FFF2-40B4-BE49-F238E27FC236}">
+                <a16:creationId xmlns:a16="http://schemas.microsoft.com/office/drawing/2014/main" id="{604AFE17-9DF8-433D-800B-4ED38A8F38DE}"/>
+              </a:ext>
+            </a:extLst>
+          </p:cNvPr>
+          <p:cNvSpPr/>
+          <p:nvPr/>
+        </p:nvSpPr>
+        <p:spPr>
+          <a:xfrm>
+            <a:off x="5508000" y="3352800"/>
+            <a:ext cx="139700" cy="152400"/>
+          </a:xfrm>
+          <a:prstGeom prst="ellipse">
+            <a:avLst/>
+          </a:prstGeom>
+          <a:solidFill>
+            <a:srgbClr val="EA68E1"/>
+          </a:solidFill>
+          <a:ln>
+            <a:solidFill>
+              <a:srgbClr val="EA68E1"/>
+            </a:solidFill>
+          </a:ln>
+        </p:spPr>
+        <p:style>
+          <a:lnRef idx="2">
+            <a:schemeClr val="accent1">
+              <a:shade val="50000"/>
+            </a:schemeClr>
+          </a:lnRef>
+          <a:fillRef idx="1">
+            <a:schemeClr val="accent1"/>
+          </a:fillRef>
+          <a:effectRef idx="0">
+            <a:schemeClr val="accent1"/>
+          </a:effectRef>
+          <a:fontRef idx="minor">
+            <a:schemeClr val="lt1"/>
+          </a:fontRef>
+        </p:style>
+        <p:txBody>
+          <a:bodyPr rtlCol="0" anchor="ctr"/>
+          <a:lstStyle/>
+          <a:p>
+            <a:pPr algn="ctr"/>
+            <a:endParaRPr lang="pt-BR"/>
+          </a:p>
+        </p:txBody>
+      </p:sp>
+      <p:sp>
+        <p:nvSpPr>
+          <p:cNvPr id="10" name="Oval 9">
+            <a:extLst>
+              <a:ext uri="{FF2B5EF4-FFF2-40B4-BE49-F238E27FC236}">
+                <a16:creationId xmlns:a16="http://schemas.microsoft.com/office/drawing/2014/main" id="{D28F2818-1A07-444B-91BE-76C78B78A53B}"/>
+              </a:ext>
+            </a:extLst>
+          </p:cNvPr>
+          <p:cNvSpPr/>
+          <p:nvPr/>
+        </p:nvSpPr>
+        <p:spPr>
+          <a:xfrm>
+            <a:off x="5504200" y="3890664"/>
+            <a:ext cx="139700" cy="152400"/>
+          </a:xfrm>
+          <a:prstGeom prst="ellipse">
+            <a:avLst/>
+          </a:prstGeom>
+          <a:solidFill>
+            <a:srgbClr val="EA68E1"/>
+          </a:solidFill>
+          <a:ln>
+            <a:solidFill>
+              <a:srgbClr val="EA68E1"/>
+            </a:solidFill>
+          </a:ln>
+        </p:spPr>
+        <p:style>
+          <a:lnRef idx="2">
+            <a:schemeClr val="accent1">
+              <a:shade val="50000"/>
+            </a:schemeClr>
+          </a:lnRef>
+          <a:fillRef idx="1">
+            <a:schemeClr val="accent1"/>
+          </a:fillRef>
+          <a:effectRef idx="0">
+            <a:schemeClr val="accent1"/>
+          </a:effectRef>
+          <a:fontRef idx="minor">
+            <a:schemeClr val="lt1"/>
+          </a:fontRef>
+        </p:style>
+        <p:txBody>
+          <a:bodyPr rtlCol="0" anchor="ctr"/>
+          <a:lstStyle/>
+          <a:p>
+            <a:pPr algn="ctr"/>
+            <a:endParaRPr lang="pt-BR"/>
+          </a:p>
+        </p:txBody>
+      </p:sp>
+      <p:sp>
+        <p:nvSpPr>
+          <p:cNvPr id="11" name="Oval 10">
+            <a:extLst>
+              <a:ext uri="{FF2B5EF4-FFF2-40B4-BE49-F238E27FC236}">
+                <a16:creationId xmlns:a16="http://schemas.microsoft.com/office/drawing/2014/main" id="{2E3D0AF1-AE40-4A38-8B3B-CDA236646024}"/>
+              </a:ext>
+            </a:extLst>
+          </p:cNvPr>
+          <p:cNvSpPr/>
+          <p:nvPr/>
+        </p:nvSpPr>
+        <p:spPr>
+          <a:xfrm>
+            <a:off x="5501650" y="4519612"/>
+            <a:ext cx="139700" cy="152400"/>
+          </a:xfrm>
+          <a:prstGeom prst="ellipse">
+            <a:avLst/>
+          </a:prstGeom>
+          <a:solidFill>
+            <a:srgbClr val="EA68E1"/>
+          </a:solidFill>
+          <a:ln>
+            <a:solidFill>
+              <a:srgbClr val="EA68E1"/>
+            </a:solidFill>
+          </a:ln>
+        </p:spPr>
+        <p:style>
+          <a:lnRef idx="2">
+            <a:schemeClr val="accent1">
+              <a:shade val="50000"/>
+            </a:schemeClr>
+          </a:lnRef>
+          <a:fillRef idx="1">
+            <a:schemeClr val="accent1"/>
+          </a:fillRef>
+          <a:effectRef idx="0">
+            <a:schemeClr val="accent1"/>
+          </a:effectRef>
+          <a:fontRef idx="minor">
+            <a:schemeClr val="lt1"/>
+          </a:fontRef>
+        </p:style>
+        <p:txBody>
+          <a:bodyPr rtlCol="0" anchor="ctr"/>
+          <a:lstStyle/>
+          <a:p>
+            <a:pPr algn="ctr"/>
+            <a:endParaRPr lang="pt-BR"/>
           </a:p>
         </p:txBody>
       </p:sp>
     </p:spTree>
     <p:extLst>
       <p:ext uri="{BB962C8B-B14F-4D97-AF65-F5344CB8AC3E}">
-        <p14:creationId xmlns:p14="http://schemas.microsoft.com/office/powerpoint/2010/main" val="3798227584"/>
+        <p14:creationId xmlns:p14="http://schemas.microsoft.com/office/powerpoint/2010/main" val="63032327"/>
       </p:ext>
     </p:extLst>
   </p:cSld>
@@ -3783,7 +6395,7 @@
           <p:cNvPr id="2" name="Title 1">
             <a:extLst>
               <a:ext uri="{FF2B5EF4-FFF2-40B4-BE49-F238E27FC236}">
-                <a16:creationId xmlns:a16="http://schemas.microsoft.com/office/drawing/2014/main" id="{30BBE848-CE39-4F72-AE45-B8800284E420}"/>
+                <a16:creationId xmlns:a16="http://schemas.microsoft.com/office/drawing/2014/main" id="{84934046-5985-4CD4-AEF8-984C7D1C8D34}"/>
               </a:ext>
             </a:extLst>
           </p:cNvPr>
@@ -3799,14 +6411,99 @@
           <a:bodyPr/>
           <a:lstStyle/>
           <a:p>
-            <a:endParaRPr lang="pt-BR" dirty="0"/>
+            <a:r>
+              <a:rPr lang="pt-BR" b="1" dirty="0">
+                <a:latin typeface="Avenir Next LT Pro" panose="020B0504020202020204" pitchFamily="34" charset="0"/>
+              </a:rPr>
+              <a:t>Agradecimentos</a:t>
+            </a:r>
+          </a:p>
+        </p:txBody>
+      </p:sp>
+      <p:cxnSp>
+        <p:nvCxnSpPr>
+          <p:cNvPr id="3" name="Straight Connector 2">
+            <a:extLst>
+              <a:ext uri="{FF2B5EF4-FFF2-40B4-BE49-F238E27FC236}">
+                <a16:creationId xmlns:a16="http://schemas.microsoft.com/office/drawing/2014/main" id="{AB7769F5-7C25-4202-A0A6-4ED53C21EF3A}"/>
+              </a:ext>
+            </a:extLst>
+          </p:cNvPr>
+          <p:cNvCxnSpPr>
+            <a:cxnSpLocks/>
+          </p:cNvCxnSpPr>
+          <p:nvPr/>
+        </p:nvCxnSpPr>
+        <p:spPr>
+          <a:xfrm flipH="1">
+            <a:off x="2948683" y="1387774"/>
+            <a:ext cx="2404153" cy="0"/>
+          </a:xfrm>
+          <a:prstGeom prst="line">
+            <a:avLst/>
+          </a:prstGeom>
+          <a:ln w="76200">
+            <a:solidFill>
+              <a:srgbClr val="ED65F0"/>
+            </a:solidFill>
+          </a:ln>
+        </p:spPr>
+        <p:style>
+          <a:lnRef idx="1">
+            <a:schemeClr val="accent1"/>
+          </a:lnRef>
+          <a:fillRef idx="0">
+            <a:schemeClr val="accent1"/>
+          </a:fillRef>
+          <a:effectRef idx="0">
+            <a:schemeClr val="accent1"/>
+          </a:effectRef>
+          <a:fontRef idx="minor">
+            <a:schemeClr val="tx1"/>
+          </a:fontRef>
+        </p:style>
+      </p:cxnSp>
+      <p:sp>
+        <p:nvSpPr>
+          <p:cNvPr id="4" name="TextBox 3">
+            <a:extLst>
+              <a:ext uri="{FF2B5EF4-FFF2-40B4-BE49-F238E27FC236}">
+                <a16:creationId xmlns:a16="http://schemas.microsoft.com/office/drawing/2014/main" id="{6A29BF9B-2B24-4FC9-8626-A8ECE77559A8}"/>
+              </a:ext>
+            </a:extLst>
+          </p:cNvPr>
+          <p:cNvSpPr txBox="1"/>
+          <p:nvPr/>
+        </p:nvSpPr>
+        <p:spPr>
+          <a:xfrm>
+            <a:off x="872871" y="3228945"/>
+            <a:ext cx="10446258" cy="400110"/>
+          </a:xfrm>
+          <a:prstGeom prst="rect">
+            <a:avLst/>
+          </a:prstGeom>
+          <a:noFill/>
+        </p:spPr>
+        <p:txBody>
+          <a:bodyPr wrap="none" rtlCol="0">
+            <a:spAutoFit/>
+          </a:bodyPr>
+          <a:lstStyle/>
+          <a:p>
+            <a:r>
+              <a:rPr lang="pt-BR" sz="2000" dirty="0">
+                <a:latin typeface="Avenir Next LT Pro" panose="020B0504020202020204" pitchFamily="34" charset="0"/>
+              </a:rPr>
+              <a:t>Agradecemos aos professores e a todas as pessoas que fizeram parte do nosso projeto!</a:t>
+            </a:r>
           </a:p>
         </p:txBody>
       </p:sp>
     </p:spTree>
     <p:extLst>
       <p:ext uri="{BB962C8B-B14F-4D97-AF65-F5344CB8AC3E}">
-        <p14:creationId xmlns:p14="http://schemas.microsoft.com/office/powerpoint/2010/main" val="2992113675"/>
+        <p14:creationId xmlns:p14="http://schemas.microsoft.com/office/powerpoint/2010/main" val="3798227584"/>
       </p:ext>
     </p:extLst>
   </p:cSld>
@@ -3835,45 +6532,1008 @@
       </p:grpSpPr>
       <p:sp>
         <p:nvSpPr>
-          <p:cNvPr id="2" name="Title 1">
-            <a:extLst>
-              <a:ext uri="{FF2B5EF4-FFF2-40B4-BE49-F238E27FC236}">
-                <a16:creationId xmlns:a16="http://schemas.microsoft.com/office/drawing/2014/main" id="{E0C234B3-6C68-46D3-B534-A1F857C368D4}"/>
-              </a:ext>
-            </a:extLst>
-          </p:cNvPr>
-          <p:cNvSpPr>
-            <a:spLocks noGrp="1"/>
-          </p:cNvSpPr>
-          <p:nvPr>
-            <p:ph type="title"/>
-          </p:nvPr>
+          <p:cNvPr id="2" name="TextBox 1">
+            <a:extLst>
+              <a:ext uri="{FF2B5EF4-FFF2-40B4-BE49-F238E27FC236}">
+                <a16:creationId xmlns:a16="http://schemas.microsoft.com/office/drawing/2014/main" id="{A38C71F1-EAE5-4222-863A-EF43E16A5ECC}"/>
+              </a:ext>
+            </a:extLst>
+          </p:cNvPr>
+          <p:cNvSpPr txBox="1"/>
+          <p:nvPr/>
         </p:nvSpPr>
         <p:spPr>
           <a:xfrm>
-            <a:off x="838199" y="365125"/>
-            <a:ext cx="4915329" cy="1325563"/>
-          </a:xfrm>
+            <a:off x="1479478" y="3136612"/>
+            <a:ext cx="2390398" cy="584775"/>
+          </a:xfrm>
+          <a:prstGeom prst="rect">
+            <a:avLst/>
+          </a:prstGeom>
+          <a:noFill/>
         </p:spPr>
         <p:txBody>
-          <a:bodyPr/>
+          <a:bodyPr wrap="none" rtlCol="0">
+            <a:spAutoFit/>
+          </a:bodyPr>
           <a:lstStyle/>
           <a:p>
             <a:r>
-              <a:rPr lang="pt-BR" b="1" dirty="0">
+              <a:rPr lang="pt-BR" sz="3200" i="1" dirty="0">
+                <a:latin typeface="Bahnschrift Light" panose="020B0502040204020203" pitchFamily="34" charset="0"/>
+              </a:rPr>
+              <a:t>Prepta Time</a:t>
+            </a:r>
+          </a:p>
+        </p:txBody>
+      </p:sp>
+      <p:sp>
+        <p:nvSpPr>
+          <p:cNvPr id="5" name="TextBox 4">
+            <a:extLst>
+              <a:ext uri="{FF2B5EF4-FFF2-40B4-BE49-F238E27FC236}">
+                <a16:creationId xmlns:a16="http://schemas.microsoft.com/office/drawing/2014/main" id="{E50CC7CB-78C4-4C13-B22D-FC6589B6B778}"/>
+              </a:ext>
+            </a:extLst>
+          </p:cNvPr>
+          <p:cNvSpPr txBox="1"/>
+          <p:nvPr/>
+        </p:nvSpPr>
+        <p:spPr>
+          <a:xfrm>
+            <a:off x="6128753" y="2195332"/>
+            <a:ext cx="1426607" cy="369332"/>
+          </a:xfrm>
+          <a:prstGeom prst="rect">
+            <a:avLst/>
+          </a:prstGeom>
+          <a:noFill/>
+        </p:spPr>
+        <p:txBody>
+          <a:bodyPr wrap="square" rtlCol="0">
+            <a:spAutoFit/>
+          </a:bodyPr>
+          <a:lstStyle/>
+          <a:p>
+            <a:r>
+              <a:rPr lang="pt-BR" dirty="0">
                 <a:latin typeface="Avenir Next LT Pro" panose="020B0504020202020204" pitchFamily="34" charset="0"/>
               </a:rPr>
-              <a:t>Contextualização</a:t>
-            </a:r>
+              <a:t>Bruna Brito</a:t>
+            </a:r>
+          </a:p>
+        </p:txBody>
+      </p:sp>
+      <p:sp>
+        <p:nvSpPr>
+          <p:cNvPr id="13" name="TextBox 12">
+            <a:extLst>
+              <a:ext uri="{FF2B5EF4-FFF2-40B4-BE49-F238E27FC236}">
+                <a16:creationId xmlns:a16="http://schemas.microsoft.com/office/drawing/2014/main" id="{8F04576B-FD01-4FAE-8804-1F63448D26D9}"/>
+              </a:ext>
+            </a:extLst>
+          </p:cNvPr>
+          <p:cNvSpPr txBox="1"/>
+          <p:nvPr/>
+        </p:nvSpPr>
+        <p:spPr>
+          <a:xfrm>
+            <a:off x="8182370" y="587088"/>
+            <a:ext cx="1520430" cy="369332"/>
+          </a:xfrm>
+          <a:prstGeom prst="rect">
+            <a:avLst/>
+          </a:prstGeom>
+          <a:noFill/>
+        </p:spPr>
+        <p:txBody>
+          <a:bodyPr wrap="square" rtlCol="0">
+            <a:spAutoFit/>
+          </a:bodyPr>
+          <a:lstStyle/>
+          <a:p>
+            <a:r>
+              <a:rPr lang="pt-BR" dirty="0">
+                <a:latin typeface="Avenir Next LT Pro" panose="020B0504020202020204" pitchFamily="34" charset="0"/>
+              </a:rPr>
+              <a:t>Alan Coelho</a:t>
+            </a:r>
+          </a:p>
+        </p:txBody>
+      </p:sp>
+      <p:cxnSp>
+        <p:nvCxnSpPr>
+          <p:cNvPr id="15" name="Straight Connector 14">
+            <a:extLst>
+              <a:ext uri="{FF2B5EF4-FFF2-40B4-BE49-F238E27FC236}">
+                <a16:creationId xmlns:a16="http://schemas.microsoft.com/office/drawing/2014/main" id="{767CD960-67EB-4476-8F58-E70621DFDC46}"/>
+              </a:ext>
+            </a:extLst>
+          </p:cNvPr>
+          <p:cNvCxnSpPr>
+            <a:cxnSpLocks/>
+          </p:cNvCxnSpPr>
+          <p:nvPr/>
+        </p:nvCxnSpPr>
+        <p:spPr>
+          <a:xfrm>
+            <a:off x="2731103" y="265814"/>
+            <a:ext cx="0" cy="2765768"/>
+          </a:xfrm>
+          <a:prstGeom prst="line">
+            <a:avLst/>
+          </a:prstGeom>
+          <a:ln w="76200">
+            <a:solidFill>
+              <a:srgbClr val="ED65F0"/>
+            </a:solidFill>
+          </a:ln>
+        </p:spPr>
+        <p:style>
+          <a:lnRef idx="1">
+            <a:schemeClr val="accent1"/>
+          </a:lnRef>
+          <a:fillRef idx="0">
+            <a:schemeClr val="accent1"/>
+          </a:fillRef>
+          <a:effectRef idx="0">
+            <a:schemeClr val="accent1"/>
+          </a:effectRef>
+          <a:fontRef idx="minor">
+            <a:schemeClr val="tx1"/>
+          </a:fontRef>
+        </p:style>
+      </p:cxnSp>
+      <p:cxnSp>
+        <p:nvCxnSpPr>
+          <p:cNvPr id="17" name="Straight Connector 16">
+            <a:extLst>
+              <a:ext uri="{FF2B5EF4-FFF2-40B4-BE49-F238E27FC236}">
+                <a16:creationId xmlns:a16="http://schemas.microsoft.com/office/drawing/2014/main" id="{87ADF440-CBE2-4B80-928F-65F7A38D0782}"/>
+              </a:ext>
+            </a:extLst>
+          </p:cNvPr>
+          <p:cNvCxnSpPr>
+            <a:cxnSpLocks/>
+          </p:cNvCxnSpPr>
+          <p:nvPr/>
+        </p:nvCxnSpPr>
+        <p:spPr>
+          <a:xfrm>
+            <a:off x="2731103" y="3799367"/>
+            <a:ext cx="0" cy="2765768"/>
+          </a:xfrm>
+          <a:prstGeom prst="line">
+            <a:avLst/>
+          </a:prstGeom>
+          <a:ln w="76200">
+            <a:solidFill>
+              <a:srgbClr val="ED65F0"/>
+            </a:solidFill>
+          </a:ln>
+        </p:spPr>
+        <p:style>
+          <a:lnRef idx="1">
+            <a:schemeClr val="accent1"/>
+          </a:lnRef>
+          <a:fillRef idx="0">
+            <a:schemeClr val="accent1"/>
+          </a:fillRef>
+          <a:effectRef idx="0">
+            <a:schemeClr val="accent1"/>
+          </a:effectRef>
+          <a:fontRef idx="minor">
+            <a:schemeClr val="tx1"/>
+          </a:fontRef>
+        </p:style>
+      </p:cxnSp>
+      <p:sp>
+        <p:nvSpPr>
+          <p:cNvPr id="25" name="TextBox 24">
+            <a:extLst>
+              <a:ext uri="{FF2B5EF4-FFF2-40B4-BE49-F238E27FC236}">
+                <a16:creationId xmlns:a16="http://schemas.microsoft.com/office/drawing/2014/main" id="{12E856E4-D81E-4A8A-9C88-8899FD296DF1}"/>
+              </a:ext>
+            </a:extLst>
+          </p:cNvPr>
+          <p:cNvSpPr txBox="1"/>
+          <p:nvPr/>
+        </p:nvSpPr>
+        <p:spPr>
+          <a:xfrm>
+            <a:off x="8771134" y="3225333"/>
+            <a:ext cx="1863331" cy="369332"/>
+          </a:xfrm>
+          <a:prstGeom prst="rect">
+            <a:avLst/>
+          </a:prstGeom>
+          <a:noFill/>
+        </p:spPr>
+        <p:txBody>
+          <a:bodyPr wrap="square" rtlCol="0">
+            <a:spAutoFit/>
+          </a:bodyPr>
+          <a:lstStyle/>
+          <a:p>
+            <a:r>
+              <a:rPr lang="pt-BR" dirty="0">
+                <a:latin typeface="Avenir Next LT Pro" panose="020B0504020202020204" pitchFamily="34" charset="0"/>
+              </a:rPr>
+              <a:t>João Vitor Rosa</a:t>
+            </a:r>
+          </a:p>
+        </p:txBody>
+      </p:sp>
+      <p:grpSp>
+        <p:nvGrpSpPr>
+          <p:cNvPr id="10" name="Group 9">
+            <a:extLst>
+              <a:ext uri="{FF2B5EF4-FFF2-40B4-BE49-F238E27FC236}">
+                <a16:creationId xmlns:a16="http://schemas.microsoft.com/office/drawing/2014/main" id="{E572147E-883B-43FE-AAAD-717C7F4C4BE8}"/>
+              </a:ext>
+            </a:extLst>
+          </p:cNvPr>
+          <p:cNvGrpSpPr/>
+          <p:nvPr/>
+        </p:nvGrpSpPr>
+        <p:grpSpPr>
+          <a:xfrm>
+            <a:off x="7273486" y="2955418"/>
+            <a:ext cx="1198111" cy="1231916"/>
+            <a:chOff x="6656245" y="3385658"/>
+            <a:chExt cx="1338670" cy="1361807"/>
+          </a:xfrm>
+        </p:grpSpPr>
+        <p:pic>
+          <p:nvPicPr>
+            <p:cNvPr id="24" name="Picture 23" descr="A person taking a selfie&#10;&#10;Description automatically generated">
+              <a:extLst>
+                <a:ext uri="{FF2B5EF4-FFF2-40B4-BE49-F238E27FC236}">
+                  <a16:creationId xmlns:a16="http://schemas.microsoft.com/office/drawing/2014/main" id="{1BC538BC-C04E-453F-A863-29654F746B16}"/>
+                </a:ext>
+              </a:extLst>
+            </p:cNvPr>
+            <p:cNvPicPr>
+              <a:picLocks noChangeAspect="1"/>
+            </p:cNvPicPr>
+            <p:nvPr/>
+          </p:nvPicPr>
+          <p:blipFill rotWithShape="1">
+            <a:blip r:embed="rId2">
+              <a:extLst>
+                <a:ext uri="{28A0092B-C50C-407E-A947-70E740481C1C}">
+                  <a14:useLocalDpi xmlns:a14="http://schemas.microsoft.com/office/drawing/2010/main" val="0"/>
+                </a:ext>
+              </a:extLst>
+            </a:blip>
+            <a:srcRect t="23704"/>
+            <a:stretch/>
+          </p:blipFill>
+          <p:spPr>
+            <a:xfrm>
+              <a:off x="6656245" y="3385658"/>
+              <a:ext cx="1338670" cy="1361807"/>
+            </a:xfrm>
+            <a:prstGeom prst="rect">
+              <a:avLst/>
+            </a:prstGeom>
+          </p:spPr>
+        </p:pic>
+        <p:cxnSp>
+          <p:nvCxnSpPr>
+            <p:cNvPr id="29" name="Straight Connector 28">
+              <a:extLst>
+                <a:ext uri="{FF2B5EF4-FFF2-40B4-BE49-F238E27FC236}">
+                  <a16:creationId xmlns:a16="http://schemas.microsoft.com/office/drawing/2014/main" id="{A13D827B-E106-4B0A-90C9-2850EE943FDE}"/>
+                </a:ext>
+              </a:extLst>
+            </p:cNvPr>
+            <p:cNvCxnSpPr>
+              <a:cxnSpLocks/>
+            </p:cNvCxnSpPr>
+            <p:nvPr/>
+          </p:nvCxnSpPr>
+          <p:spPr>
+            <a:xfrm>
+              <a:off x="6656245" y="4747465"/>
+              <a:ext cx="1338670" cy="0"/>
+            </a:xfrm>
+            <a:prstGeom prst="line">
+              <a:avLst/>
+            </a:prstGeom>
+            <a:ln w="76200">
+              <a:solidFill>
+                <a:srgbClr val="ED65F0"/>
+              </a:solidFill>
+            </a:ln>
+          </p:spPr>
+          <p:style>
+            <a:lnRef idx="1">
+              <a:schemeClr val="accent1"/>
+            </a:lnRef>
+            <a:fillRef idx="0">
+              <a:schemeClr val="accent1"/>
+            </a:fillRef>
+            <a:effectRef idx="0">
+              <a:schemeClr val="accent1"/>
+            </a:effectRef>
+            <a:fontRef idx="minor">
+              <a:schemeClr val="tx1"/>
+            </a:fontRef>
+          </p:style>
+        </p:cxnSp>
+      </p:grpSp>
+      <p:grpSp>
+        <p:nvGrpSpPr>
+          <p:cNvPr id="9" name="Group 8">
+            <a:extLst>
+              <a:ext uri="{FF2B5EF4-FFF2-40B4-BE49-F238E27FC236}">
+                <a16:creationId xmlns:a16="http://schemas.microsoft.com/office/drawing/2014/main" id="{14DA020D-A403-4CE2-B5F3-7481DC8318A6}"/>
+              </a:ext>
+            </a:extLst>
+          </p:cNvPr>
+          <p:cNvGrpSpPr/>
+          <p:nvPr/>
+        </p:nvGrpSpPr>
+        <p:grpSpPr>
+          <a:xfrm>
+            <a:off x="4492720" y="1799666"/>
+            <a:ext cx="1220712" cy="1231916"/>
+            <a:chOff x="5574065" y="1837061"/>
+            <a:chExt cx="1363922" cy="1361807"/>
+          </a:xfrm>
+        </p:grpSpPr>
+        <p:pic>
+          <p:nvPicPr>
+            <p:cNvPr id="4" name="Picture 3" descr="A person taking a selfie&#10;&#10;Description automatically generated">
+              <a:extLst>
+                <a:ext uri="{FF2B5EF4-FFF2-40B4-BE49-F238E27FC236}">
+                  <a16:creationId xmlns:a16="http://schemas.microsoft.com/office/drawing/2014/main" id="{35512629-4FBA-495F-BA6A-9C34674C6876}"/>
+                </a:ext>
+              </a:extLst>
+            </p:cNvPr>
+            <p:cNvPicPr>
+              <a:picLocks noChangeAspect="1"/>
+            </p:cNvPicPr>
+            <p:nvPr/>
+          </p:nvPicPr>
+          <p:blipFill>
+            <a:blip r:embed="rId3">
+              <a:extLst>
+                <a:ext uri="{28A0092B-C50C-407E-A947-70E740481C1C}">
+                  <a14:useLocalDpi xmlns:a14="http://schemas.microsoft.com/office/drawing/2010/main" val="0"/>
+                </a:ext>
+              </a:extLst>
+            </a:blip>
+            <a:stretch>
+              <a:fillRect/>
+            </a:stretch>
+          </p:blipFill>
+          <p:spPr>
+            <a:xfrm>
+              <a:off x="5574065" y="1837061"/>
+              <a:ext cx="1363922" cy="1361807"/>
+            </a:xfrm>
+            <a:prstGeom prst="rect">
+              <a:avLst/>
+            </a:prstGeom>
+          </p:spPr>
+        </p:pic>
+        <p:cxnSp>
+          <p:nvCxnSpPr>
+            <p:cNvPr id="32" name="Straight Connector 31">
+              <a:extLst>
+                <a:ext uri="{FF2B5EF4-FFF2-40B4-BE49-F238E27FC236}">
+                  <a16:creationId xmlns:a16="http://schemas.microsoft.com/office/drawing/2014/main" id="{E88508E7-909A-4820-AD9C-EC00B2DDC20A}"/>
+                </a:ext>
+              </a:extLst>
+            </p:cNvPr>
+            <p:cNvCxnSpPr>
+              <a:cxnSpLocks/>
+            </p:cNvCxnSpPr>
+            <p:nvPr/>
+          </p:nvCxnSpPr>
+          <p:spPr>
+            <a:xfrm>
+              <a:off x="5574065" y="3198868"/>
+              <a:ext cx="1363922" cy="0"/>
+            </a:xfrm>
+            <a:prstGeom prst="line">
+              <a:avLst/>
+            </a:prstGeom>
+            <a:ln w="76200">
+              <a:solidFill>
+                <a:srgbClr val="ED65F0"/>
+              </a:solidFill>
+            </a:ln>
+          </p:spPr>
+          <p:style>
+            <a:lnRef idx="1">
+              <a:schemeClr val="accent1"/>
+            </a:lnRef>
+            <a:fillRef idx="0">
+              <a:schemeClr val="accent1"/>
+            </a:fillRef>
+            <a:effectRef idx="0">
+              <a:schemeClr val="accent1"/>
+            </a:effectRef>
+            <a:fontRef idx="minor">
+              <a:schemeClr val="tx1"/>
+            </a:fontRef>
+          </p:style>
+        </p:cxnSp>
+      </p:grpSp>
+      <p:grpSp>
+        <p:nvGrpSpPr>
+          <p:cNvPr id="8" name="Group 7">
+            <a:extLst>
+              <a:ext uri="{FF2B5EF4-FFF2-40B4-BE49-F238E27FC236}">
+                <a16:creationId xmlns:a16="http://schemas.microsoft.com/office/drawing/2014/main" id="{5BA24793-974A-4886-B58C-95EEDB80AE81}"/>
+              </a:ext>
+            </a:extLst>
+          </p:cNvPr>
+          <p:cNvGrpSpPr/>
+          <p:nvPr/>
+        </p:nvGrpSpPr>
+        <p:grpSpPr>
+          <a:xfrm>
+            <a:off x="6451866" y="177889"/>
+            <a:ext cx="1220712" cy="1255341"/>
+            <a:chOff x="6590929" y="265814"/>
+            <a:chExt cx="1363922" cy="1387702"/>
+          </a:xfrm>
+        </p:grpSpPr>
+        <p:pic>
+          <p:nvPicPr>
+            <p:cNvPr id="11" name="Picture 10" descr="A person taking a selfie&#10;&#10;Description automatically generated">
+              <a:extLst>
+                <a:ext uri="{FF2B5EF4-FFF2-40B4-BE49-F238E27FC236}">
+                  <a16:creationId xmlns:a16="http://schemas.microsoft.com/office/drawing/2014/main" id="{1CBBF5D7-0A5D-47D8-BB9B-530936E42B10}"/>
+                </a:ext>
+              </a:extLst>
+            </p:cNvPr>
+            <p:cNvPicPr>
+              <a:picLocks noChangeAspect="1"/>
+            </p:cNvPicPr>
+            <p:nvPr/>
+          </p:nvPicPr>
+          <p:blipFill rotWithShape="1">
+            <a:blip r:embed="rId4">
+              <a:extLst>
+                <a:ext uri="{28A0092B-C50C-407E-A947-70E740481C1C}">
+                  <a14:useLocalDpi xmlns:a14="http://schemas.microsoft.com/office/drawing/2010/main" val="0"/>
+                </a:ext>
+              </a:extLst>
+            </a:blip>
+            <a:srcRect r="12" b="25891"/>
+            <a:stretch/>
+          </p:blipFill>
+          <p:spPr>
+            <a:xfrm>
+              <a:off x="6590929" y="265814"/>
+              <a:ext cx="1363922" cy="1361807"/>
+            </a:xfrm>
+            <a:prstGeom prst="rect">
+              <a:avLst/>
+            </a:prstGeom>
+          </p:spPr>
+        </p:pic>
+        <p:cxnSp>
+          <p:nvCxnSpPr>
+            <p:cNvPr id="34" name="Straight Connector 33">
+              <a:extLst>
+                <a:ext uri="{FF2B5EF4-FFF2-40B4-BE49-F238E27FC236}">
+                  <a16:creationId xmlns:a16="http://schemas.microsoft.com/office/drawing/2014/main" id="{6CA39BE0-259D-4D91-A231-B94747CDC913}"/>
+                </a:ext>
+              </a:extLst>
+            </p:cNvPr>
+            <p:cNvCxnSpPr>
+              <a:cxnSpLocks/>
+            </p:cNvCxnSpPr>
+            <p:nvPr/>
+          </p:nvCxnSpPr>
+          <p:spPr>
+            <a:xfrm>
+              <a:off x="6590929" y="1653516"/>
+              <a:ext cx="1363922" cy="0"/>
+            </a:xfrm>
+            <a:prstGeom prst="line">
+              <a:avLst/>
+            </a:prstGeom>
+            <a:ln w="76200">
+              <a:solidFill>
+                <a:srgbClr val="ED65F0"/>
+              </a:solidFill>
+            </a:ln>
+          </p:spPr>
+          <p:style>
+            <a:lnRef idx="1">
+              <a:schemeClr val="accent1"/>
+            </a:lnRef>
+            <a:fillRef idx="0">
+              <a:schemeClr val="accent1"/>
+            </a:fillRef>
+            <a:effectRef idx="0">
+              <a:schemeClr val="accent1"/>
+            </a:effectRef>
+            <a:fontRef idx="minor">
+              <a:schemeClr val="tx1"/>
+            </a:fontRef>
+          </p:style>
+        </p:cxnSp>
+      </p:grpSp>
+      <p:sp>
+        <p:nvSpPr>
+          <p:cNvPr id="35" name="Arc 34">
+            <a:extLst>
+              <a:ext uri="{FF2B5EF4-FFF2-40B4-BE49-F238E27FC236}">
+                <a16:creationId xmlns:a16="http://schemas.microsoft.com/office/drawing/2014/main" id="{BAF2C99B-2640-4EEA-A4C1-27D3BB246553}"/>
+              </a:ext>
+            </a:extLst>
+          </p:cNvPr>
+          <p:cNvSpPr/>
+          <p:nvPr/>
+        </p:nvSpPr>
+        <p:spPr>
+          <a:xfrm rot="6265596">
+            <a:off x="7600443" y="453724"/>
+            <a:ext cx="732768" cy="685320"/>
+          </a:xfrm>
+          <a:prstGeom prst="arc">
+            <a:avLst/>
+          </a:prstGeom>
+          <a:noFill/>
+          <a:ln>
+            <a:solidFill>
+              <a:srgbClr val="EA68E1"/>
+            </a:solidFill>
+          </a:ln>
+        </p:spPr>
+        <p:style>
+          <a:lnRef idx="1">
+            <a:schemeClr val="accent1"/>
+          </a:lnRef>
+          <a:fillRef idx="0">
+            <a:schemeClr val="accent1"/>
+          </a:fillRef>
+          <a:effectRef idx="0">
+            <a:schemeClr val="accent1"/>
+          </a:effectRef>
+          <a:fontRef idx="minor">
+            <a:schemeClr val="tx1"/>
+          </a:fontRef>
+        </p:style>
+        <p:txBody>
+          <a:bodyPr rtlCol="0" anchor="ctr"/>
+          <a:lstStyle/>
+          <a:p>
+            <a:pPr algn="ctr"/>
+            <a:endParaRPr lang="pt-BR"/>
+          </a:p>
+        </p:txBody>
+      </p:sp>
+      <p:sp>
+        <p:nvSpPr>
+          <p:cNvPr id="36" name="Arc 35">
+            <a:extLst>
+              <a:ext uri="{FF2B5EF4-FFF2-40B4-BE49-F238E27FC236}">
+                <a16:creationId xmlns:a16="http://schemas.microsoft.com/office/drawing/2014/main" id="{8C76EBAD-19AB-424D-BA9C-B3E255BB7DB6}"/>
+              </a:ext>
+            </a:extLst>
+          </p:cNvPr>
+          <p:cNvSpPr/>
+          <p:nvPr/>
+        </p:nvSpPr>
+        <p:spPr>
+          <a:xfrm rot="6265596">
+            <a:off x="5605136" y="2172556"/>
+            <a:ext cx="732768" cy="685320"/>
+          </a:xfrm>
+          <a:prstGeom prst="arc">
+            <a:avLst/>
+          </a:prstGeom>
+          <a:noFill/>
+          <a:ln>
+            <a:solidFill>
+              <a:srgbClr val="EA68E1"/>
+            </a:solidFill>
+          </a:ln>
+        </p:spPr>
+        <p:style>
+          <a:lnRef idx="1">
+            <a:schemeClr val="accent1"/>
+          </a:lnRef>
+          <a:fillRef idx="0">
+            <a:schemeClr val="accent1"/>
+          </a:fillRef>
+          <a:effectRef idx="0">
+            <a:schemeClr val="accent1"/>
+          </a:effectRef>
+          <a:fontRef idx="minor">
+            <a:schemeClr val="tx1"/>
+          </a:fontRef>
+        </p:style>
+        <p:txBody>
+          <a:bodyPr rtlCol="0" anchor="ctr"/>
+          <a:lstStyle/>
+          <a:p>
+            <a:pPr algn="ctr"/>
+            <a:endParaRPr lang="pt-BR"/>
+          </a:p>
+        </p:txBody>
+      </p:sp>
+      <p:sp>
+        <p:nvSpPr>
+          <p:cNvPr id="37" name="Arc 36">
+            <a:extLst>
+              <a:ext uri="{FF2B5EF4-FFF2-40B4-BE49-F238E27FC236}">
+                <a16:creationId xmlns:a16="http://schemas.microsoft.com/office/drawing/2014/main" id="{AB28848A-43BE-4DF5-9C74-D75EFCF2C9A4}"/>
+              </a:ext>
+            </a:extLst>
+          </p:cNvPr>
+          <p:cNvSpPr/>
+          <p:nvPr/>
+        </p:nvSpPr>
+        <p:spPr>
+          <a:xfrm rot="6265596">
+            <a:off x="8254982" y="3140471"/>
+            <a:ext cx="732768" cy="685320"/>
+          </a:xfrm>
+          <a:prstGeom prst="arc">
+            <a:avLst/>
+          </a:prstGeom>
+          <a:noFill/>
+          <a:ln>
+            <a:solidFill>
+              <a:srgbClr val="EA68E1"/>
+            </a:solidFill>
+          </a:ln>
+        </p:spPr>
+        <p:style>
+          <a:lnRef idx="1">
+            <a:schemeClr val="accent1"/>
+          </a:lnRef>
+          <a:fillRef idx="0">
+            <a:schemeClr val="accent1"/>
+          </a:fillRef>
+          <a:effectRef idx="0">
+            <a:schemeClr val="accent1"/>
+          </a:effectRef>
+          <a:fontRef idx="minor">
+            <a:schemeClr val="tx1"/>
+          </a:fontRef>
+        </p:style>
+        <p:txBody>
+          <a:bodyPr rtlCol="0" anchor="ctr"/>
+          <a:lstStyle/>
+          <a:p>
+            <a:pPr algn="ctr"/>
+            <a:endParaRPr lang="pt-BR"/>
+          </a:p>
+        </p:txBody>
+      </p:sp>
+      <p:grpSp>
+        <p:nvGrpSpPr>
+          <p:cNvPr id="12" name="Group 11">
+            <a:extLst>
+              <a:ext uri="{FF2B5EF4-FFF2-40B4-BE49-F238E27FC236}">
+                <a16:creationId xmlns:a16="http://schemas.microsoft.com/office/drawing/2014/main" id="{47D1E806-0A35-4058-B01D-008F5D9D23BE}"/>
+              </a:ext>
+            </a:extLst>
+          </p:cNvPr>
+          <p:cNvGrpSpPr/>
+          <p:nvPr/>
+        </p:nvGrpSpPr>
+        <p:grpSpPr>
+          <a:xfrm>
+            <a:off x="3894304" y="4442630"/>
+            <a:ext cx="1220712" cy="1242606"/>
+            <a:chOff x="5574065" y="4954201"/>
+            <a:chExt cx="1363922" cy="1373624"/>
+          </a:xfrm>
+        </p:grpSpPr>
+        <p:pic>
+          <p:nvPicPr>
+            <p:cNvPr id="6" name="Picture 5" descr="A person taking a selfie&#10;&#10;Description automatically generated">
+              <a:extLst>
+                <a:ext uri="{FF2B5EF4-FFF2-40B4-BE49-F238E27FC236}">
+                  <a16:creationId xmlns:a16="http://schemas.microsoft.com/office/drawing/2014/main" id="{B5EE06C0-AEA6-4FE5-A1EE-5D5F2E2D4A3B}"/>
+                </a:ext>
+              </a:extLst>
+            </p:cNvPr>
+            <p:cNvPicPr>
+              <a:picLocks noChangeAspect="1"/>
+            </p:cNvPicPr>
+            <p:nvPr/>
+          </p:nvPicPr>
+          <p:blipFill rotWithShape="1">
+            <a:blip r:embed="rId5">
+              <a:extLst>
+                <a:ext uri="{28A0092B-C50C-407E-A947-70E740481C1C}">
+                  <a14:useLocalDpi xmlns:a14="http://schemas.microsoft.com/office/drawing/2010/main" val="0"/>
+                </a:ext>
+              </a:extLst>
+            </a:blip>
+            <a:srcRect t="12496" b="24111"/>
+            <a:stretch/>
+          </p:blipFill>
+          <p:spPr>
+            <a:xfrm>
+              <a:off x="5574068" y="4954201"/>
+              <a:ext cx="1363919" cy="1373624"/>
+            </a:xfrm>
+            <a:prstGeom prst="rect">
+              <a:avLst/>
+            </a:prstGeom>
+          </p:spPr>
+        </p:pic>
+        <p:cxnSp>
+          <p:nvCxnSpPr>
+            <p:cNvPr id="19" name="Straight Connector 18">
+              <a:extLst>
+                <a:ext uri="{FF2B5EF4-FFF2-40B4-BE49-F238E27FC236}">
+                  <a16:creationId xmlns:a16="http://schemas.microsoft.com/office/drawing/2014/main" id="{E1A7E4A6-1A3F-4213-80E2-8270AA3DE082}"/>
+                </a:ext>
+              </a:extLst>
+            </p:cNvPr>
+            <p:cNvCxnSpPr>
+              <a:cxnSpLocks/>
+            </p:cNvCxnSpPr>
+            <p:nvPr/>
+          </p:nvCxnSpPr>
+          <p:spPr>
+            <a:xfrm>
+              <a:off x="5574065" y="6327825"/>
+              <a:ext cx="1363922" cy="0"/>
+            </a:xfrm>
+            <a:prstGeom prst="line">
+              <a:avLst/>
+            </a:prstGeom>
+            <a:ln w="76200">
+              <a:solidFill>
+                <a:srgbClr val="ED65F0"/>
+              </a:solidFill>
+            </a:ln>
+          </p:spPr>
+          <p:style>
+            <a:lnRef idx="1">
+              <a:schemeClr val="accent1"/>
+            </a:lnRef>
+            <a:fillRef idx="0">
+              <a:schemeClr val="accent1"/>
+            </a:fillRef>
+            <a:effectRef idx="0">
+              <a:schemeClr val="accent1"/>
+            </a:effectRef>
+            <a:fontRef idx="minor">
+              <a:schemeClr val="tx1"/>
+            </a:fontRef>
+          </p:style>
+        </p:cxnSp>
+      </p:grpSp>
+      <p:sp>
+        <p:nvSpPr>
+          <p:cNvPr id="26" name="TextBox 25">
+            <a:extLst>
+              <a:ext uri="{FF2B5EF4-FFF2-40B4-BE49-F238E27FC236}">
+                <a16:creationId xmlns:a16="http://schemas.microsoft.com/office/drawing/2014/main" id="{E965C63B-5847-433E-979B-F4677CDEE070}"/>
+              </a:ext>
+            </a:extLst>
+          </p:cNvPr>
+          <p:cNvSpPr txBox="1"/>
+          <p:nvPr/>
+        </p:nvSpPr>
+        <p:spPr>
+          <a:xfrm>
+            <a:off x="5520200" y="4888741"/>
+            <a:ext cx="1863331" cy="369332"/>
+          </a:xfrm>
+          <a:prstGeom prst="rect">
+            <a:avLst/>
+          </a:prstGeom>
+          <a:noFill/>
+        </p:spPr>
+        <p:txBody>
+          <a:bodyPr wrap="square" rtlCol="0">
+            <a:spAutoFit/>
+          </a:bodyPr>
+          <a:lstStyle/>
+          <a:p>
+            <a:r>
+              <a:rPr lang="pt-BR" dirty="0">
+                <a:latin typeface="Avenir Next LT Pro" panose="020B0504020202020204" pitchFamily="34" charset="0"/>
+              </a:rPr>
+              <a:t>Lucas Donizete</a:t>
+            </a:r>
+          </a:p>
+        </p:txBody>
+      </p:sp>
+      <p:sp>
+        <p:nvSpPr>
+          <p:cNvPr id="27" name="Arc 26">
+            <a:extLst>
+              <a:ext uri="{FF2B5EF4-FFF2-40B4-BE49-F238E27FC236}">
+                <a16:creationId xmlns:a16="http://schemas.microsoft.com/office/drawing/2014/main" id="{0210FF25-1E4E-4262-85FB-B879A704CDB9}"/>
+              </a:ext>
+            </a:extLst>
+          </p:cNvPr>
+          <p:cNvSpPr/>
+          <p:nvPr/>
+        </p:nvSpPr>
+        <p:spPr>
+          <a:xfrm rot="6265596">
+            <a:off x="4981297" y="4839590"/>
+            <a:ext cx="732768" cy="685320"/>
+          </a:xfrm>
+          <a:prstGeom prst="arc">
+            <a:avLst/>
+          </a:prstGeom>
+          <a:noFill/>
+          <a:ln>
+            <a:solidFill>
+              <a:srgbClr val="EA68E1"/>
+            </a:solidFill>
+          </a:ln>
+        </p:spPr>
+        <p:style>
+          <a:lnRef idx="1">
+            <a:schemeClr val="accent1"/>
+          </a:lnRef>
+          <a:fillRef idx="0">
+            <a:schemeClr val="accent1"/>
+          </a:fillRef>
+          <a:effectRef idx="0">
+            <a:schemeClr val="accent1"/>
+          </a:effectRef>
+          <a:fontRef idx="minor">
+            <a:schemeClr val="tx1"/>
+          </a:fontRef>
+        </p:style>
+        <p:txBody>
+          <a:bodyPr rtlCol="0" anchor="ctr"/>
+          <a:lstStyle/>
+          <a:p>
+            <a:pPr algn="ctr"/>
+            <a:endParaRPr lang="pt-BR"/>
+          </a:p>
+        </p:txBody>
+      </p:sp>
+      <p:cxnSp>
+        <p:nvCxnSpPr>
+          <p:cNvPr id="31" name="Straight Connector 30">
+            <a:extLst>
+              <a:ext uri="{FF2B5EF4-FFF2-40B4-BE49-F238E27FC236}">
+                <a16:creationId xmlns:a16="http://schemas.microsoft.com/office/drawing/2014/main" id="{D60C5EF1-E4E4-446C-A481-2A8A4E30412C}"/>
+              </a:ext>
+            </a:extLst>
+          </p:cNvPr>
+          <p:cNvCxnSpPr>
+            <a:cxnSpLocks/>
+          </p:cNvCxnSpPr>
+          <p:nvPr/>
+        </p:nvCxnSpPr>
+        <p:spPr>
+          <a:xfrm>
+            <a:off x="8063491" y="6428696"/>
+            <a:ext cx="1220712" cy="0"/>
+          </a:xfrm>
+          <a:prstGeom prst="line">
+            <a:avLst/>
+          </a:prstGeom>
+          <a:ln w="76200">
+            <a:solidFill>
+              <a:srgbClr val="ED65F0"/>
+            </a:solidFill>
+          </a:ln>
+        </p:spPr>
+        <p:style>
+          <a:lnRef idx="1">
+            <a:schemeClr val="accent1"/>
+          </a:lnRef>
+          <a:fillRef idx="0">
+            <a:schemeClr val="accent1"/>
+          </a:fillRef>
+          <a:effectRef idx="0">
+            <a:schemeClr val="accent1"/>
+          </a:effectRef>
+          <a:fontRef idx="minor">
+            <a:schemeClr val="tx1"/>
+          </a:fontRef>
+        </p:style>
+      </p:cxnSp>
+      <p:sp>
+        <p:nvSpPr>
+          <p:cNvPr id="33" name="TextBox 32">
+            <a:extLst>
+              <a:ext uri="{FF2B5EF4-FFF2-40B4-BE49-F238E27FC236}">
+                <a16:creationId xmlns:a16="http://schemas.microsoft.com/office/drawing/2014/main" id="{C7152D8B-65A2-4FFB-A085-74E53B5514AD}"/>
+              </a:ext>
+            </a:extLst>
+          </p:cNvPr>
+          <p:cNvSpPr txBox="1"/>
+          <p:nvPr/>
+        </p:nvSpPr>
+        <p:spPr>
+          <a:xfrm>
+            <a:off x="9689387" y="5632201"/>
+            <a:ext cx="1863331" cy="369332"/>
+          </a:xfrm>
+          <a:prstGeom prst="rect">
+            <a:avLst/>
+          </a:prstGeom>
+          <a:noFill/>
+        </p:spPr>
+        <p:txBody>
+          <a:bodyPr wrap="square" rtlCol="0">
+            <a:spAutoFit/>
+          </a:bodyPr>
+          <a:lstStyle/>
+          <a:p>
+            <a:r>
+              <a:rPr lang="pt-BR" dirty="0">
+                <a:latin typeface="Avenir Next LT Pro" panose="020B0504020202020204" pitchFamily="34" charset="0"/>
+              </a:rPr>
+              <a:t>Rennan Aquino</a:t>
+            </a:r>
+          </a:p>
+        </p:txBody>
+      </p:sp>
+      <p:sp>
+        <p:nvSpPr>
+          <p:cNvPr id="38" name="Arc 37">
+            <a:extLst>
+              <a:ext uri="{FF2B5EF4-FFF2-40B4-BE49-F238E27FC236}">
+                <a16:creationId xmlns:a16="http://schemas.microsoft.com/office/drawing/2014/main" id="{34318940-7043-4AB5-9ED1-429189BEBEE6}"/>
+              </a:ext>
+            </a:extLst>
+          </p:cNvPr>
+          <p:cNvSpPr/>
+          <p:nvPr/>
+        </p:nvSpPr>
+        <p:spPr>
+          <a:xfrm rot="6265596">
+            <a:off x="9150484" y="5583050"/>
+            <a:ext cx="732768" cy="685320"/>
+          </a:xfrm>
+          <a:prstGeom prst="arc">
+            <a:avLst/>
+          </a:prstGeom>
+          <a:noFill/>
+          <a:ln>
+            <a:solidFill>
+              <a:srgbClr val="EA68E1"/>
+            </a:solidFill>
+          </a:ln>
+        </p:spPr>
+        <p:style>
+          <a:lnRef idx="1">
+            <a:schemeClr val="accent1"/>
+          </a:lnRef>
+          <a:fillRef idx="0">
+            <a:schemeClr val="accent1"/>
+          </a:fillRef>
+          <a:effectRef idx="0">
+            <a:schemeClr val="accent1"/>
+          </a:effectRef>
+          <a:fontRef idx="minor">
+            <a:schemeClr val="tx1"/>
+          </a:fontRef>
+        </p:style>
+        <p:txBody>
+          <a:bodyPr rtlCol="0" anchor="ctr"/>
+          <a:lstStyle/>
+          <a:p>
+            <a:pPr algn="ctr"/>
+            <a:endParaRPr lang="pt-BR"/>
           </a:p>
         </p:txBody>
       </p:sp>
       <p:pic>
         <p:nvPicPr>
-          <p:cNvPr id="5" name="Picture 4" descr="A picture containing screenshot&#10;&#10;Description automatically generated">
-            <a:extLst>
-              <a:ext uri="{FF2B5EF4-FFF2-40B4-BE49-F238E27FC236}">
-                <a16:creationId xmlns:a16="http://schemas.microsoft.com/office/drawing/2014/main" id="{E69342D9-DC27-47DA-B79C-2E2A2F13A40F}"/>
+          <p:cNvPr id="16" name="Picture 15">
+            <a:extLst>
+              <a:ext uri="{FF2B5EF4-FFF2-40B4-BE49-F238E27FC236}">
+                <a16:creationId xmlns:a16="http://schemas.microsoft.com/office/drawing/2014/main" id="{32A302B4-EE40-4408-87C2-ABD681BE381B}"/>
               </a:ext>
             </a:extLst>
           </p:cNvPr>
@@ -3882,95 +7542,31 @@
           </p:cNvPicPr>
           <p:nvPr/>
         </p:nvPicPr>
-        <p:blipFill>
-          <a:blip r:embed="rId2">
+        <p:blipFill rotWithShape="1">
+          <a:blip r:embed="rId6">
             <a:extLst>
               <a:ext uri="{28A0092B-C50C-407E-A947-70E740481C1C}">
                 <a14:useLocalDpi xmlns:a14="http://schemas.microsoft.com/office/drawing/2010/main" val="0"/>
               </a:ext>
             </a:extLst>
           </a:blip>
-          <a:stretch>
-            <a:fillRect/>
-          </a:stretch>
+          <a:srcRect l="34683" t="10116" r="18513" b="21526"/>
+          <a:stretch/>
         </p:blipFill>
         <p:spPr>
           <a:xfrm>
-            <a:off x="0" y="2801681"/>
-            <a:ext cx="5753528" cy="4056320"/>
+            <a:off x="8063491" y="5154698"/>
+            <a:ext cx="1220707" cy="1242606"/>
           </a:xfrm>
           <a:prstGeom prst="rect">
             <a:avLst/>
           </a:prstGeom>
-          <a:effectLst>
-            <a:innerShdw blurRad="1270000" dist="2260600">
-              <a:schemeClr val="bg1">
-                <a:alpha val="67000"/>
-              </a:schemeClr>
-            </a:innerShdw>
-          </a:effectLst>
         </p:spPr>
       </p:pic>
-      <p:sp>
-        <p:nvSpPr>
-          <p:cNvPr id="3" name="TextBox 2">
-            <a:extLst>
-              <a:ext uri="{FF2B5EF4-FFF2-40B4-BE49-F238E27FC236}">
-                <a16:creationId xmlns:a16="http://schemas.microsoft.com/office/drawing/2014/main" id="{B41BA486-55E0-4BEF-ADD1-63029FAA5C59}"/>
-              </a:ext>
-            </a:extLst>
-          </p:cNvPr>
-          <p:cNvSpPr txBox="1"/>
-          <p:nvPr/>
-        </p:nvSpPr>
-        <p:spPr>
-          <a:xfrm>
-            <a:off x="5244958" y="2298049"/>
-            <a:ext cx="6578449" cy="3170099"/>
-          </a:xfrm>
-          <a:prstGeom prst="rect">
-            <a:avLst/>
-          </a:prstGeom>
-          <a:noFill/>
-        </p:spPr>
-        <p:txBody>
-          <a:bodyPr wrap="square" rtlCol="0">
-            <a:spAutoFit/>
-          </a:bodyPr>
-          <a:lstStyle/>
-          <a:p>
-            <a:pPr algn="ctr"/>
-            <a:r>
-              <a:rPr lang="pt-BR" sz="2000" dirty="0">
-                <a:latin typeface="Avenir Next LT Pro" panose="020B0504020202020204" pitchFamily="34" charset="0"/>
-                <a:cs typeface="Arial" panose="020B0604020202020204" pitchFamily="34" charset="0"/>
-              </a:rPr>
-              <a:t>Nosso projeto consiste em um sistema que monitora funcionários de callcenter para serviços bancários utilizando seus computadores de trabalho como referência. </a:t>
-            </a:r>
-          </a:p>
-          <a:p>
-            <a:pPr algn="ctr"/>
-            <a:endParaRPr lang="pt-BR" sz="2000" dirty="0">
-              <a:latin typeface="Avenir Next LT Pro" panose="020B0504020202020204" pitchFamily="34" charset="0"/>
-              <a:cs typeface="Arial" panose="020B0604020202020204" pitchFamily="34" charset="0"/>
-            </a:endParaRPr>
-          </a:p>
-          <a:p>
-            <a:pPr algn="ctr"/>
-            <a:r>
-              <a:rPr lang="pt-BR" sz="2000" dirty="0">
-                <a:latin typeface="Avenir Next LT Pro" panose="020B0504020202020204" pitchFamily="34" charset="0"/>
-                <a:cs typeface="Arial" panose="020B0604020202020204" pitchFamily="34" charset="0"/>
-              </a:rPr>
-              <a:t>Muitos bancos do Brasil, contratam empresas tercerizadas para atender seus clientes, mas à vários fatores que podem afetar a produtividade do funcionário, como Redes Sociais, jogos, aplicativos fora os de trabalho.</a:t>
-            </a:r>
-          </a:p>
-        </p:txBody>
-      </p:sp>
     </p:spTree>
     <p:extLst>
       <p:ext uri="{BB962C8B-B14F-4D97-AF65-F5344CB8AC3E}">
-        <p14:creationId xmlns:p14="http://schemas.microsoft.com/office/powerpoint/2010/main" val="3104989290"/>
+        <p14:creationId xmlns:p14="http://schemas.microsoft.com/office/powerpoint/2010/main" val="1302303263"/>
       </p:ext>
     </p:extLst>
   </p:cSld>
@@ -4002,7 +7598,7 @@
           <p:cNvPr id="2" name="Title 1">
             <a:extLst>
               <a:ext uri="{FF2B5EF4-FFF2-40B4-BE49-F238E27FC236}">
-                <a16:creationId xmlns:a16="http://schemas.microsoft.com/office/drawing/2014/main" id="{AF33A18D-0020-4192-863C-B42267687CF7}"/>
+                <a16:creationId xmlns:a16="http://schemas.microsoft.com/office/drawing/2014/main" id="{E0C234B3-6C68-46D3-B534-A1F857C368D4}"/>
               </a:ext>
             </a:extLst>
           </p:cNvPr>
@@ -4013,7 +7609,12 @@
             <p:ph type="title"/>
           </p:nvPr>
         </p:nvSpPr>
-        <p:spPr/>
+        <p:spPr>
+          <a:xfrm>
+            <a:off x="838199" y="365125"/>
+            <a:ext cx="4915329" cy="1325563"/>
+          </a:xfrm>
+        </p:spPr>
         <p:txBody>
           <a:bodyPr/>
           <a:lstStyle/>
@@ -4022,15 +7623,177 @@
               <a:rPr lang="pt-BR" b="1" dirty="0">
                 <a:latin typeface="Avenir Next LT Pro" panose="020B0504020202020204" pitchFamily="34" charset="0"/>
               </a:rPr>
-              <a:t>Proto-persona</a:t>
-            </a:r>
-          </a:p>
-        </p:txBody>
-      </p:sp>
+              <a:t>Contextualização</a:t>
+            </a:r>
+          </a:p>
+        </p:txBody>
+      </p:sp>
+      <p:pic>
+        <p:nvPicPr>
+          <p:cNvPr id="5" name="Picture 4" descr="A picture containing screenshot&#10;&#10;Description automatically generated">
+            <a:extLst>
+              <a:ext uri="{FF2B5EF4-FFF2-40B4-BE49-F238E27FC236}">
+                <a16:creationId xmlns:a16="http://schemas.microsoft.com/office/drawing/2014/main" id="{E69342D9-DC27-47DA-B79C-2E2A2F13A40F}"/>
+              </a:ext>
+            </a:extLst>
+          </p:cNvPr>
+          <p:cNvPicPr>
+            <a:picLocks noChangeAspect="1"/>
+          </p:cNvPicPr>
+          <p:nvPr/>
+        </p:nvPicPr>
+        <p:blipFill>
+          <a:blip r:embed="rId2">
+            <a:extLst>
+              <a:ext uri="{BEBA8EAE-BF5A-486C-A8C5-ECC9F3942E4B}">
+                <a14:imgProps xmlns:a14="http://schemas.microsoft.com/office/drawing/2010/main">
+                  <a14:imgLayer r:embed="rId3">
+                    <a14:imgEffect>
+                      <a14:backgroundRemoval t="10000" b="90000" l="10000" r="90000">
+                        <a14:foregroundMark x1="33002" y1="49778" x2="33002" y2="49778"/>
+                        <a14:foregroundMark x1="33189" y1="56573" x2="33002" y2="60414"/>
+                        <a14:foregroundMark x1="33598" y1="48154" x2="33189" y2="56573"/>
+                        <a14:foregroundMark x1="33002" y1="60414" x2="35189" y2="71787"/>
+                        <a14:foregroundMark x1="28231" y1="37518" x2="32306" y2="39291"/>
+                        <a14:foregroundMark x1="25746" y1="87445" x2="27336" y2="87740"/>
+                        <a14:foregroundMark x1="32803" y1="42393" x2="33300" y2="41359"/>
+                        <a14:backgroundMark x1="30815" y1="56573" x2="30815" y2="56573"/>
+                        <a14:backgroundMark x1="30517" y1="55835" x2="30517" y2="55835"/>
+                        <a14:backgroundMark x1="25944" y1="88035" x2="25944" y2="88035"/>
+                      </a14:backgroundRemoval>
+                    </a14:imgEffect>
+                  </a14:imgLayer>
+                </a14:imgProps>
+              </a:ext>
+              <a:ext uri="{28A0092B-C50C-407E-A947-70E740481C1C}">
+                <a14:useLocalDpi xmlns:a14="http://schemas.microsoft.com/office/drawing/2010/main" val="0"/>
+              </a:ext>
+            </a:extLst>
+          </a:blip>
+          <a:stretch>
+            <a:fillRect/>
+          </a:stretch>
+        </p:blipFill>
+        <p:spPr>
+          <a:xfrm>
+            <a:off x="0" y="2904423"/>
+            <a:ext cx="5753528" cy="4056320"/>
+          </a:xfrm>
+          <a:prstGeom prst="rect">
+            <a:avLst/>
+          </a:prstGeom>
+          <a:effectLst>
+            <a:innerShdw blurRad="1270000" dist="2260600">
+              <a:schemeClr val="bg1">
+                <a:alpha val="67000"/>
+              </a:schemeClr>
+            </a:innerShdw>
+          </a:effectLst>
+        </p:spPr>
+      </p:pic>
+      <p:sp>
+        <p:nvSpPr>
+          <p:cNvPr id="3" name="TextBox 2">
+            <a:extLst>
+              <a:ext uri="{FF2B5EF4-FFF2-40B4-BE49-F238E27FC236}">
+                <a16:creationId xmlns:a16="http://schemas.microsoft.com/office/drawing/2014/main" id="{B41BA486-55E0-4BEF-ADD1-63029FAA5C59}"/>
+              </a:ext>
+            </a:extLst>
+          </p:cNvPr>
+          <p:cNvSpPr txBox="1"/>
+          <p:nvPr/>
+        </p:nvSpPr>
+        <p:spPr>
+          <a:xfrm>
+            <a:off x="5244958" y="2298049"/>
+            <a:ext cx="6578449" cy="3170099"/>
+          </a:xfrm>
+          <a:prstGeom prst="rect">
+            <a:avLst/>
+          </a:prstGeom>
+          <a:noFill/>
+        </p:spPr>
+        <p:txBody>
+          <a:bodyPr wrap="square" rtlCol="0">
+            <a:spAutoFit/>
+          </a:bodyPr>
+          <a:lstStyle/>
+          <a:p>
+            <a:pPr algn="ctr"/>
+            <a:r>
+              <a:rPr lang="pt-BR" sz="2000" dirty="0">
+                <a:latin typeface="Avenir Next LT Pro" panose="020B0504020202020204" pitchFamily="34" charset="0"/>
+                <a:cs typeface="Arial" panose="020B0604020202020204" pitchFamily="34" charset="0"/>
+              </a:rPr>
+              <a:t>Nosso projeto consiste em um sistema que monitora funcionários de callcenter para serviços bancários utilizando seus computadores de trabalho como referência. </a:t>
+            </a:r>
+          </a:p>
+          <a:p>
+            <a:pPr algn="ctr"/>
+            <a:endParaRPr lang="pt-BR" sz="2000" dirty="0">
+              <a:latin typeface="Avenir Next LT Pro" panose="020B0504020202020204" pitchFamily="34" charset="0"/>
+              <a:cs typeface="Arial" panose="020B0604020202020204" pitchFamily="34" charset="0"/>
+            </a:endParaRPr>
+          </a:p>
+          <a:p>
+            <a:pPr algn="ctr"/>
+            <a:r>
+              <a:rPr lang="pt-BR" sz="2000" dirty="0">
+                <a:latin typeface="Avenir Next LT Pro" panose="020B0504020202020204" pitchFamily="34" charset="0"/>
+                <a:cs typeface="Arial" panose="020B0604020202020204" pitchFamily="34" charset="0"/>
+              </a:rPr>
+              <a:t>Muitos bancos do Brasil, contratam empresas tercerizadas para atender seus clientes, mas à vários fatores que podem afetar a produtividade do funcionário, como Redes Sociais, jogos, aplicativos fora os de trabalho.</a:t>
+            </a:r>
+          </a:p>
+        </p:txBody>
+      </p:sp>
+      <p:cxnSp>
+        <p:nvCxnSpPr>
+          <p:cNvPr id="6" name="Straight Connector 5">
+            <a:extLst>
+              <a:ext uri="{FF2B5EF4-FFF2-40B4-BE49-F238E27FC236}">
+                <a16:creationId xmlns:a16="http://schemas.microsoft.com/office/drawing/2014/main" id="{276865A8-7901-4754-AD68-947127DF98D8}"/>
+              </a:ext>
+            </a:extLst>
+          </p:cNvPr>
+          <p:cNvCxnSpPr>
+            <a:cxnSpLocks/>
+          </p:cNvCxnSpPr>
+          <p:nvPr/>
+        </p:nvCxnSpPr>
+        <p:spPr>
+          <a:xfrm>
+            <a:off x="2923953" y="1401256"/>
+            <a:ext cx="2700670" cy="0"/>
+          </a:xfrm>
+          <a:prstGeom prst="line">
+            <a:avLst/>
+          </a:prstGeom>
+          <a:ln w="76200">
+            <a:solidFill>
+              <a:srgbClr val="ED65F0"/>
+            </a:solidFill>
+          </a:ln>
+        </p:spPr>
+        <p:style>
+          <a:lnRef idx="1">
+            <a:schemeClr val="accent1"/>
+          </a:lnRef>
+          <a:fillRef idx="0">
+            <a:schemeClr val="accent1"/>
+          </a:fillRef>
+          <a:effectRef idx="0">
+            <a:schemeClr val="accent1"/>
+          </a:effectRef>
+          <a:fontRef idx="minor">
+            <a:schemeClr val="tx1"/>
+          </a:fontRef>
+        </p:style>
+      </p:cxnSp>
     </p:spTree>
     <p:extLst>
       <p:ext uri="{BB962C8B-B14F-4D97-AF65-F5344CB8AC3E}">
-        <p14:creationId xmlns:p14="http://schemas.microsoft.com/office/powerpoint/2010/main" val="3539457716"/>
+        <p14:creationId xmlns:p14="http://schemas.microsoft.com/office/powerpoint/2010/main" val="3104989290"/>
       </p:ext>
     </p:extLst>
   </p:cSld>
@@ -4062,7 +7825,7 @@
           <p:cNvPr id="2" name="Title 1">
             <a:extLst>
               <a:ext uri="{FF2B5EF4-FFF2-40B4-BE49-F238E27FC236}">
-                <a16:creationId xmlns:a16="http://schemas.microsoft.com/office/drawing/2014/main" id="{5556E71C-E529-46CB-9A4B-DAFFF35077C3}"/>
+                <a16:creationId xmlns:a16="http://schemas.microsoft.com/office/drawing/2014/main" id="{AF33A18D-0020-4192-863C-B42267687CF7}"/>
               </a:ext>
             </a:extLst>
           </p:cNvPr>
@@ -4082,15 +7845,300 @@
               <a:rPr lang="pt-BR" b="1" dirty="0">
                 <a:latin typeface="Avenir Next LT Pro" panose="020B0504020202020204" pitchFamily="34" charset="0"/>
               </a:rPr>
-              <a:t>Inovação</a:t>
-            </a:r>
+              <a:t>Proto-persona</a:t>
+            </a:r>
+          </a:p>
+        </p:txBody>
+      </p:sp>
+      <p:cxnSp>
+        <p:nvCxnSpPr>
+          <p:cNvPr id="3" name="Straight Connector 2">
+            <a:extLst>
+              <a:ext uri="{FF2B5EF4-FFF2-40B4-BE49-F238E27FC236}">
+                <a16:creationId xmlns:a16="http://schemas.microsoft.com/office/drawing/2014/main" id="{C9BCBD0D-E664-494B-8997-4D36F1FAA7B6}"/>
+              </a:ext>
+            </a:extLst>
+          </p:cNvPr>
+          <p:cNvCxnSpPr>
+            <a:cxnSpLocks/>
+          </p:cNvCxnSpPr>
+          <p:nvPr/>
+        </p:nvCxnSpPr>
+        <p:spPr>
+          <a:xfrm flipH="1">
+            <a:off x="2578813" y="1383536"/>
+            <a:ext cx="2173942" cy="0"/>
+          </a:xfrm>
+          <a:prstGeom prst="line">
+            <a:avLst/>
+          </a:prstGeom>
+          <a:ln w="76200">
+            <a:solidFill>
+              <a:srgbClr val="ED65F0"/>
+            </a:solidFill>
+          </a:ln>
+        </p:spPr>
+        <p:style>
+          <a:lnRef idx="1">
+            <a:schemeClr val="accent1"/>
+          </a:lnRef>
+          <a:fillRef idx="0">
+            <a:schemeClr val="accent1"/>
+          </a:fillRef>
+          <a:effectRef idx="0">
+            <a:schemeClr val="accent1"/>
+          </a:effectRef>
+          <a:fontRef idx="minor">
+            <a:schemeClr val="tx1"/>
+          </a:fontRef>
+        </p:style>
+      </p:cxnSp>
+      <p:pic>
+        <p:nvPicPr>
+          <p:cNvPr id="5" name="Picture 4" descr="Shape, square&#10;&#10;Description automatically generated">
+            <a:extLst>
+              <a:ext uri="{FF2B5EF4-FFF2-40B4-BE49-F238E27FC236}">
+                <a16:creationId xmlns:a16="http://schemas.microsoft.com/office/drawing/2014/main" id="{6B6071F1-630C-4CEE-8862-3DA5DA9D5E9E}"/>
+              </a:ext>
+            </a:extLst>
+          </p:cNvPr>
+          <p:cNvPicPr>
+            <a:picLocks noChangeAspect="1"/>
+          </p:cNvPicPr>
+          <p:nvPr/>
+        </p:nvPicPr>
+        <p:blipFill>
+          <a:blip r:embed="rId2">
+            <a:extLst>
+              <a:ext uri="{BEBA8EAE-BF5A-486C-A8C5-ECC9F3942E4B}">
+                <a14:imgProps xmlns:a14="http://schemas.microsoft.com/office/drawing/2010/main">
+                  <a14:imgLayer r:embed="rId3">
+                    <a14:imgEffect>
+                      <a14:backgroundRemoval t="10000" b="90000" l="10000" r="90000"/>
+                    </a14:imgEffect>
+                  </a14:imgLayer>
+                </a14:imgProps>
+              </a:ext>
+              <a:ext uri="{28A0092B-C50C-407E-A947-70E740481C1C}">
+                <a14:useLocalDpi xmlns:a14="http://schemas.microsoft.com/office/drawing/2010/main" val="0"/>
+              </a:ext>
+            </a:extLst>
+          </a:blip>
+          <a:stretch>
+            <a:fillRect/>
+          </a:stretch>
+        </p:blipFill>
+        <p:spPr>
+          <a:xfrm>
+            <a:off x="6692900" y="3256509"/>
+            <a:ext cx="5806421" cy="3236366"/>
+          </a:xfrm>
+          <a:prstGeom prst="rect">
+            <a:avLst/>
+          </a:prstGeom>
+        </p:spPr>
+      </p:pic>
+      <p:sp>
+        <p:nvSpPr>
+          <p:cNvPr id="6" name="TextBox 5">
+            <a:extLst>
+              <a:ext uri="{FF2B5EF4-FFF2-40B4-BE49-F238E27FC236}">
+                <a16:creationId xmlns:a16="http://schemas.microsoft.com/office/drawing/2014/main" id="{A91B5CA6-1482-4F84-B22B-E7B415E5D55F}"/>
+              </a:ext>
+            </a:extLst>
+          </p:cNvPr>
+          <p:cNvSpPr txBox="1"/>
+          <p:nvPr/>
+        </p:nvSpPr>
+        <p:spPr>
+          <a:xfrm>
+            <a:off x="419100" y="1690688"/>
+            <a:ext cx="10194907" cy="5078313"/>
+          </a:xfrm>
+          <a:prstGeom prst="rect">
+            <a:avLst/>
+          </a:prstGeom>
+          <a:noFill/>
+        </p:spPr>
+        <p:txBody>
+          <a:bodyPr wrap="none" rtlCol="0">
+            <a:spAutoFit/>
+          </a:bodyPr>
+          <a:lstStyle/>
+          <a:p>
+            <a:pPr fontAlgn="base"/>
+            <a:r>
+              <a:rPr lang="pt-BR" dirty="0">
+                <a:latin typeface="Avenir Next LT Pro" panose="020B0504020202020204" pitchFamily="34" charset="0"/>
+              </a:rPr>
+              <a:t>Pro- Persona Profissional de Infraestrutura em TI </a:t>
+            </a:r>
+          </a:p>
+          <a:p>
+            <a:pPr fontAlgn="base"/>
+            <a:r>
+              <a:rPr lang="pt-BR" dirty="0">
+                <a:latin typeface="Avenir Next LT Pro" panose="020B0504020202020204" pitchFamily="34" charset="0"/>
+              </a:rPr>
+              <a:t>Homem, 30 a 45 anos, Consultor. </a:t>
+            </a:r>
+          </a:p>
+          <a:p>
+            <a:pPr fontAlgn="base"/>
+            <a:r>
+              <a:rPr lang="pt-BR" dirty="0">
+                <a:latin typeface="Avenir Next LT Pro" panose="020B0504020202020204" pitchFamily="34" charset="0"/>
+              </a:rPr>
+              <a:t> </a:t>
+            </a:r>
+          </a:p>
+          <a:p>
+            <a:pPr fontAlgn="base"/>
+            <a:r>
+              <a:rPr lang="pt-BR" dirty="0">
+                <a:latin typeface="Avenir Next LT Pro" panose="020B0504020202020204" pitchFamily="34" charset="0"/>
+              </a:rPr>
+              <a:t>Sair com a família, assistir futebol, Estudar, Passear com o cachorro, Viajar aos finais de semana. </a:t>
+            </a:r>
+          </a:p>
+          <a:p>
+            <a:pPr fontAlgn="base"/>
+            <a:r>
+              <a:rPr lang="pt-BR" dirty="0">
+                <a:latin typeface="Avenir Next LT Pro" panose="020B0504020202020204" pitchFamily="34" charset="0"/>
+              </a:rPr>
+              <a:t> </a:t>
+            </a:r>
+          </a:p>
+          <a:p>
+            <a:pPr fontAlgn="base"/>
+            <a:r>
+              <a:rPr lang="pt-BR" b="1" dirty="0">
+                <a:latin typeface="Avenir Next LT Pro" panose="020B0504020202020204" pitchFamily="34" charset="0"/>
+              </a:rPr>
+              <a:t>Dores:</a:t>
+            </a:r>
+            <a:r>
+              <a:rPr lang="pt-BR" dirty="0">
+                <a:latin typeface="Avenir Next LT Pro" panose="020B0504020202020204" pitchFamily="34" charset="0"/>
+              </a:rPr>
+              <a:t>  (Suas dores no Home office) </a:t>
+            </a:r>
+          </a:p>
+          <a:p>
+            <a:pPr fontAlgn="base"/>
+            <a:r>
+              <a:rPr lang="pt-BR" dirty="0">
+                <a:latin typeface="Avenir Next LT Pro" panose="020B0504020202020204" pitchFamily="34" charset="0"/>
+              </a:rPr>
+              <a:t>- Estresse. </a:t>
+            </a:r>
+          </a:p>
+          <a:p>
+            <a:pPr fontAlgn="base"/>
+            <a:r>
+              <a:rPr lang="pt-BR" dirty="0">
+                <a:latin typeface="Avenir Next LT Pro" panose="020B0504020202020204" pitchFamily="34" charset="0"/>
+              </a:rPr>
+              <a:t>- Má organização na infraestrutura. </a:t>
+            </a:r>
+          </a:p>
+          <a:p>
+            <a:pPr fontAlgn="base"/>
+            <a:r>
+              <a:rPr lang="pt-BR" dirty="0">
+                <a:latin typeface="Avenir Next LT Pro" panose="020B0504020202020204" pitchFamily="34" charset="0"/>
+              </a:rPr>
+              <a:t>- Trabalho em excesso. </a:t>
+            </a:r>
+          </a:p>
+          <a:p>
+            <a:pPr fontAlgn="base"/>
+            <a:r>
+              <a:rPr lang="pt-BR" dirty="0">
+                <a:latin typeface="Avenir Next LT Pro" panose="020B0504020202020204" pitchFamily="34" charset="0"/>
+              </a:rPr>
+              <a:t>- Barulhos externos (rua, cachorro, barulho de filhos/irmãos(a) etc). </a:t>
+            </a:r>
+          </a:p>
+          <a:p>
+            <a:pPr fontAlgn="base"/>
+            <a:r>
+              <a:rPr lang="pt-BR" dirty="0">
+                <a:latin typeface="Avenir Next LT Pro" panose="020B0504020202020204" pitchFamily="34" charset="0"/>
+              </a:rPr>
+              <a:t>- Poucas horas de sono. </a:t>
+            </a:r>
+          </a:p>
+          <a:p>
+            <a:pPr fontAlgn="base"/>
+            <a:r>
+              <a:rPr lang="pt-BR" dirty="0">
+                <a:latin typeface="Avenir Next LT Pro" panose="020B0504020202020204" pitchFamily="34" charset="0"/>
+              </a:rPr>
+              <a:t>-Hábitos alimentares ruins. </a:t>
+            </a:r>
+          </a:p>
+          <a:p>
+            <a:pPr fontAlgn="base"/>
+            <a:r>
+              <a:rPr lang="pt-BR" dirty="0">
+                <a:latin typeface="Avenir Next LT Pro" panose="020B0504020202020204" pitchFamily="34" charset="0"/>
+              </a:rPr>
+              <a:t>  </a:t>
+            </a:r>
+          </a:p>
+          <a:p>
+            <a:pPr fontAlgn="base"/>
+            <a:r>
+              <a:rPr lang="pt-BR" b="1" dirty="0">
+                <a:latin typeface="Avenir Next LT Pro" panose="020B0504020202020204" pitchFamily="34" charset="0"/>
+              </a:rPr>
+              <a:t>Solução: </a:t>
+            </a:r>
+            <a:r>
+              <a:rPr lang="pt-BR" dirty="0">
+                <a:latin typeface="Avenir Next LT Pro" panose="020B0504020202020204" pitchFamily="34" charset="0"/>
+              </a:rPr>
+              <a:t> </a:t>
+            </a:r>
+          </a:p>
+          <a:p>
+            <a:pPr fontAlgn="base"/>
+            <a:r>
+              <a:rPr lang="pt-BR" dirty="0">
+                <a:latin typeface="Avenir Next LT Pro" panose="020B0504020202020204" pitchFamily="34" charset="0"/>
+              </a:rPr>
+              <a:t>Oferecer treinamento qualificado para equipe de Infra </a:t>
+            </a:r>
+          </a:p>
+          <a:p>
+            <a:pPr fontAlgn="base"/>
+            <a:r>
+              <a:rPr lang="pt-BR" dirty="0">
+                <a:latin typeface="Avenir Next LT Pro" panose="020B0504020202020204" pitchFamily="34" charset="0"/>
+              </a:rPr>
+              <a:t>Administrar melhor seu horário de trabalho </a:t>
+            </a:r>
+          </a:p>
+          <a:p>
+            <a:pPr fontAlgn="base"/>
+            <a:r>
+              <a:rPr lang="pt-BR" dirty="0">
+                <a:latin typeface="Avenir Next LT Pro" panose="020B0504020202020204" pitchFamily="34" charset="0"/>
+              </a:rPr>
+              <a:t>Praticar algum hobby novo ou esporte para melhorar seus hábitos </a:t>
+            </a:r>
+          </a:p>
+          <a:p>
+            <a:endParaRPr lang="pt-BR" dirty="0"/>
           </a:p>
         </p:txBody>
       </p:sp>
     </p:spTree>
     <p:extLst>
       <p:ext uri="{BB962C8B-B14F-4D97-AF65-F5344CB8AC3E}">
-        <p14:creationId xmlns:p14="http://schemas.microsoft.com/office/powerpoint/2010/main" val="2373568112"/>
+        <p14:creationId xmlns:p14="http://schemas.microsoft.com/office/powerpoint/2010/main" val="3539457716"/>
       </p:ext>
     </p:extLst>
   </p:cSld>
@@ -4122,7 +8170,7 @@
           <p:cNvPr id="2" name="Title 1">
             <a:extLst>
               <a:ext uri="{FF2B5EF4-FFF2-40B4-BE49-F238E27FC236}">
-                <a16:creationId xmlns:a16="http://schemas.microsoft.com/office/drawing/2014/main" id="{7F4D3960-4A4B-4F02-BFF9-9C2BB23D9E2C}"/>
+                <a16:creationId xmlns:a16="http://schemas.microsoft.com/office/drawing/2014/main" id="{5556E71C-E529-46CB-9A4B-DAFFF35077C3}"/>
               </a:ext>
             </a:extLst>
           </p:cNvPr>
@@ -4142,15 +8190,272 @@
               <a:rPr lang="pt-BR" b="1" dirty="0">
                 <a:latin typeface="Avenir Next LT Pro" panose="020B0504020202020204" pitchFamily="34" charset="0"/>
               </a:rPr>
-              <a:t>Storyboard</a:t>
-            </a:r>
+              <a:t>Inovação</a:t>
+            </a:r>
+          </a:p>
+        </p:txBody>
+      </p:sp>
+      <p:cxnSp>
+        <p:nvCxnSpPr>
+          <p:cNvPr id="3" name="Straight Connector 2">
+            <a:extLst>
+              <a:ext uri="{FF2B5EF4-FFF2-40B4-BE49-F238E27FC236}">
+                <a16:creationId xmlns:a16="http://schemas.microsoft.com/office/drawing/2014/main" id="{C3E5677C-DA8C-4CC6-B805-D7E07E5DBB51}"/>
+              </a:ext>
+            </a:extLst>
+          </p:cNvPr>
+          <p:cNvCxnSpPr>
+            <a:cxnSpLocks/>
+          </p:cNvCxnSpPr>
+          <p:nvPr/>
+        </p:nvCxnSpPr>
+        <p:spPr>
+          <a:xfrm flipH="1">
+            <a:off x="1913860" y="1383536"/>
+            <a:ext cx="1435397" cy="0"/>
+          </a:xfrm>
+          <a:prstGeom prst="line">
+            <a:avLst/>
+          </a:prstGeom>
+          <a:ln w="76200">
+            <a:solidFill>
+              <a:srgbClr val="ED65F0"/>
+            </a:solidFill>
+          </a:ln>
+        </p:spPr>
+        <p:style>
+          <a:lnRef idx="1">
+            <a:schemeClr val="accent1"/>
+          </a:lnRef>
+          <a:fillRef idx="0">
+            <a:schemeClr val="accent1"/>
+          </a:fillRef>
+          <a:effectRef idx="0">
+            <a:schemeClr val="accent1"/>
+          </a:effectRef>
+          <a:fontRef idx="minor">
+            <a:schemeClr val="tx1"/>
+          </a:fontRef>
+        </p:style>
+      </p:cxnSp>
+      <p:sp>
+        <p:nvSpPr>
+          <p:cNvPr id="4" name="TextBox 3">
+            <a:extLst>
+              <a:ext uri="{FF2B5EF4-FFF2-40B4-BE49-F238E27FC236}">
+                <a16:creationId xmlns:a16="http://schemas.microsoft.com/office/drawing/2014/main" id="{8A9BA95C-DC78-4307-960F-789CBF8C82FD}"/>
+              </a:ext>
+            </a:extLst>
+          </p:cNvPr>
+          <p:cNvSpPr txBox="1"/>
+          <p:nvPr/>
+        </p:nvSpPr>
+        <p:spPr>
+          <a:xfrm>
+            <a:off x="5894988" y="3105834"/>
+            <a:ext cx="2951449" cy="646331"/>
+          </a:xfrm>
+          <a:prstGeom prst="rect">
+            <a:avLst/>
+          </a:prstGeom>
+          <a:noFill/>
+        </p:spPr>
+        <p:txBody>
+          <a:bodyPr wrap="none" rtlCol="0">
+            <a:spAutoFit/>
+          </a:bodyPr>
+          <a:lstStyle/>
+          <a:p>
+            <a:r>
+              <a:rPr lang="pt-BR" sz="3600" dirty="0">
+                <a:latin typeface="Avenir Next LT Pro" panose="020B0504020202020204" pitchFamily="34" charset="0"/>
+              </a:rPr>
+              <a:t>Gameficação</a:t>
+            </a:r>
+          </a:p>
+        </p:txBody>
+      </p:sp>
+      <p:pic>
+        <p:nvPicPr>
+          <p:cNvPr id="8" name="Picture 7" descr="A picture containing application&#10;&#10;Description automatically generated">
+            <a:extLst>
+              <a:ext uri="{FF2B5EF4-FFF2-40B4-BE49-F238E27FC236}">
+                <a16:creationId xmlns:a16="http://schemas.microsoft.com/office/drawing/2014/main" id="{2AE9D1B5-2617-4626-BA02-98E95D71383C}"/>
+              </a:ext>
+            </a:extLst>
+          </p:cNvPr>
+          <p:cNvPicPr>
+            <a:picLocks noChangeAspect="1"/>
+          </p:cNvPicPr>
+          <p:nvPr/>
+        </p:nvPicPr>
+        <p:blipFill>
+          <a:blip r:embed="rId2">
+            <a:extLst>
+              <a:ext uri="{BEBA8EAE-BF5A-486C-A8C5-ECC9F3942E4B}">
+                <a14:imgProps xmlns:a14="http://schemas.microsoft.com/office/drawing/2010/main">
+                  <a14:imgLayer r:embed="rId3">
+                    <a14:imgEffect>
+                      <a14:backgroundRemoval t="10000" b="90000" l="10000" r="90000">
+                        <a14:foregroundMark x1="37640" y1="52228" x2="38932" y2="76114"/>
+                        <a14:foregroundMark x1="34884" y1="74257" x2="36090" y2="60396"/>
+                        <a14:foregroundMark x1="37960" y1="45668" x2="36520" y2="47277"/>
+                        <a14:foregroundMark x1="38473" y1="45095" x2="37960" y2="45668"/>
+                        <a14:foregroundMark x1="35008" y1="49671" x2="35056" y2="50495"/>
+                        <a14:foregroundMark x1="34811" y1="45456" x2="34523" y2="44554"/>
+                        <a14:foregroundMark x1="36362" y1="42727" x2="36176" y2="42079"/>
+                        <a14:foregroundMark x1="37209" y1="45668" x2="37043" y2="45093"/>
+                        <a14:foregroundMark x1="42291" y1="49876" x2="40655" y2="51361"/>
+                        <a14:foregroundMark x1="42136" y1="49953" x2="40310" y2="52475"/>
+                        <a14:foregroundMark x1="42123" y1="49932" x2="40396" y2="52104"/>
+                        <a14:foregroundMark x1="34767" y1="49702" x2="34798" y2="50248"/>
+                        <a14:foregroundMark x1="24892" y1="22649" x2="24892" y2="80941"/>
+                        <a14:foregroundMark x1="24892" y1="80941" x2="28510" y2="86510"/>
+                        <a14:foregroundMark x1="28510" y1="86510" x2="54005" y2="84282"/>
+                        <a14:foregroundMark x1="54005" y1="84282" x2="57364" y2="78094"/>
+                        <a14:foregroundMark x1="57364" y1="78094" x2="52283" y2="22649"/>
+                        <a14:foregroundMark x1="52283" y1="22649" x2="24548" y2="22649"/>
+                        <a14:foregroundMark x1="56934" y1="79579" x2="72610" y2="84406"/>
+                        <a14:foregroundMark x1="72610" y1="84406" x2="75797" y2="78342"/>
+                        <a14:foregroundMark x1="75797" y1="78342" x2="84152" y2="29703"/>
+                        <a14:foregroundMark x1="84152" y1="29703" x2="80534" y2="22896"/>
+                        <a14:foregroundMark x1="80534" y1="22896" x2="61154" y2="17946"/>
+                        <a14:foregroundMark x1="61154" y1="17946" x2="56158" y2="19431"/>
+                        <a14:foregroundMark x1="56158" y1="19431" x2="54953" y2="29455"/>
+                        <a14:foregroundMark x1="37984" y1="35272" x2="31094" y2="41708"/>
+                        <a14:foregroundMark x1="31094" y1="41708" x2="28510" y2="53218"/>
+                        <a14:foregroundMark x1="28510" y1="53218" x2="30060" y2="60149"/>
+                        <a14:foregroundMark x1="30060" y1="60149" x2="33333" y2="65470"/>
+                        <a14:foregroundMark x1="33333" y1="65470" x2="42033" y2="65594"/>
+                        <a14:foregroundMark x1="42033" y1="65594" x2="46339" y2="60149"/>
+                        <a14:foregroundMark x1="46339" y1="60149" x2="48837" y2="54084"/>
+                        <a14:foregroundMark x1="48837" y1="54084" x2="49009" y2="47030"/>
+                        <a14:foregroundMark x1="49009" y1="47030" x2="46684" y2="40594"/>
+                        <a14:foregroundMark x1="46684" y1="40594" x2="40482" y2="33787"/>
+                        <a14:foregroundMark x1="40482" y1="33787" x2="37984" y2="32550"/>
+                        <a14:foregroundMark x1="35917" y1="46658" x2="37382" y2="39604"/>
+                        <a14:foregroundMark x1="37382" y1="39604" x2="43755" y2="43564"/>
+                        <a14:foregroundMark x1="43755" y1="43564" x2="41947" y2="50371"/>
+                        <a14:foregroundMark x1="41947" y1="50371" x2="36865" y2="52228"/>
+                        <a14:foregroundMark x1="36865" y1="52228" x2="31955" y2="44554"/>
+                        <a14:foregroundMark x1="31955" y1="44554" x2="36693" y2="40470"/>
+                        <a14:foregroundMark x1="36693" y1="40470" x2="40310" y2="46906"/>
+                        <a14:foregroundMark x1="40310" y1="46906" x2="33419" y2="50743"/>
+                        <a14:foregroundMark x1="33419" y1="50743" x2="32903" y2="42822"/>
+                        <a14:foregroundMark x1="32903" y1="42822" x2="40310" y2="43564"/>
+                        <a14:foregroundMark x1="40310" y1="43564" x2="35142" y2="47525"/>
+                        <a14:foregroundMark x1="35142" y1="47525" x2="39104" y2="41584"/>
+                        <a14:foregroundMark x1="39104" y1="41584" x2="34884" y2="47153"/>
+                        <a14:foregroundMark x1="34884" y1="47153" x2="40741" y2="43812"/>
+                        <a14:foregroundMark x1="40741" y1="43812" x2="36434" y2="49505"/>
+                        <a14:foregroundMark x1="36434" y1="49505" x2="40741" y2="46658"/>
+                        <a14:foregroundMark x1="45134" y1="80817" x2="45736" y2="81064"/>
+                        <a14:foregroundMark x1="51163" y1="68317" x2="68734" y2="71782"/>
+                        <a14:foregroundMark x1="68734" y1="71782" x2="60379" y2="75124"/>
+                        <a14:foregroundMark x1="60379" y1="75124" x2="65289" y2="74752"/>
+                        <a14:foregroundMark x1="65289" y1="74752" x2="61757" y2="80074"/>
+                        <a14:foregroundMark x1="61757" y1="80074" x2="69509" y2="77599"/>
+                        <a14:foregroundMark x1="69509" y1="77599" x2="63307" y2="75866"/>
+                        <a14:foregroundMark x1="63307" y1="75866" x2="66494" y2="69431"/>
+                        <a14:foregroundMark x1="66494" y1="69431" x2="59345" y2="66089"/>
+                        <a14:foregroundMark x1="59345" y1="66089" x2="72610" y2="59653"/>
+                        <a14:foregroundMark x1="72610" y1="59653" x2="61154" y2="61139"/>
+                        <a14:foregroundMark x1="61154" y1="61139" x2="78122" y2="54950"/>
+                        <a14:foregroundMark x1="78122" y1="54950" x2="59087" y2="52475"/>
+                        <a14:foregroundMark x1="59087" y1="52475" x2="71835" y2="46411"/>
+                        <a14:foregroundMark x1="71835" y1="46411" x2="65289" y2="45668"/>
+                        <a14:foregroundMark x1="65289" y1="45668" x2="76141" y2="40223"/>
+                        <a14:foregroundMark x1="76141" y1="40223" x2="58742" y2="38614"/>
+                        <a14:foregroundMark x1="58742" y1="38614" x2="74677" y2="35520"/>
+                        <a14:foregroundMark x1="74677" y1="35520" x2="58570" y2="34653"/>
+                        <a14:foregroundMark x1="58570" y1="34653" x2="72524" y2="32673"/>
+                        <a14:foregroundMark x1="72524" y1="32673" x2="58656" y2="30693"/>
+                        <a14:foregroundMark x1="58656" y1="30693" x2="75797" y2="25000"/>
+                        <a14:foregroundMark x1="75797" y1="25000" x2="59345" y2="24257"/>
+                        <a14:foregroundMark x1="59345" y1="24257" x2="59604" y2="24629"/>
+                        <a14:foregroundMark x1="13953" y1="87005" x2="14815" y2="83787"/>
+                      </a14:backgroundRemoval>
+                    </a14:imgEffect>
+                  </a14:imgLayer>
+                </a14:imgProps>
+              </a:ext>
+              <a:ext uri="{28A0092B-C50C-407E-A947-70E740481C1C}">
+                <a14:useLocalDpi xmlns:a14="http://schemas.microsoft.com/office/drawing/2010/main" val="0"/>
+              </a:ext>
+            </a:extLst>
+          </a:blip>
+          <a:stretch>
+            <a:fillRect/>
+          </a:stretch>
+        </p:blipFill>
+        <p:spPr>
+          <a:xfrm>
+            <a:off x="0" y="2505076"/>
+            <a:ext cx="5729994" cy="3987799"/>
+          </a:xfrm>
+          <a:prstGeom prst="rect">
+            <a:avLst/>
+          </a:prstGeom>
+        </p:spPr>
+      </p:pic>
+      <p:sp>
+        <p:nvSpPr>
+          <p:cNvPr id="9" name="Oval 8">
+            <a:extLst>
+              <a:ext uri="{FF2B5EF4-FFF2-40B4-BE49-F238E27FC236}">
+                <a16:creationId xmlns:a16="http://schemas.microsoft.com/office/drawing/2014/main" id="{CE5C42AC-283B-4C7D-B2DE-5B23405F4D79}"/>
+              </a:ext>
+            </a:extLst>
+          </p:cNvPr>
+          <p:cNvSpPr/>
+          <p:nvPr/>
+        </p:nvSpPr>
+        <p:spPr>
+          <a:xfrm>
+            <a:off x="5699171" y="3379121"/>
+            <a:ext cx="99756" cy="99756"/>
+          </a:xfrm>
+          <a:prstGeom prst="ellipse">
+            <a:avLst/>
+          </a:prstGeom>
+          <a:solidFill>
+            <a:srgbClr val="EA68E1"/>
+          </a:solidFill>
+          <a:ln>
+            <a:solidFill>
+              <a:srgbClr val="EA68E1"/>
+            </a:solidFill>
+          </a:ln>
+        </p:spPr>
+        <p:style>
+          <a:lnRef idx="2">
+            <a:schemeClr val="accent1">
+              <a:shade val="50000"/>
+            </a:schemeClr>
+          </a:lnRef>
+          <a:fillRef idx="1">
+            <a:schemeClr val="accent1"/>
+          </a:fillRef>
+          <a:effectRef idx="0">
+            <a:schemeClr val="accent1"/>
+          </a:effectRef>
+          <a:fontRef idx="minor">
+            <a:schemeClr val="lt1"/>
+          </a:fontRef>
+        </p:style>
+        <p:txBody>
+          <a:bodyPr rtlCol="0" anchor="ctr"/>
+          <a:lstStyle/>
+          <a:p>
+            <a:pPr algn="ctr"/>
+            <a:endParaRPr lang="pt-BR"/>
           </a:p>
         </p:txBody>
       </p:sp>
     </p:spTree>
     <p:extLst>
       <p:ext uri="{BB962C8B-B14F-4D97-AF65-F5344CB8AC3E}">
-        <p14:creationId xmlns:p14="http://schemas.microsoft.com/office/powerpoint/2010/main" val="2506092892"/>
+        <p14:creationId xmlns:p14="http://schemas.microsoft.com/office/powerpoint/2010/main" val="2373568112"/>
       </p:ext>
     </p:extLst>
   </p:cSld>
@@ -4182,7 +8487,7 @@
           <p:cNvPr id="2" name="Title 1">
             <a:extLst>
               <a:ext uri="{FF2B5EF4-FFF2-40B4-BE49-F238E27FC236}">
-                <a16:creationId xmlns:a16="http://schemas.microsoft.com/office/drawing/2014/main" id="{E94B8F3A-0CC3-4A54-B3BC-2426DB59F767}"/>
+                <a16:creationId xmlns:a16="http://schemas.microsoft.com/office/drawing/2014/main" id="{7F4D3960-4A4B-4F02-BFF9-9C2BB23D9E2C}"/>
               </a:ext>
             </a:extLst>
           </p:cNvPr>
@@ -4202,15 +8507,147 @@
               <a:rPr lang="pt-BR" b="1" dirty="0">
                 <a:latin typeface="Avenir Next LT Pro" panose="020B0504020202020204" pitchFamily="34" charset="0"/>
               </a:rPr>
-              <a:t>Canvas</a:t>
-            </a:r>
-          </a:p>
-        </p:txBody>
-      </p:sp>
+              <a:t>Storyboard</a:t>
+            </a:r>
+          </a:p>
+        </p:txBody>
+      </p:sp>
+      <p:cxnSp>
+        <p:nvCxnSpPr>
+          <p:cNvPr id="3" name="Straight Connector 2">
+            <a:extLst>
+              <a:ext uri="{FF2B5EF4-FFF2-40B4-BE49-F238E27FC236}">
+                <a16:creationId xmlns:a16="http://schemas.microsoft.com/office/drawing/2014/main" id="{8BB5BE87-0F10-438B-9A7E-3BFF019499AA}"/>
+              </a:ext>
+            </a:extLst>
+          </p:cNvPr>
+          <p:cNvCxnSpPr>
+            <a:cxnSpLocks/>
+          </p:cNvCxnSpPr>
+          <p:nvPr/>
+        </p:nvCxnSpPr>
+        <p:spPr>
+          <a:xfrm flipH="1">
+            <a:off x="2317898" y="1415434"/>
+            <a:ext cx="1626783" cy="0"/>
+          </a:xfrm>
+          <a:prstGeom prst="line">
+            <a:avLst/>
+          </a:prstGeom>
+          <a:ln w="76200">
+            <a:solidFill>
+              <a:srgbClr val="ED65F0"/>
+            </a:solidFill>
+          </a:ln>
+        </p:spPr>
+        <p:style>
+          <a:lnRef idx="1">
+            <a:schemeClr val="accent1"/>
+          </a:lnRef>
+          <a:fillRef idx="0">
+            <a:schemeClr val="accent1"/>
+          </a:fillRef>
+          <a:effectRef idx="0">
+            <a:schemeClr val="accent1"/>
+          </a:effectRef>
+          <a:fontRef idx="minor">
+            <a:schemeClr val="tx1"/>
+          </a:fontRef>
+        </p:style>
+      </p:cxnSp>
+      <p:sp>
+        <p:nvSpPr>
+          <p:cNvPr id="33" name="Arc 32">
+            <a:extLst>
+              <a:ext uri="{FF2B5EF4-FFF2-40B4-BE49-F238E27FC236}">
+                <a16:creationId xmlns:a16="http://schemas.microsoft.com/office/drawing/2014/main" id="{56EE6F10-0D85-4668-B6B9-EE0DA08C907D}"/>
+              </a:ext>
+            </a:extLst>
+          </p:cNvPr>
+          <p:cNvSpPr/>
+          <p:nvPr/>
+        </p:nvSpPr>
+        <p:spPr>
+          <a:xfrm rot="17918506">
+            <a:off x="636220" y="3094591"/>
+            <a:ext cx="18118322" cy="9159220"/>
+          </a:xfrm>
+          <a:prstGeom prst="arc">
+            <a:avLst>
+              <a:gd name="adj1" fmla="val 14728227"/>
+              <a:gd name="adj2" fmla="val 20603575"/>
+            </a:avLst>
+          </a:prstGeom>
+          <a:noFill/>
+          <a:ln w="508000">
+            <a:solidFill>
+              <a:srgbClr val="EA68E1"/>
+            </a:solidFill>
+          </a:ln>
+        </p:spPr>
+        <p:style>
+          <a:lnRef idx="1">
+            <a:schemeClr val="accent1"/>
+          </a:lnRef>
+          <a:fillRef idx="0">
+            <a:schemeClr val="accent1"/>
+          </a:fillRef>
+          <a:effectRef idx="0">
+            <a:schemeClr val="accent1"/>
+          </a:effectRef>
+          <a:fontRef idx="minor">
+            <a:schemeClr val="tx1"/>
+          </a:fontRef>
+        </p:style>
+        <p:txBody>
+          <a:bodyPr rtlCol="0" anchor="ctr"/>
+          <a:lstStyle/>
+          <a:p>
+            <a:pPr algn="ctr"/>
+            <a:endParaRPr lang="pt-BR"/>
+          </a:p>
+        </p:txBody>
+      </p:sp>
+      <p:pic>
+        <p:nvPicPr>
+          <p:cNvPr id="35" name="Picture 34" descr="A picture containing graphical user interface&#10;&#10;Description automatically generated">
+            <a:extLst>
+              <a:ext uri="{FF2B5EF4-FFF2-40B4-BE49-F238E27FC236}">
+                <a16:creationId xmlns:a16="http://schemas.microsoft.com/office/drawing/2014/main" id="{1AE940E6-CB30-4DA9-8CC7-EB735BE70062}"/>
+              </a:ext>
+            </a:extLst>
+          </p:cNvPr>
+          <p:cNvPicPr>
+            <a:picLocks noChangeAspect="1"/>
+          </p:cNvPicPr>
+          <p:nvPr/>
+        </p:nvPicPr>
+        <p:blipFill>
+          <a:blip r:embed="rId2">
+            <a:extLst>
+              <a:ext uri="{28A0092B-C50C-407E-A947-70E740481C1C}">
+                <a14:useLocalDpi xmlns:a14="http://schemas.microsoft.com/office/drawing/2010/main" val="0"/>
+              </a:ext>
+            </a:extLst>
+          </a:blip>
+          <a:stretch>
+            <a:fillRect/>
+          </a:stretch>
+        </p:blipFill>
+        <p:spPr>
+          <a:xfrm>
+            <a:off x="1814689" y="1741488"/>
+            <a:ext cx="8562622" cy="4816475"/>
+          </a:xfrm>
+          <a:prstGeom prst="rect">
+            <a:avLst/>
+          </a:prstGeom>
+        </p:spPr>
+      </p:pic>
     </p:spTree>
     <p:extLst>
       <p:ext uri="{BB962C8B-B14F-4D97-AF65-F5344CB8AC3E}">
-        <p14:creationId xmlns:p14="http://schemas.microsoft.com/office/powerpoint/2010/main" val="3492766846"/>
+        <p14:creationId xmlns:p14="http://schemas.microsoft.com/office/powerpoint/2010/main" val="2506092892"/>
       </p:ext>
     </p:extLst>
   </p:cSld>
@@ -4239,10 +8676,63 @@
       </p:grpSpPr>
       <p:sp>
         <p:nvSpPr>
+          <p:cNvPr id="5" name="Arc 4">
+            <a:extLst>
+              <a:ext uri="{FF2B5EF4-FFF2-40B4-BE49-F238E27FC236}">
+                <a16:creationId xmlns:a16="http://schemas.microsoft.com/office/drawing/2014/main" id="{F1D25E63-E682-4E9D-8DF7-2EB8B03F048B}"/>
+              </a:ext>
+            </a:extLst>
+          </p:cNvPr>
+          <p:cNvSpPr/>
+          <p:nvPr/>
+        </p:nvSpPr>
+        <p:spPr>
+          <a:xfrm rot="17918506">
+            <a:off x="636220" y="3094591"/>
+            <a:ext cx="18118322" cy="9159220"/>
+          </a:xfrm>
+          <a:prstGeom prst="arc">
+            <a:avLst>
+              <a:gd name="adj1" fmla="val 14728227"/>
+              <a:gd name="adj2" fmla="val 20603575"/>
+            </a:avLst>
+          </a:prstGeom>
+          <a:noFill/>
+          <a:ln w="508000">
+            <a:solidFill>
+              <a:srgbClr val="EA68E1"/>
+            </a:solidFill>
+          </a:ln>
+        </p:spPr>
+        <p:style>
+          <a:lnRef idx="1">
+            <a:schemeClr val="accent1"/>
+          </a:lnRef>
+          <a:fillRef idx="0">
+            <a:schemeClr val="accent1"/>
+          </a:fillRef>
+          <a:effectRef idx="0">
+            <a:schemeClr val="accent1"/>
+          </a:effectRef>
+          <a:fontRef idx="minor">
+            <a:schemeClr val="tx1"/>
+          </a:fontRef>
+        </p:style>
+        <p:txBody>
+          <a:bodyPr rtlCol="0" anchor="ctr"/>
+          <a:lstStyle/>
+          <a:p>
+            <a:pPr algn="ctr"/>
+            <a:endParaRPr lang="pt-BR"/>
+          </a:p>
+        </p:txBody>
+      </p:sp>
+      <p:sp>
+        <p:nvSpPr>
           <p:cNvPr id="2" name="Title 1">
             <a:extLst>
               <a:ext uri="{FF2B5EF4-FFF2-40B4-BE49-F238E27FC236}">
-                <a16:creationId xmlns:a16="http://schemas.microsoft.com/office/drawing/2014/main" id="{306D1E47-F29E-463B-8F55-7873030716EA}"/>
+                <a16:creationId xmlns:a16="http://schemas.microsoft.com/office/drawing/2014/main" id="{E94B8F3A-0CC3-4A54-B3BC-2426DB59F767}"/>
               </a:ext>
             </a:extLst>
           </p:cNvPr>
@@ -4253,24 +8743,109 @@
             <p:ph type="title"/>
           </p:nvPr>
         </p:nvSpPr>
-        <p:spPr/>
-        <p:txBody>
-          <a:bodyPr/>
+        <p:spPr>
+          <a:xfrm>
+            <a:off x="852754" y="15413"/>
+            <a:ext cx="2157573" cy="806520"/>
+          </a:xfrm>
+        </p:spPr>
+        <p:txBody>
+          <a:bodyPr>
+            <a:normAutofit/>
+          </a:bodyPr>
           <a:lstStyle/>
           <a:p>
             <a:r>
               <a:rPr lang="pt-BR" b="1" dirty="0">
                 <a:latin typeface="Avenir Next LT Pro" panose="020B0504020202020204" pitchFamily="34" charset="0"/>
               </a:rPr>
-              <a:t>Backlog</a:t>
-            </a:r>
-          </a:p>
-        </p:txBody>
-      </p:sp>
+              <a:t>Canvas</a:t>
+            </a:r>
+          </a:p>
+        </p:txBody>
+      </p:sp>
+      <p:pic>
+        <p:nvPicPr>
+          <p:cNvPr id="10" name="Picture 9" descr="Graphical user interface, website&#10;&#10;Description automatically generated">
+            <a:extLst>
+              <a:ext uri="{FF2B5EF4-FFF2-40B4-BE49-F238E27FC236}">
+                <a16:creationId xmlns:a16="http://schemas.microsoft.com/office/drawing/2014/main" id="{A9EE3E02-0107-461E-B926-8F9C26DAFC60}"/>
+              </a:ext>
+            </a:extLst>
+          </p:cNvPr>
+          <p:cNvPicPr>
+            <a:picLocks noChangeAspect="1"/>
+          </p:cNvPicPr>
+          <p:nvPr/>
+        </p:nvPicPr>
+        <p:blipFill rotWithShape="1">
+          <a:blip r:embed="rId2">
+            <a:extLst>
+              <a:ext uri="{28A0092B-C50C-407E-A947-70E740481C1C}">
+                <a14:useLocalDpi xmlns:a14="http://schemas.microsoft.com/office/drawing/2010/main" val="0"/>
+              </a:ext>
+            </a:extLst>
+          </a:blip>
+          <a:srcRect l="9240" t="20974" b="8315"/>
+          <a:stretch/>
+        </p:blipFill>
+        <p:spPr>
+          <a:xfrm>
+            <a:off x="296238" y="904125"/>
+            <a:ext cx="11599524" cy="5763801"/>
+          </a:xfrm>
+          <a:prstGeom prst="rect">
+            <a:avLst/>
+          </a:prstGeom>
+        </p:spPr>
+      </p:pic>
+      <p:cxnSp>
+        <p:nvCxnSpPr>
+          <p:cNvPr id="4" name="Straight Connector 3">
+            <a:extLst>
+              <a:ext uri="{FF2B5EF4-FFF2-40B4-BE49-F238E27FC236}">
+                <a16:creationId xmlns:a16="http://schemas.microsoft.com/office/drawing/2014/main" id="{CE6F29E0-1FBB-4F92-A1CD-9EC0AD126F39}"/>
+              </a:ext>
+            </a:extLst>
+          </p:cNvPr>
+          <p:cNvCxnSpPr>
+            <a:cxnSpLocks/>
+          </p:cNvCxnSpPr>
+          <p:nvPr/>
+        </p:nvCxnSpPr>
+        <p:spPr>
+          <a:xfrm flipH="1">
+            <a:off x="1570006" y="684893"/>
+            <a:ext cx="1286210" cy="0"/>
+          </a:xfrm>
+          <a:prstGeom prst="line">
+            <a:avLst/>
+          </a:prstGeom>
+          <a:ln w="76200">
+            <a:solidFill>
+              <a:srgbClr val="ED65F0"/>
+            </a:solidFill>
+          </a:ln>
+        </p:spPr>
+        <p:style>
+          <a:lnRef idx="1">
+            <a:schemeClr val="accent1"/>
+          </a:lnRef>
+          <a:fillRef idx="0">
+            <a:schemeClr val="accent1"/>
+          </a:fillRef>
+          <a:effectRef idx="0">
+            <a:schemeClr val="accent1"/>
+          </a:effectRef>
+          <a:fontRef idx="minor">
+            <a:schemeClr val="tx1"/>
+          </a:fontRef>
+        </p:style>
+      </p:cxnSp>
     </p:spTree>
     <p:extLst>
       <p:ext uri="{BB962C8B-B14F-4D97-AF65-F5344CB8AC3E}">
-        <p14:creationId xmlns:p14="http://schemas.microsoft.com/office/powerpoint/2010/main" val="442222620"/>
+        <p14:creationId xmlns:p14="http://schemas.microsoft.com/office/powerpoint/2010/main" val="3492766846"/>
       </p:ext>
     </p:extLst>
   </p:cSld>
@@ -4299,10 +8874,63 @@
       </p:grpSpPr>
       <p:sp>
         <p:nvSpPr>
+          <p:cNvPr id="7" name="Arc 6">
+            <a:extLst>
+              <a:ext uri="{FF2B5EF4-FFF2-40B4-BE49-F238E27FC236}">
+                <a16:creationId xmlns:a16="http://schemas.microsoft.com/office/drawing/2014/main" id="{06698AA2-82BD-4D38-86DE-5BA7468C75FE}"/>
+              </a:ext>
+            </a:extLst>
+          </p:cNvPr>
+          <p:cNvSpPr/>
+          <p:nvPr/>
+        </p:nvSpPr>
+        <p:spPr>
+          <a:xfrm rot="17918506">
+            <a:off x="636220" y="3094591"/>
+            <a:ext cx="18118322" cy="9159220"/>
+          </a:xfrm>
+          <a:prstGeom prst="arc">
+            <a:avLst>
+              <a:gd name="adj1" fmla="val 14728227"/>
+              <a:gd name="adj2" fmla="val 20603575"/>
+            </a:avLst>
+          </a:prstGeom>
+          <a:noFill/>
+          <a:ln w="508000">
+            <a:solidFill>
+              <a:srgbClr val="EA68E1"/>
+            </a:solidFill>
+          </a:ln>
+        </p:spPr>
+        <p:style>
+          <a:lnRef idx="1">
+            <a:schemeClr val="accent1"/>
+          </a:lnRef>
+          <a:fillRef idx="0">
+            <a:schemeClr val="accent1"/>
+          </a:fillRef>
+          <a:effectRef idx="0">
+            <a:schemeClr val="accent1"/>
+          </a:effectRef>
+          <a:fontRef idx="minor">
+            <a:schemeClr val="tx1"/>
+          </a:fontRef>
+        </p:style>
+        <p:txBody>
+          <a:bodyPr rtlCol="0" anchor="ctr"/>
+          <a:lstStyle/>
+          <a:p>
+            <a:pPr algn="ctr"/>
+            <a:endParaRPr lang="pt-BR"/>
+          </a:p>
+        </p:txBody>
+      </p:sp>
+      <p:sp>
+        <p:nvSpPr>
           <p:cNvPr id="2" name="Title 1">
             <a:extLst>
               <a:ext uri="{FF2B5EF4-FFF2-40B4-BE49-F238E27FC236}">
-                <a16:creationId xmlns:a16="http://schemas.microsoft.com/office/drawing/2014/main" id="{00570DD6-FFF6-4DAD-88F3-683064016798}"/>
+                <a16:creationId xmlns:a16="http://schemas.microsoft.com/office/drawing/2014/main" id="{306D1E47-F29E-463B-8F55-7873030716EA}"/>
               </a:ext>
             </a:extLst>
           </p:cNvPr>
@@ -4313,7 +8941,12 @@
             <p:ph type="title"/>
           </p:nvPr>
         </p:nvSpPr>
-        <p:spPr/>
+        <p:spPr>
+          <a:xfrm>
+            <a:off x="776555" y="365125"/>
+            <a:ext cx="2583094" cy="807110"/>
+          </a:xfrm>
+        </p:spPr>
         <p:txBody>
           <a:bodyPr/>
           <a:lstStyle/>
@@ -4322,15 +8955,94 @@
               <a:rPr lang="pt-BR" b="1" dirty="0">
                 <a:latin typeface="Avenir Next LT Pro" panose="020B0504020202020204" pitchFamily="34" charset="0"/>
               </a:rPr>
-              <a:t>Modelagem Lógica</a:t>
-            </a:r>
-          </a:p>
-        </p:txBody>
-      </p:sp>
+              <a:t>Backlog</a:t>
+            </a:r>
+          </a:p>
+        </p:txBody>
+      </p:sp>
+      <p:cxnSp>
+        <p:nvCxnSpPr>
+          <p:cNvPr id="5" name="Straight Connector 4">
+            <a:extLst>
+              <a:ext uri="{FF2B5EF4-FFF2-40B4-BE49-F238E27FC236}">
+                <a16:creationId xmlns:a16="http://schemas.microsoft.com/office/drawing/2014/main" id="{FF8A0842-4260-4239-96CD-3BDD01E0AC8F}"/>
+              </a:ext>
+            </a:extLst>
+          </p:cNvPr>
+          <p:cNvCxnSpPr>
+            <a:cxnSpLocks/>
+          </p:cNvCxnSpPr>
+          <p:nvPr/>
+        </p:nvCxnSpPr>
+        <p:spPr>
+          <a:xfrm flipH="1">
+            <a:off x="1859622" y="1172235"/>
+            <a:ext cx="1136252" cy="0"/>
+          </a:xfrm>
+          <a:prstGeom prst="line">
+            <a:avLst/>
+          </a:prstGeom>
+          <a:ln w="76200">
+            <a:solidFill>
+              <a:srgbClr val="ED65F0"/>
+            </a:solidFill>
+          </a:ln>
+        </p:spPr>
+        <p:style>
+          <a:lnRef idx="1">
+            <a:schemeClr val="accent1"/>
+          </a:lnRef>
+          <a:fillRef idx="0">
+            <a:schemeClr val="accent1"/>
+          </a:fillRef>
+          <a:effectRef idx="0">
+            <a:schemeClr val="accent1"/>
+          </a:effectRef>
+          <a:fontRef idx="minor">
+            <a:schemeClr val="tx1"/>
+          </a:fontRef>
+        </p:style>
+      </p:cxnSp>
+      <p:pic>
+        <p:nvPicPr>
+          <p:cNvPr id="6" name="Picture 5" descr="Graphical user interface, text&#10;&#10;Description automatically generated">
+            <a:extLst>
+              <a:ext uri="{FF2B5EF4-FFF2-40B4-BE49-F238E27FC236}">
+                <a16:creationId xmlns:a16="http://schemas.microsoft.com/office/drawing/2014/main" id="{C470A6F9-4AAE-4699-9D9D-4B76DBBF179E}"/>
+              </a:ext>
+            </a:extLst>
+          </p:cNvPr>
+          <p:cNvPicPr>
+            <a:picLocks noChangeAspect="1"/>
+          </p:cNvPicPr>
+          <p:nvPr/>
+        </p:nvPicPr>
+        <p:blipFill>
+          <a:blip r:embed="rId2">
+            <a:extLst>
+              <a:ext uri="{28A0092B-C50C-407E-A947-70E740481C1C}">
+                <a14:useLocalDpi xmlns:a14="http://schemas.microsoft.com/office/drawing/2010/main" val="0"/>
+              </a:ext>
+            </a:extLst>
+          </a:blip>
+          <a:stretch>
+            <a:fillRect/>
+          </a:stretch>
+        </p:blipFill>
+        <p:spPr>
+          <a:xfrm>
+            <a:off x="701040" y="1602769"/>
+            <a:ext cx="10789920" cy="4999019"/>
+          </a:xfrm>
+          <a:prstGeom prst="rect">
+            <a:avLst/>
+          </a:prstGeom>
+        </p:spPr>
+      </p:pic>
     </p:spTree>
     <p:extLst>
       <p:ext uri="{BB962C8B-B14F-4D97-AF65-F5344CB8AC3E}">
-        <p14:creationId xmlns:p14="http://schemas.microsoft.com/office/powerpoint/2010/main" val="4106439763"/>
+        <p14:creationId xmlns:p14="http://schemas.microsoft.com/office/powerpoint/2010/main" val="442222620"/>
       </p:ext>
     </p:extLst>
   </p:cSld>
@@ -4359,10 +9071,99 @@
       </p:grpSpPr>
       <p:sp>
         <p:nvSpPr>
-          <p:cNvPr id="2" name="Title 1">
-            <a:extLst>
-              <a:ext uri="{FF2B5EF4-FFF2-40B4-BE49-F238E27FC236}">
-                <a16:creationId xmlns:a16="http://schemas.microsoft.com/office/drawing/2014/main" id="{CBEBAABA-F69C-4B11-966E-3783D8CF342E}"/>
+          <p:cNvPr id="6" name="Arc 5">
+            <a:extLst>
+              <a:ext uri="{FF2B5EF4-FFF2-40B4-BE49-F238E27FC236}">
+                <a16:creationId xmlns:a16="http://schemas.microsoft.com/office/drawing/2014/main" id="{A258D54D-0A9B-468B-AEEF-03377F337909}"/>
+              </a:ext>
+            </a:extLst>
+          </p:cNvPr>
+          <p:cNvSpPr/>
+          <p:nvPr/>
+        </p:nvSpPr>
+        <p:spPr>
+          <a:xfrm rot="17918506">
+            <a:off x="636220" y="3094591"/>
+            <a:ext cx="18118322" cy="9159220"/>
+          </a:xfrm>
+          <a:prstGeom prst="arc">
+            <a:avLst>
+              <a:gd name="adj1" fmla="val 14728227"/>
+              <a:gd name="adj2" fmla="val 20603575"/>
+            </a:avLst>
+          </a:prstGeom>
+          <a:noFill/>
+          <a:ln w="508000">
+            <a:solidFill>
+              <a:srgbClr val="EA68E1"/>
+            </a:solidFill>
+          </a:ln>
+        </p:spPr>
+        <p:style>
+          <a:lnRef idx="1">
+            <a:schemeClr val="accent1"/>
+          </a:lnRef>
+          <a:fillRef idx="0">
+            <a:schemeClr val="accent1"/>
+          </a:fillRef>
+          <a:effectRef idx="0">
+            <a:schemeClr val="accent1"/>
+          </a:effectRef>
+          <a:fontRef idx="minor">
+            <a:schemeClr val="tx1"/>
+          </a:fontRef>
+        </p:style>
+        <p:txBody>
+          <a:bodyPr rtlCol="0" anchor="ctr"/>
+          <a:lstStyle/>
+          <a:p>
+            <a:pPr algn="ctr"/>
+            <a:endParaRPr lang="pt-BR"/>
+          </a:p>
+        </p:txBody>
+      </p:sp>
+      <p:pic>
+        <p:nvPicPr>
+          <p:cNvPr id="4" name="Picture 3" descr="Diagram&#10;&#10;Description automatically generated">
+            <a:extLst>
+              <a:ext uri="{FF2B5EF4-FFF2-40B4-BE49-F238E27FC236}">
+                <a16:creationId xmlns:a16="http://schemas.microsoft.com/office/drawing/2014/main" id="{159C7AE3-CD37-4F46-A51D-23A7814A8959}"/>
+              </a:ext>
+            </a:extLst>
+          </p:cNvPr>
+          <p:cNvPicPr>
+            <a:picLocks noChangeAspect="1"/>
+          </p:cNvPicPr>
+          <p:nvPr/>
+        </p:nvPicPr>
+        <p:blipFill>
+          <a:blip r:embed="rId2">
+            <a:extLst>
+              <a:ext uri="{28A0092B-C50C-407E-A947-70E740481C1C}">
+                <a14:useLocalDpi xmlns:a14="http://schemas.microsoft.com/office/drawing/2010/main" val="0"/>
+              </a:ext>
+            </a:extLst>
+          </a:blip>
+          <a:stretch>
+            <a:fillRect/>
+          </a:stretch>
+        </p:blipFill>
+        <p:spPr>
+          <a:xfrm>
+            <a:off x="2832100" y="695203"/>
+            <a:ext cx="6901251" cy="5797672"/>
+          </a:xfrm>
+          <a:prstGeom prst="rect">
+            <a:avLst/>
+          </a:prstGeom>
+        </p:spPr>
+      </p:pic>
+      <p:sp>
+        <p:nvSpPr>
+          <p:cNvPr id="5" name="Title 1">
+            <a:extLst>
+              <a:ext uri="{FF2B5EF4-FFF2-40B4-BE49-F238E27FC236}">
+                <a16:creationId xmlns:a16="http://schemas.microsoft.com/office/drawing/2014/main" id="{BAB87C6F-22D4-4E66-A61A-4BFA81199E9C}"/>
               </a:ext>
             </a:extLst>
           </p:cNvPr>
@@ -4373,7 +9174,12 @@
             <p:ph type="title"/>
           </p:nvPr>
         </p:nvSpPr>
-        <p:spPr/>
+        <p:spPr>
+          <a:xfrm>
+            <a:off x="776555" y="365125"/>
+            <a:ext cx="2583094" cy="807110"/>
+          </a:xfrm>
+        </p:spPr>
         <p:txBody>
           <a:bodyPr/>
           <a:lstStyle/>
@@ -4382,15 +9188,58 @@
               <a:rPr lang="pt-BR" b="1" dirty="0">
                 <a:latin typeface="Avenir Next LT Pro" panose="020B0504020202020204" pitchFamily="34" charset="0"/>
               </a:rPr>
-              <a:t>Azure</a:t>
-            </a:r>
-          </a:p>
-        </p:txBody>
-      </p:sp>
+              <a:t>MER</a:t>
+            </a:r>
+          </a:p>
+        </p:txBody>
+      </p:sp>
+      <p:cxnSp>
+        <p:nvCxnSpPr>
+          <p:cNvPr id="7" name="Straight Connector 6">
+            <a:extLst>
+              <a:ext uri="{FF2B5EF4-FFF2-40B4-BE49-F238E27FC236}">
+                <a16:creationId xmlns:a16="http://schemas.microsoft.com/office/drawing/2014/main" id="{8565F33D-C124-4092-BF73-C2533B7F8F98}"/>
+              </a:ext>
+            </a:extLst>
+          </p:cNvPr>
+          <p:cNvCxnSpPr>
+            <a:cxnSpLocks/>
+          </p:cNvCxnSpPr>
+          <p:nvPr/>
+        </p:nvCxnSpPr>
+        <p:spPr>
+          <a:xfrm flipH="1">
+            <a:off x="914399" y="1069494"/>
+            <a:ext cx="1136252" cy="0"/>
+          </a:xfrm>
+          <a:prstGeom prst="line">
+            <a:avLst/>
+          </a:prstGeom>
+          <a:ln w="76200">
+            <a:solidFill>
+              <a:srgbClr val="ED65F0"/>
+            </a:solidFill>
+          </a:ln>
+        </p:spPr>
+        <p:style>
+          <a:lnRef idx="1">
+            <a:schemeClr val="accent1"/>
+          </a:lnRef>
+          <a:fillRef idx="0">
+            <a:schemeClr val="accent1"/>
+          </a:fillRef>
+          <a:effectRef idx="0">
+            <a:schemeClr val="accent1"/>
+          </a:effectRef>
+          <a:fontRef idx="minor">
+            <a:schemeClr val="tx1"/>
+          </a:fontRef>
+        </p:style>
+      </p:cxnSp>
     </p:spTree>
     <p:extLst>
       <p:ext uri="{BB962C8B-B14F-4D97-AF65-F5344CB8AC3E}">
-        <p14:creationId xmlns:p14="http://schemas.microsoft.com/office/powerpoint/2010/main" val="186077638"/>
+        <p14:creationId xmlns:p14="http://schemas.microsoft.com/office/powerpoint/2010/main" val="4106439763"/>
       </p:ext>
     </p:extLst>
   </p:cSld>

--- a/Apresentação - Prepta.pptx
+++ b/Apresentação - Prepta.pptx
@@ -130,7 +130,7 @@
 <file path=ppt/revisionInfo.xml><?xml version="1.0" encoding="utf-8"?>
 <p1510:revInfo xmlns:a="http://schemas.openxmlformats.org/drawingml/2006/main" xmlns:r="http://schemas.openxmlformats.org/officeDocument/2006/relationships" xmlns:p1510="http://schemas.microsoft.com/office/powerpoint/2015/10/main">
   <p1510:revLst>
-    <p1510:client id="{F775D6D4-349D-4C11-BAD6-5F5FBEE0A3D4}" v="246" dt="2021-03-07T22:18:35.823"/>
+    <p1510:client id="{F775D6D4-349D-4C11-BAD6-5F5FBEE0A3D4}" v="247" dt="2021-03-08T20:06:47.665"/>
   </p1510:revLst>
 </p1510:revInfo>
 </file>
@@ -140,7 +140,7 @@
   <pc:docChgLst>
     <pc:chgData name="Melo, Bruna Martins Brito de" userId="c13880bf-6654-4c41-8cb2-18b8c06e908d" providerId="ADAL" clId="{F775D6D4-349D-4C11-BAD6-5F5FBEE0A3D4}"/>
     <pc:docChg chg="undo custSel mod addSld delSld modSld sldOrd modMainMaster">
-      <pc:chgData name="Melo, Bruna Martins Brito de" userId="c13880bf-6654-4c41-8cb2-18b8c06e908d" providerId="ADAL" clId="{F775D6D4-349D-4C11-BAD6-5F5FBEE0A3D4}" dt="2021-03-07T22:18:45.418" v="1866" actId="1076"/>
+      <pc:chgData name="Melo, Bruna Martins Brito de" userId="c13880bf-6654-4c41-8cb2-18b8c06e908d" providerId="ADAL" clId="{F775D6D4-349D-4C11-BAD6-5F5FBEE0A3D4}" dt="2021-03-08T20:06:52.533" v="1881" actId="1076"/>
       <pc:docMkLst>
         <pc:docMk/>
       </pc:docMkLst>
@@ -611,8 +611,8 @@
           </ac:cxnSpMkLst>
         </pc:cxnChg>
       </pc:sldChg>
-      <pc:sldChg chg="addSp modSp mod">
-        <pc:chgData name="Melo, Bruna Martins Brito de" userId="c13880bf-6654-4c41-8cb2-18b8c06e908d" providerId="ADAL" clId="{F775D6D4-349D-4C11-BAD6-5F5FBEE0A3D4}" dt="2021-03-07T22:03:12.860" v="1139" actId="167"/>
+      <pc:sldChg chg="addSp modSp mod ord">
+        <pc:chgData name="Melo, Bruna Martins Brito de" userId="c13880bf-6654-4c41-8cb2-18b8c06e908d" providerId="ADAL" clId="{F775D6D4-349D-4C11-BAD6-5F5FBEE0A3D4}" dt="2021-03-08T19:49:33.753" v="1874"/>
         <pc:sldMkLst>
           <pc:docMk/>
           <pc:sldMk cId="3492766846" sldId="261"/>
@@ -745,7 +745,7 @@
         </pc:cxnChg>
       </pc:sldChg>
       <pc:sldChg chg="addSp modSp mod">
-        <pc:chgData name="Melo, Bruna Martins Brito de" userId="c13880bf-6654-4c41-8cb2-18b8c06e908d" providerId="ADAL" clId="{F775D6D4-349D-4C11-BAD6-5F5FBEE0A3D4}" dt="2021-03-07T22:03:30.138" v="1143" actId="167"/>
+        <pc:chgData name="Melo, Bruna Martins Brito de" userId="c13880bf-6654-4c41-8cb2-18b8c06e908d" providerId="ADAL" clId="{F775D6D4-349D-4C11-BAD6-5F5FBEE0A3D4}" dt="2021-03-08T20:06:52.533" v="1881" actId="1076"/>
         <pc:sldMkLst>
           <pc:docMk/>
           <pc:sldMk cId="186077638" sldId="264"/>
@@ -758,6 +758,14 @@
             <ac:spMk id="3" creationId="{D5CD9A49-2448-4565-A168-B3050BB43B5D}"/>
           </ac:spMkLst>
         </pc:spChg>
+        <pc:picChg chg="add mod">
+          <ac:chgData name="Melo, Bruna Martins Brito de" userId="c13880bf-6654-4c41-8cb2-18b8c06e908d" providerId="ADAL" clId="{F775D6D4-349D-4C11-BAD6-5F5FBEE0A3D4}" dt="2021-03-08T20:06:52.533" v="1881" actId="1076"/>
+          <ac:picMkLst>
+            <pc:docMk/>
+            <pc:sldMk cId="186077638" sldId="264"/>
+            <ac:picMk id="2" creationId="{D67ED97F-F9A7-4F5C-9B5D-142942D19977}"/>
+          </ac:picMkLst>
+        </pc:picChg>
       </pc:sldChg>
       <pc:sldChg chg="addSp modSp mod ord">
         <pc:chgData name="Melo, Bruna Martins Brito de" userId="c13880bf-6654-4c41-8cb2-18b8c06e908d" providerId="ADAL" clId="{F775D6D4-349D-4C11-BAD6-5F5FBEE0A3D4}" dt="2021-03-07T22:03:34.511" v="1145" actId="167"/>
@@ -861,7 +869,7 @@
         </pc:cxnChg>
       </pc:sldChg>
       <pc:sldChg chg="addSp delSp modSp mod">
-        <pc:chgData name="Melo, Bruna Martins Brito de" userId="c13880bf-6654-4c41-8cb2-18b8c06e908d" providerId="ADAL" clId="{F775D6D4-349D-4C11-BAD6-5F5FBEE0A3D4}" dt="2021-03-07T22:15:41.032" v="1756" actId="20577"/>
+        <pc:chgData name="Melo, Bruna Martins Brito de" userId="c13880bf-6654-4c41-8cb2-18b8c06e908d" providerId="ADAL" clId="{F775D6D4-349D-4C11-BAD6-5F5FBEE0A3D4}" dt="2021-03-08T19:55:01.128" v="1876" actId="1076"/>
         <pc:sldMkLst>
           <pc:docMk/>
           <pc:sldMk cId="63032327" sldId="268"/>
@@ -891,7 +899,7 @@
           </ac:spMkLst>
         </pc:spChg>
         <pc:spChg chg="add mod">
-          <ac:chgData name="Melo, Bruna Martins Brito de" userId="c13880bf-6654-4c41-8cb2-18b8c06e908d" providerId="ADAL" clId="{F775D6D4-349D-4C11-BAD6-5F5FBEE0A3D4}" dt="2021-03-07T22:15:41.032" v="1756" actId="20577"/>
+          <ac:chgData name="Melo, Bruna Martins Brito de" userId="c13880bf-6654-4c41-8cb2-18b8c06e908d" providerId="ADAL" clId="{F775D6D4-349D-4C11-BAD6-5F5FBEE0A3D4}" dt="2021-03-08T19:55:01.128" v="1876" actId="1076"/>
           <ac:spMkLst>
             <pc:docMk/>
             <pc:sldMk cId="63032327" sldId="268"/>
@@ -963,8 +971,8 @@
           </ac:cxnSpMkLst>
         </pc:cxnChg>
       </pc:sldChg>
-      <pc:sldChg chg="addSp modSp mod">
-        <pc:chgData name="Melo, Bruna Martins Brito de" userId="c13880bf-6654-4c41-8cb2-18b8c06e908d" providerId="ADAL" clId="{F775D6D4-349D-4C11-BAD6-5F5FBEE0A3D4}" dt="2021-03-07T22:17:39.431" v="1859" actId="1076"/>
+      <pc:sldChg chg="addSp modSp mod ord">
+        <pc:chgData name="Melo, Bruna Martins Brito de" userId="c13880bf-6654-4c41-8cb2-18b8c06e908d" providerId="ADAL" clId="{F775D6D4-349D-4C11-BAD6-5F5FBEE0A3D4}" dt="2021-03-08T19:58:49.406" v="1878"/>
         <pc:sldMkLst>
           <pc:docMk/>
           <pc:sldMk cId="3798227584" sldId="269"/>
@@ -1599,7 +1607,7 @@
           <a:p>
             <a:fld id="{12DA4545-FF8F-42A6-9F36-2AD1ECF70FEC}" type="datetimeFigureOut">
               <a:rPr lang="pt-BR" smtClean="0"/>
-              <a:t>07/03/2021</a:t>
+              <a:t>08/03/2021</a:t>
             </a:fld>
             <a:endParaRPr lang="pt-BR"/>
           </a:p>
@@ -1799,7 +1807,7 @@
           <a:p>
             <a:fld id="{12DA4545-FF8F-42A6-9F36-2AD1ECF70FEC}" type="datetimeFigureOut">
               <a:rPr lang="pt-BR" smtClean="0"/>
-              <a:t>07/03/2021</a:t>
+              <a:t>08/03/2021</a:t>
             </a:fld>
             <a:endParaRPr lang="pt-BR"/>
           </a:p>
@@ -2009,7 +2017,7 @@
           <a:p>
             <a:fld id="{12DA4545-FF8F-42A6-9F36-2AD1ECF70FEC}" type="datetimeFigureOut">
               <a:rPr lang="pt-BR" smtClean="0"/>
-              <a:t>07/03/2021</a:t>
+              <a:t>08/03/2021</a:t>
             </a:fld>
             <a:endParaRPr lang="pt-BR"/>
           </a:p>
@@ -2209,7 +2217,7 @@
           <a:p>
             <a:fld id="{12DA4545-FF8F-42A6-9F36-2AD1ECF70FEC}" type="datetimeFigureOut">
               <a:rPr lang="pt-BR" smtClean="0"/>
-              <a:t>07/03/2021</a:t>
+              <a:t>08/03/2021</a:t>
             </a:fld>
             <a:endParaRPr lang="pt-BR"/>
           </a:p>
@@ -2485,7 +2493,7 @@
           <a:p>
             <a:fld id="{12DA4545-FF8F-42A6-9F36-2AD1ECF70FEC}" type="datetimeFigureOut">
               <a:rPr lang="pt-BR" smtClean="0"/>
-              <a:t>07/03/2021</a:t>
+              <a:t>08/03/2021</a:t>
             </a:fld>
             <a:endParaRPr lang="pt-BR"/>
           </a:p>
@@ -2753,7 +2761,7 @@
           <a:p>
             <a:fld id="{12DA4545-FF8F-42A6-9F36-2AD1ECF70FEC}" type="datetimeFigureOut">
               <a:rPr lang="pt-BR" smtClean="0"/>
-              <a:t>07/03/2021</a:t>
+              <a:t>08/03/2021</a:t>
             </a:fld>
             <a:endParaRPr lang="pt-BR"/>
           </a:p>
@@ -3168,7 +3176,7 @@
           <a:p>
             <a:fld id="{12DA4545-FF8F-42A6-9F36-2AD1ECF70FEC}" type="datetimeFigureOut">
               <a:rPr lang="pt-BR" smtClean="0"/>
-              <a:t>07/03/2021</a:t>
+              <a:t>08/03/2021</a:t>
             </a:fld>
             <a:endParaRPr lang="pt-BR"/>
           </a:p>
@@ -3310,7 +3318,7 @@
           <a:p>
             <a:fld id="{12DA4545-FF8F-42A6-9F36-2AD1ECF70FEC}" type="datetimeFigureOut">
               <a:rPr lang="pt-BR" smtClean="0"/>
-              <a:t>07/03/2021</a:t>
+              <a:t>08/03/2021</a:t>
             </a:fld>
             <a:endParaRPr lang="pt-BR"/>
           </a:p>
@@ -3423,7 +3431,7 @@
           <a:p>
             <a:fld id="{12DA4545-FF8F-42A6-9F36-2AD1ECF70FEC}" type="datetimeFigureOut">
               <a:rPr lang="pt-BR" smtClean="0"/>
-              <a:t>07/03/2021</a:t>
+              <a:t>08/03/2021</a:t>
             </a:fld>
             <a:endParaRPr lang="pt-BR"/>
           </a:p>
@@ -3736,7 +3744,7 @@
           <a:p>
             <a:fld id="{12DA4545-FF8F-42A6-9F36-2AD1ECF70FEC}" type="datetimeFigureOut">
               <a:rPr lang="pt-BR" smtClean="0"/>
-              <a:t>07/03/2021</a:t>
+              <a:t>08/03/2021</a:t>
             </a:fld>
             <a:endParaRPr lang="pt-BR"/>
           </a:p>
@@ -4025,7 +4033,7 @@
           <a:p>
             <a:fld id="{12DA4545-FF8F-42A6-9F36-2AD1ECF70FEC}" type="datetimeFigureOut">
               <a:rPr lang="pt-BR" smtClean="0"/>
-              <a:t>07/03/2021</a:t>
+              <a:t>08/03/2021</a:t>
             </a:fld>
             <a:endParaRPr lang="pt-BR"/>
           </a:p>
@@ -4273,7 +4281,7 @@
           <a:p>
             <a:fld id="{12DA4545-FF8F-42A6-9F36-2AD1ECF70FEC}" type="datetimeFigureOut">
               <a:rPr lang="pt-BR" smtClean="0"/>
-              <a:t>07/03/2021</a:t>
+              <a:t>08/03/2021</a:t>
             </a:fld>
             <a:endParaRPr lang="pt-BR"/>
           </a:p>
@@ -5189,6 +5197,36 @@
           </a:prstGeom>
         </p:spPr>
       </p:pic>
+      <p:pic>
+        <p:nvPicPr>
+          <p:cNvPr id="2" name="Picture 1">
+            <a:extLst>
+              <a:ext uri="{FF2B5EF4-FFF2-40B4-BE49-F238E27FC236}">
+                <a16:creationId xmlns:a16="http://schemas.microsoft.com/office/drawing/2014/main" id="{D67ED97F-F9A7-4F5C-9B5D-142942D19977}"/>
+              </a:ext>
+            </a:extLst>
+          </p:cNvPr>
+          <p:cNvPicPr>
+            <a:picLocks noChangeAspect="1"/>
+          </p:cNvPicPr>
+          <p:nvPr/>
+        </p:nvPicPr>
+        <p:blipFill>
+          <a:blip r:embed="rId3"/>
+          <a:stretch>
+            <a:fillRect/>
+          </a:stretch>
+        </p:blipFill>
+        <p:spPr>
+          <a:xfrm>
+            <a:off x="3478874" y="785871"/>
+            <a:ext cx="8148758" cy="5664200"/>
+          </a:xfrm>
+          <a:prstGeom prst="rect">
+            <a:avLst/>
+          </a:prstGeom>
+        </p:spPr>
+      </p:pic>
     </p:spTree>
     <p:extLst>
       <p:ext uri="{BB962C8B-B14F-4D97-AF65-F5344CB8AC3E}">
@@ -6049,8 +6087,8 @@
         </p:nvSpPr>
         <p:spPr>
           <a:xfrm>
-            <a:off x="838200" y="2765286"/>
-            <a:ext cx="2782104" cy="3416320"/>
+            <a:off x="838200" y="2468953"/>
+            <a:ext cx="3750733" cy="2585323"/>
           </a:xfrm>
           <a:prstGeom prst="rect">
             <a:avLst/>

--- a/Apresentação - Prepta.pptx
+++ b/Apresentação - Prepta.pptx
@@ -9160,42 +9160,6 @@
           </a:p>
         </p:txBody>
       </p:sp>
-      <p:pic>
-        <p:nvPicPr>
-          <p:cNvPr id="4" name="Picture 3" descr="Diagram&#10;&#10;Description automatically generated">
-            <a:extLst>
-              <a:ext uri="{FF2B5EF4-FFF2-40B4-BE49-F238E27FC236}">
-                <a16:creationId xmlns:a16="http://schemas.microsoft.com/office/drawing/2014/main" id="{159C7AE3-CD37-4F46-A51D-23A7814A8959}"/>
-              </a:ext>
-            </a:extLst>
-          </p:cNvPr>
-          <p:cNvPicPr>
-            <a:picLocks noChangeAspect="1"/>
-          </p:cNvPicPr>
-          <p:nvPr/>
-        </p:nvPicPr>
-        <p:blipFill>
-          <a:blip r:embed="rId2">
-            <a:extLst>
-              <a:ext uri="{28A0092B-C50C-407E-A947-70E740481C1C}">
-                <a14:useLocalDpi xmlns:a14="http://schemas.microsoft.com/office/drawing/2010/main" val="0"/>
-              </a:ext>
-            </a:extLst>
-          </a:blip>
-          <a:stretch>
-            <a:fillRect/>
-          </a:stretch>
-        </p:blipFill>
-        <p:spPr>
-          <a:xfrm>
-            <a:off x="2832100" y="695203"/>
-            <a:ext cx="6901251" cy="5797672"/>
-          </a:xfrm>
-          <a:prstGeom prst="rect">
-            <a:avLst/>
-          </a:prstGeom>
-        </p:spPr>
-      </p:pic>
       <p:sp>
         <p:nvSpPr>
           <p:cNvPr id="5" name="Title 1">
@@ -9274,6 +9238,42 @@
           </a:fontRef>
         </p:style>
       </p:cxnSp>
+      <p:pic>
+        <p:nvPicPr>
+          <p:cNvPr id="3" name="Picture 2" descr="Diagram&#10;&#10;Description automatically generated">
+            <a:extLst>
+              <a:ext uri="{FF2B5EF4-FFF2-40B4-BE49-F238E27FC236}">
+                <a16:creationId xmlns:a16="http://schemas.microsoft.com/office/drawing/2014/main" id="{4C4AE76D-744A-4571-AC2B-0F6C14829994}"/>
+              </a:ext>
+            </a:extLst>
+          </p:cNvPr>
+          <p:cNvPicPr>
+            <a:picLocks noChangeAspect="1"/>
+          </p:cNvPicPr>
+          <p:nvPr/>
+        </p:nvPicPr>
+        <p:blipFill>
+          <a:blip r:embed="rId2">
+            <a:extLst>
+              <a:ext uri="{28A0092B-C50C-407E-A947-70E740481C1C}">
+                <a14:useLocalDpi xmlns:a14="http://schemas.microsoft.com/office/drawing/2010/main" val="0"/>
+              </a:ext>
+            </a:extLst>
+          </a:blip>
+          <a:stretch>
+            <a:fillRect/>
+          </a:stretch>
+        </p:blipFill>
+        <p:spPr>
+          <a:xfrm>
+            <a:off x="2470069" y="965263"/>
+            <a:ext cx="6708684" cy="5527612"/>
+          </a:xfrm>
+          <a:prstGeom prst="rect">
+            <a:avLst/>
+          </a:prstGeom>
+        </p:spPr>
+      </p:pic>
     </p:spTree>
     <p:extLst>
       <p:ext uri="{BB962C8B-B14F-4D97-AF65-F5344CB8AC3E}">
